--- a/Presentation_group_k.pptx
+++ b/Presentation_group_k.pptx
@@ -4,6 +4,9 @@
   <p:sldMasterIdLst>
     <p:sldMasterId id="2147483678" r:id="rId1"/>
   </p:sldMasterIdLst>
+  <p:notesMasterIdLst>
+    <p:notesMasterId r:id="rId22"/>
+  </p:notesMasterIdLst>
   <p:sldIdLst>
     <p:sldId id="256" r:id="rId2"/>
     <p:sldId id="258" r:id="rId3"/>
@@ -18,10 +21,13 @@
     <p:sldId id="267" r:id="rId12"/>
     <p:sldId id="268" r:id="rId13"/>
     <p:sldId id="269" r:id="rId14"/>
-    <p:sldId id="261" r:id="rId15"/>
-    <p:sldId id="270" r:id="rId16"/>
-    <p:sldId id="271" r:id="rId17"/>
-    <p:sldId id="272" r:id="rId18"/>
+    <p:sldId id="275" r:id="rId15"/>
+    <p:sldId id="261" r:id="rId16"/>
+    <p:sldId id="270" r:id="rId17"/>
+    <p:sldId id="271" r:id="rId18"/>
+    <p:sldId id="274" r:id="rId19"/>
+    <p:sldId id="273" r:id="rId20"/>
+    <p:sldId id="272" r:id="rId21"/>
   </p:sldIdLst>
   <p:sldSz cx="12192000" cy="6858000"/>
   <p:notesSz cx="6858000" cy="9144000"/>
@@ -131,13 +137,1192 @@
 <file path=ppt/commentAuthors.xml><?xml version="1.0" encoding="utf-8"?>
 <p:cmAuthorLst xmlns:a="http://schemas.openxmlformats.org/drawingml/2006/main" xmlns:r="http://schemas.openxmlformats.org/officeDocument/2006/relationships" xmlns:p="http://schemas.openxmlformats.org/presentationml/2006/main">
   <p:cmAuthor id="1" name="Chio Chon Hou" initials="CCH" lastIdx="1" clrIdx="0">
+    <p:extLst/>
+  </p:cmAuthor>
+</p:cmAuthorLst>
+</file>
+
+<file path=ppt/notesMasters/notesMaster1.xml><?xml version="1.0" encoding="utf-8"?>
+<p:notesMaster xmlns:a="http://schemas.openxmlformats.org/drawingml/2006/main" xmlns:r="http://schemas.openxmlformats.org/officeDocument/2006/relationships" xmlns:p="http://schemas.openxmlformats.org/presentationml/2006/main">
+  <p:cSld>
+    <p:bg>
+      <p:bgRef idx="1001">
+        <a:schemeClr val="bg1"/>
+      </p:bgRef>
+    </p:bg>
+    <p:spTree>
+      <p:nvGrpSpPr>
+        <p:cNvPr id="1" name=""/>
+        <p:cNvGrpSpPr/>
+        <p:nvPr/>
+      </p:nvGrpSpPr>
+      <p:grpSpPr>
+        <a:xfrm>
+          <a:off x="0" y="0"/>
+          <a:ext cx="0" cy="0"/>
+          <a:chOff x="0" y="0"/>
+          <a:chExt cx="0" cy="0"/>
+        </a:xfrm>
+      </p:grpSpPr>
+      <p:sp>
+        <p:nvSpPr>
+          <p:cNvPr id="2" name="頁首版面配置區 1"/>
+          <p:cNvSpPr>
+            <a:spLocks noGrp="1"/>
+          </p:cNvSpPr>
+          <p:nvPr>
+            <p:ph type="hdr" sz="quarter"/>
+          </p:nvPr>
+        </p:nvSpPr>
+        <p:spPr>
+          <a:xfrm>
+            <a:off x="0" y="0"/>
+            <a:ext cx="2971800" cy="458788"/>
+          </a:xfrm>
+          <a:prstGeom prst="rect">
+            <a:avLst/>
+          </a:prstGeom>
+        </p:spPr>
+        <p:txBody>
+          <a:bodyPr vert="horz" lIns="91440" tIns="45720" rIns="91440" bIns="45720" rtlCol="0"/>
+          <a:lstStyle>
+            <a:lvl1pPr algn="l">
+              <a:defRPr sz="1200"/>
+            </a:lvl1pPr>
+          </a:lstStyle>
+          <a:p>
+            <a:endParaRPr kumimoji="1" lang="zh-TW" altLang="en-US"/>
+          </a:p>
+        </p:txBody>
+      </p:sp>
+      <p:sp>
+        <p:nvSpPr>
+          <p:cNvPr id="3" name="日期版面配置區 2"/>
+          <p:cNvSpPr>
+            <a:spLocks noGrp="1"/>
+          </p:cNvSpPr>
+          <p:nvPr>
+            <p:ph type="dt" idx="1"/>
+          </p:nvPr>
+        </p:nvSpPr>
+        <p:spPr>
+          <a:xfrm>
+            <a:off x="3884613" y="0"/>
+            <a:ext cx="2971800" cy="458788"/>
+          </a:xfrm>
+          <a:prstGeom prst="rect">
+            <a:avLst/>
+          </a:prstGeom>
+        </p:spPr>
+        <p:txBody>
+          <a:bodyPr vert="horz" lIns="91440" tIns="45720" rIns="91440" bIns="45720" rtlCol="0"/>
+          <a:lstStyle>
+            <a:lvl1pPr algn="r">
+              <a:defRPr sz="1200"/>
+            </a:lvl1pPr>
+          </a:lstStyle>
+          <a:p>
+            <a:fld id="{9C37C5F1-5830-FA45-AF71-D36C8CFB7AE0}" type="datetimeFigureOut">
+              <a:rPr kumimoji="1" lang="zh-TW" altLang="en-US" smtClean="0"/>
+              <a:t>2019/12/15</a:t>
+            </a:fld>
+            <a:endParaRPr kumimoji="1" lang="zh-TW" altLang="en-US"/>
+          </a:p>
+        </p:txBody>
+      </p:sp>
+      <p:sp>
+        <p:nvSpPr>
+          <p:cNvPr id="4" name="投影片影像版面配置區 3"/>
+          <p:cNvSpPr>
+            <a:spLocks noGrp="1" noRot="1" noChangeAspect="1"/>
+          </p:cNvSpPr>
+          <p:nvPr>
+            <p:ph type="sldImg" idx="2"/>
+          </p:nvPr>
+        </p:nvSpPr>
+        <p:spPr>
+          <a:xfrm>
+            <a:off x="685800" y="1143000"/>
+            <a:ext cx="5486400" cy="3086100"/>
+          </a:xfrm>
+          <a:prstGeom prst="rect">
+            <a:avLst/>
+          </a:prstGeom>
+          <a:noFill/>
+          <a:ln w="12700">
+            <a:solidFill>
+              <a:prstClr val="black"/>
+            </a:solidFill>
+          </a:ln>
+        </p:spPr>
+        <p:txBody>
+          <a:bodyPr vert="horz" lIns="91440" tIns="45720" rIns="91440" bIns="45720" rtlCol="0" anchor="ctr"/>
+          <a:lstStyle/>
+          <a:p>
+            <a:endParaRPr lang="zh-TW" altLang="en-US"/>
+          </a:p>
+        </p:txBody>
+      </p:sp>
+      <p:sp>
+        <p:nvSpPr>
+          <p:cNvPr id="5" name="備忘稿版面配置區 4"/>
+          <p:cNvSpPr>
+            <a:spLocks noGrp="1"/>
+          </p:cNvSpPr>
+          <p:nvPr>
+            <p:ph type="body" sz="quarter" idx="3"/>
+          </p:nvPr>
+        </p:nvSpPr>
+        <p:spPr>
+          <a:xfrm>
+            <a:off x="685800" y="4400550"/>
+            <a:ext cx="5486400" cy="3600450"/>
+          </a:xfrm>
+          <a:prstGeom prst="rect">
+            <a:avLst/>
+          </a:prstGeom>
+        </p:spPr>
+        <p:txBody>
+          <a:bodyPr vert="horz" lIns="91440" tIns="45720" rIns="91440" bIns="45720" rtlCol="0"/>
+          <a:lstStyle/>
+          <a:p>
+            <a:pPr lvl="0"/>
+            <a:r>
+              <a:rPr kumimoji="1" lang="zh-TW" altLang="en-US" smtClean="0"/>
+              <a:t>按一下以編輯母片文字樣式</a:t>
+            </a:r>
+          </a:p>
+          <a:p>
+            <a:pPr lvl="1"/>
+            <a:r>
+              <a:rPr kumimoji="1" lang="zh-TW" altLang="en-US" smtClean="0"/>
+              <a:t>第二層</a:t>
+            </a:r>
+          </a:p>
+          <a:p>
+            <a:pPr lvl="2"/>
+            <a:r>
+              <a:rPr kumimoji="1" lang="zh-TW" altLang="en-US" smtClean="0"/>
+              <a:t>第三層</a:t>
+            </a:r>
+          </a:p>
+          <a:p>
+            <a:pPr lvl="3"/>
+            <a:r>
+              <a:rPr kumimoji="1" lang="zh-TW" altLang="en-US" smtClean="0"/>
+              <a:t>第四層</a:t>
+            </a:r>
+          </a:p>
+          <a:p>
+            <a:pPr lvl="4"/>
+            <a:r>
+              <a:rPr kumimoji="1" lang="zh-TW" altLang="en-US" smtClean="0"/>
+              <a:t>第五層</a:t>
+            </a:r>
+            <a:endParaRPr kumimoji="1" lang="zh-TW" altLang="en-US"/>
+          </a:p>
+        </p:txBody>
+      </p:sp>
+      <p:sp>
+        <p:nvSpPr>
+          <p:cNvPr id="6" name="頁尾版面配置區 5"/>
+          <p:cNvSpPr>
+            <a:spLocks noGrp="1"/>
+          </p:cNvSpPr>
+          <p:nvPr>
+            <p:ph type="ftr" sz="quarter" idx="4"/>
+          </p:nvPr>
+        </p:nvSpPr>
+        <p:spPr>
+          <a:xfrm>
+            <a:off x="0" y="8685213"/>
+            <a:ext cx="2971800" cy="458787"/>
+          </a:xfrm>
+          <a:prstGeom prst="rect">
+            <a:avLst/>
+          </a:prstGeom>
+        </p:spPr>
+        <p:txBody>
+          <a:bodyPr vert="horz" lIns="91440" tIns="45720" rIns="91440" bIns="45720" rtlCol="0" anchor="b"/>
+          <a:lstStyle>
+            <a:lvl1pPr algn="l">
+              <a:defRPr sz="1200"/>
+            </a:lvl1pPr>
+          </a:lstStyle>
+          <a:p>
+            <a:endParaRPr kumimoji="1" lang="zh-TW" altLang="en-US"/>
+          </a:p>
+        </p:txBody>
+      </p:sp>
+      <p:sp>
+        <p:nvSpPr>
+          <p:cNvPr id="7" name="投影片編號版面配置區 6"/>
+          <p:cNvSpPr>
+            <a:spLocks noGrp="1"/>
+          </p:cNvSpPr>
+          <p:nvPr>
+            <p:ph type="sldNum" sz="quarter" idx="5"/>
+          </p:nvPr>
+        </p:nvSpPr>
+        <p:spPr>
+          <a:xfrm>
+            <a:off x="3884613" y="8685213"/>
+            <a:ext cx="2971800" cy="458787"/>
+          </a:xfrm>
+          <a:prstGeom prst="rect">
+            <a:avLst/>
+          </a:prstGeom>
+        </p:spPr>
+        <p:txBody>
+          <a:bodyPr vert="horz" lIns="91440" tIns="45720" rIns="91440" bIns="45720" rtlCol="0" anchor="b"/>
+          <a:lstStyle>
+            <a:lvl1pPr algn="r">
+              <a:defRPr sz="1200"/>
+            </a:lvl1pPr>
+          </a:lstStyle>
+          <a:p>
+            <a:fld id="{A04AD0A5-2569-EA4A-B1D5-45BFBF47F3A1}" type="slidenum">
+              <a:rPr kumimoji="1" lang="zh-TW" altLang="en-US" smtClean="0"/>
+              <a:t>‹#›</a:t>
+            </a:fld>
+            <a:endParaRPr kumimoji="1" lang="zh-TW" altLang="en-US"/>
+          </a:p>
+        </p:txBody>
+      </p:sp>
+    </p:spTree>
     <p:extLst>
-      <p:ext uri="{19B8F6BF-5375-455C-9EA6-DF929625EA0E}">
-        <p15:presenceInfo xmlns:p15="http://schemas.microsoft.com/office/powerpoint/2012/main" userId="S-1-5-21-1401054753-713960302-837300805-137168" providerId="AD"/>
+      <p:ext uri="{BB962C8B-B14F-4D97-AF65-F5344CB8AC3E}">
+        <p14:creationId xmlns:p14="http://schemas.microsoft.com/office/powerpoint/2010/main" val="779683602"/>
       </p:ext>
     </p:extLst>
-  </p:cmAuthor>
-</p:cmAuthorLst>
+  </p:cSld>
+  <p:clrMap bg1="lt1" tx1="dk1" bg2="lt2" tx2="dk2" accent1="accent1" accent2="accent2" accent3="accent3" accent4="accent4" accent5="accent5" accent6="accent6" hlink="hlink" folHlink="folHlink"/>
+  <p:notesStyle>
+    <a:lvl1pPr marL="0" algn="l" defTabSz="914400" rtl="0" eaLnBrk="1" latinLnBrk="0" hangingPunct="1">
+      <a:defRPr sz="1200" kern="1200">
+        <a:solidFill>
+          <a:schemeClr val="tx1"/>
+        </a:solidFill>
+        <a:latin typeface="+mn-lt"/>
+        <a:ea typeface="+mn-ea"/>
+        <a:cs typeface="+mn-cs"/>
+      </a:defRPr>
+    </a:lvl1pPr>
+    <a:lvl2pPr marL="457200" algn="l" defTabSz="914400" rtl="0" eaLnBrk="1" latinLnBrk="0" hangingPunct="1">
+      <a:defRPr sz="1200" kern="1200">
+        <a:solidFill>
+          <a:schemeClr val="tx1"/>
+        </a:solidFill>
+        <a:latin typeface="+mn-lt"/>
+        <a:ea typeface="+mn-ea"/>
+        <a:cs typeface="+mn-cs"/>
+      </a:defRPr>
+    </a:lvl2pPr>
+    <a:lvl3pPr marL="914400" algn="l" defTabSz="914400" rtl="0" eaLnBrk="1" latinLnBrk="0" hangingPunct="1">
+      <a:defRPr sz="1200" kern="1200">
+        <a:solidFill>
+          <a:schemeClr val="tx1"/>
+        </a:solidFill>
+        <a:latin typeface="+mn-lt"/>
+        <a:ea typeface="+mn-ea"/>
+        <a:cs typeface="+mn-cs"/>
+      </a:defRPr>
+    </a:lvl3pPr>
+    <a:lvl4pPr marL="1371600" algn="l" defTabSz="914400" rtl="0" eaLnBrk="1" latinLnBrk="0" hangingPunct="1">
+      <a:defRPr sz="1200" kern="1200">
+        <a:solidFill>
+          <a:schemeClr val="tx1"/>
+        </a:solidFill>
+        <a:latin typeface="+mn-lt"/>
+        <a:ea typeface="+mn-ea"/>
+        <a:cs typeface="+mn-cs"/>
+      </a:defRPr>
+    </a:lvl4pPr>
+    <a:lvl5pPr marL="1828800" algn="l" defTabSz="914400" rtl="0" eaLnBrk="1" latinLnBrk="0" hangingPunct="1">
+      <a:defRPr sz="1200" kern="1200">
+        <a:solidFill>
+          <a:schemeClr val="tx1"/>
+        </a:solidFill>
+        <a:latin typeface="+mn-lt"/>
+        <a:ea typeface="+mn-ea"/>
+        <a:cs typeface="+mn-cs"/>
+      </a:defRPr>
+    </a:lvl5pPr>
+    <a:lvl6pPr marL="2286000" algn="l" defTabSz="914400" rtl="0" eaLnBrk="1" latinLnBrk="0" hangingPunct="1">
+      <a:defRPr sz="1200" kern="1200">
+        <a:solidFill>
+          <a:schemeClr val="tx1"/>
+        </a:solidFill>
+        <a:latin typeface="+mn-lt"/>
+        <a:ea typeface="+mn-ea"/>
+        <a:cs typeface="+mn-cs"/>
+      </a:defRPr>
+    </a:lvl6pPr>
+    <a:lvl7pPr marL="2743200" algn="l" defTabSz="914400" rtl="0" eaLnBrk="1" latinLnBrk="0" hangingPunct="1">
+      <a:defRPr sz="1200" kern="1200">
+        <a:solidFill>
+          <a:schemeClr val="tx1"/>
+        </a:solidFill>
+        <a:latin typeface="+mn-lt"/>
+        <a:ea typeface="+mn-ea"/>
+        <a:cs typeface="+mn-cs"/>
+      </a:defRPr>
+    </a:lvl7pPr>
+    <a:lvl8pPr marL="3200400" algn="l" defTabSz="914400" rtl="0" eaLnBrk="1" latinLnBrk="0" hangingPunct="1">
+      <a:defRPr sz="1200" kern="1200">
+        <a:solidFill>
+          <a:schemeClr val="tx1"/>
+        </a:solidFill>
+        <a:latin typeface="+mn-lt"/>
+        <a:ea typeface="+mn-ea"/>
+        <a:cs typeface="+mn-cs"/>
+      </a:defRPr>
+    </a:lvl8pPr>
+    <a:lvl9pPr marL="3657600" algn="l" defTabSz="914400" rtl="0" eaLnBrk="1" latinLnBrk="0" hangingPunct="1">
+      <a:defRPr sz="1200" kern="1200">
+        <a:solidFill>
+          <a:schemeClr val="tx1"/>
+        </a:solidFill>
+        <a:latin typeface="+mn-lt"/>
+        <a:ea typeface="+mn-ea"/>
+        <a:cs typeface="+mn-cs"/>
+      </a:defRPr>
+    </a:lvl9pPr>
+  </p:notesStyle>
+</p:notesMaster>
+</file>
+
+<file path=ppt/notesSlides/notesSlide1.xml><?xml version="1.0" encoding="utf-8"?>
+<p:notes xmlns:a="http://schemas.openxmlformats.org/drawingml/2006/main" xmlns:r="http://schemas.openxmlformats.org/officeDocument/2006/relationships" xmlns:p="http://schemas.openxmlformats.org/presentationml/2006/main">
+  <p:cSld>
+    <p:spTree>
+      <p:nvGrpSpPr>
+        <p:cNvPr id="1" name=""/>
+        <p:cNvGrpSpPr/>
+        <p:nvPr/>
+      </p:nvGrpSpPr>
+      <p:grpSpPr>
+        <a:xfrm>
+          <a:off x="0" y="0"/>
+          <a:ext cx="0" cy="0"/>
+          <a:chOff x="0" y="0"/>
+          <a:chExt cx="0" cy="0"/>
+        </a:xfrm>
+      </p:grpSpPr>
+      <p:sp>
+        <p:nvSpPr>
+          <p:cNvPr id="2" name="投影片影像版面配置區 1"/>
+          <p:cNvSpPr>
+            <a:spLocks noGrp="1" noRot="1" noChangeAspect="1"/>
+          </p:cNvSpPr>
+          <p:nvPr>
+            <p:ph type="sldImg"/>
+          </p:nvPr>
+        </p:nvSpPr>
+        <p:spPr/>
+      </p:sp>
+      <p:sp>
+        <p:nvSpPr>
+          <p:cNvPr id="3" name="備忘稿版面配置區 2"/>
+          <p:cNvSpPr>
+            <a:spLocks noGrp="1"/>
+          </p:cNvSpPr>
+          <p:nvPr>
+            <p:ph type="body" idx="1"/>
+          </p:nvPr>
+        </p:nvSpPr>
+        <p:spPr/>
+        <p:txBody>
+          <a:bodyPr/>
+          <a:lstStyle/>
+          <a:p>
+            <a:r>
+              <a:rPr kumimoji="1" lang="en-US" altLang="zh-TW" dirty="0" smtClean="0"/>
+              <a:t>We have drop</a:t>
+            </a:r>
+            <a:r>
+              <a:rPr kumimoji="1" lang="en-US" altLang="zh-TW" baseline="0" dirty="0" smtClean="0"/>
+              <a:t> and remove the meaningless record,</a:t>
+            </a:r>
+          </a:p>
+          <a:p>
+            <a:r>
+              <a:rPr kumimoji="1" lang="en-US" altLang="zh-TW" baseline="0" dirty="0" smtClean="0"/>
+              <a:t>And remove punctuation in the product name</a:t>
+            </a:r>
+            <a:endParaRPr kumimoji="1" lang="zh-TW" altLang="en-US" dirty="0"/>
+          </a:p>
+        </p:txBody>
+      </p:sp>
+      <p:sp>
+        <p:nvSpPr>
+          <p:cNvPr id="4" name="投影片編號版面配置區 3"/>
+          <p:cNvSpPr>
+            <a:spLocks noGrp="1"/>
+          </p:cNvSpPr>
+          <p:nvPr>
+            <p:ph type="sldNum" sz="quarter" idx="10"/>
+          </p:nvPr>
+        </p:nvSpPr>
+        <p:spPr/>
+        <p:txBody>
+          <a:bodyPr/>
+          <a:lstStyle/>
+          <a:p>
+            <a:fld id="{A04AD0A5-2569-EA4A-B1D5-45BFBF47F3A1}" type="slidenum">
+              <a:rPr kumimoji="1" lang="zh-TW" altLang="en-US" smtClean="0"/>
+              <a:t>9</a:t>
+            </a:fld>
+            <a:endParaRPr kumimoji="1" lang="zh-TW" altLang="en-US"/>
+          </a:p>
+        </p:txBody>
+      </p:sp>
+    </p:spTree>
+    <p:extLst>
+      <p:ext uri="{BB962C8B-B14F-4D97-AF65-F5344CB8AC3E}">
+        <p14:creationId xmlns:p14="http://schemas.microsoft.com/office/powerpoint/2010/main" val="1953772467"/>
+      </p:ext>
+    </p:extLst>
+  </p:cSld>
+  <p:clrMapOvr>
+    <a:masterClrMapping/>
+  </p:clrMapOvr>
+</p:notes>
+</file>
+
+<file path=ppt/notesSlides/notesSlide2.xml><?xml version="1.0" encoding="utf-8"?>
+<p:notes xmlns:a="http://schemas.openxmlformats.org/drawingml/2006/main" xmlns:r="http://schemas.openxmlformats.org/officeDocument/2006/relationships" xmlns:p="http://schemas.openxmlformats.org/presentationml/2006/main">
+  <p:cSld>
+    <p:spTree>
+      <p:nvGrpSpPr>
+        <p:cNvPr id="1" name=""/>
+        <p:cNvGrpSpPr/>
+        <p:nvPr/>
+      </p:nvGrpSpPr>
+      <p:grpSpPr>
+        <a:xfrm>
+          <a:off x="0" y="0"/>
+          <a:ext cx="0" cy="0"/>
+          <a:chOff x="0" y="0"/>
+          <a:chExt cx="0" cy="0"/>
+        </a:xfrm>
+      </p:grpSpPr>
+      <p:sp>
+        <p:nvSpPr>
+          <p:cNvPr id="2" name="投影片影像版面配置區 1"/>
+          <p:cNvSpPr>
+            <a:spLocks noGrp="1" noRot="1" noChangeAspect="1"/>
+          </p:cNvSpPr>
+          <p:nvPr>
+            <p:ph type="sldImg"/>
+          </p:nvPr>
+        </p:nvSpPr>
+        <p:spPr/>
+      </p:sp>
+      <p:sp>
+        <p:nvSpPr>
+          <p:cNvPr id="3" name="備忘稿版面配置區 2"/>
+          <p:cNvSpPr>
+            <a:spLocks noGrp="1"/>
+          </p:cNvSpPr>
+          <p:nvPr>
+            <p:ph type="body" idx="1"/>
+          </p:nvPr>
+        </p:nvSpPr>
+        <p:spPr/>
+        <p:txBody>
+          <a:bodyPr/>
+          <a:lstStyle/>
+          <a:p>
+            <a:r>
+              <a:rPr kumimoji="1" lang="en-US" altLang="zh-TW" dirty="0" smtClean="0"/>
+              <a:t>In</a:t>
+            </a:r>
+            <a:r>
+              <a:rPr kumimoji="1" lang="en-US" altLang="zh-TW" baseline="0" dirty="0" smtClean="0"/>
+              <a:t> the data processing part we done a lot.</a:t>
+            </a:r>
+          </a:p>
+          <a:p>
+            <a:r>
+              <a:rPr kumimoji="1" lang="en-US" altLang="zh-TW" baseline="0" dirty="0" smtClean="0"/>
+              <a:t>But I want to talk about the split word part.</a:t>
+            </a:r>
+            <a:endParaRPr kumimoji="1" lang="zh-TW" altLang="en-US" dirty="0"/>
+          </a:p>
+        </p:txBody>
+      </p:sp>
+      <p:sp>
+        <p:nvSpPr>
+          <p:cNvPr id="4" name="投影片編號版面配置區 3"/>
+          <p:cNvSpPr>
+            <a:spLocks noGrp="1"/>
+          </p:cNvSpPr>
+          <p:nvPr>
+            <p:ph type="sldNum" sz="quarter" idx="10"/>
+          </p:nvPr>
+        </p:nvSpPr>
+        <p:spPr/>
+        <p:txBody>
+          <a:bodyPr/>
+          <a:lstStyle/>
+          <a:p>
+            <a:fld id="{A04AD0A5-2569-EA4A-B1D5-45BFBF47F3A1}" type="slidenum">
+              <a:rPr kumimoji="1" lang="zh-TW" altLang="en-US" smtClean="0"/>
+              <a:t>10</a:t>
+            </a:fld>
+            <a:endParaRPr kumimoji="1" lang="zh-TW" altLang="en-US"/>
+          </a:p>
+        </p:txBody>
+      </p:sp>
+    </p:spTree>
+    <p:extLst>
+      <p:ext uri="{BB962C8B-B14F-4D97-AF65-F5344CB8AC3E}">
+        <p14:creationId xmlns:p14="http://schemas.microsoft.com/office/powerpoint/2010/main" val="1794901192"/>
+      </p:ext>
+    </p:extLst>
+  </p:cSld>
+  <p:clrMapOvr>
+    <a:masterClrMapping/>
+  </p:clrMapOvr>
+</p:notes>
+</file>
+
+<file path=ppt/notesSlides/notesSlide3.xml><?xml version="1.0" encoding="utf-8"?>
+<p:notes xmlns:a="http://schemas.openxmlformats.org/drawingml/2006/main" xmlns:r="http://schemas.openxmlformats.org/officeDocument/2006/relationships" xmlns:p="http://schemas.openxmlformats.org/presentationml/2006/main">
+  <p:cSld>
+    <p:spTree>
+      <p:nvGrpSpPr>
+        <p:cNvPr id="1" name=""/>
+        <p:cNvGrpSpPr/>
+        <p:nvPr/>
+      </p:nvGrpSpPr>
+      <p:grpSpPr>
+        <a:xfrm>
+          <a:off x="0" y="0"/>
+          <a:ext cx="0" cy="0"/>
+          <a:chOff x="0" y="0"/>
+          <a:chExt cx="0" cy="0"/>
+        </a:xfrm>
+      </p:grpSpPr>
+      <p:sp>
+        <p:nvSpPr>
+          <p:cNvPr id="2" name="投影片影像版面配置區 1"/>
+          <p:cNvSpPr>
+            <a:spLocks noGrp="1" noRot="1" noChangeAspect="1"/>
+          </p:cNvSpPr>
+          <p:nvPr>
+            <p:ph type="sldImg"/>
+          </p:nvPr>
+        </p:nvSpPr>
+        <p:spPr/>
+      </p:sp>
+      <p:sp>
+        <p:nvSpPr>
+          <p:cNvPr id="3" name="備忘稿版面配置區 2"/>
+          <p:cNvSpPr>
+            <a:spLocks noGrp="1"/>
+          </p:cNvSpPr>
+          <p:nvPr>
+            <p:ph type="body" idx="1"/>
+          </p:nvPr>
+        </p:nvSpPr>
+        <p:spPr/>
+        <p:txBody>
+          <a:bodyPr/>
+          <a:lstStyle/>
+          <a:p>
+            <a:r>
+              <a:rPr kumimoji="1" lang="en-US" altLang="zh-TW" dirty="0" smtClean="0"/>
+              <a:t>In split word part, we are using </a:t>
+            </a:r>
+            <a:r>
+              <a:rPr kumimoji="1" lang="en-US" altLang="zh-TW" dirty="0" err="1" smtClean="0"/>
+              <a:t>jieba</a:t>
+            </a:r>
+            <a:r>
+              <a:rPr kumimoji="1" lang="en-US" altLang="zh-TW" baseline="0" dirty="0" smtClean="0"/>
+              <a:t> library.</a:t>
+            </a:r>
+          </a:p>
+          <a:p>
+            <a:r>
+              <a:rPr kumimoji="1" lang="en-US" altLang="zh-TW" baseline="0" dirty="0" smtClean="0"/>
+              <a:t>This library we help us make the sentence split to lots of terms.</a:t>
+            </a:r>
+            <a:endParaRPr kumimoji="1" lang="zh-TW" altLang="en-US" dirty="0"/>
+          </a:p>
+        </p:txBody>
+      </p:sp>
+      <p:sp>
+        <p:nvSpPr>
+          <p:cNvPr id="4" name="投影片編號版面配置區 3"/>
+          <p:cNvSpPr>
+            <a:spLocks noGrp="1"/>
+          </p:cNvSpPr>
+          <p:nvPr>
+            <p:ph type="sldNum" sz="quarter" idx="10"/>
+          </p:nvPr>
+        </p:nvSpPr>
+        <p:spPr/>
+        <p:txBody>
+          <a:bodyPr/>
+          <a:lstStyle/>
+          <a:p>
+            <a:fld id="{A04AD0A5-2569-EA4A-B1D5-45BFBF47F3A1}" type="slidenum">
+              <a:rPr kumimoji="1" lang="zh-TW" altLang="en-US" smtClean="0"/>
+              <a:t>12</a:t>
+            </a:fld>
+            <a:endParaRPr kumimoji="1" lang="zh-TW" altLang="en-US"/>
+          </a:p>
+        </p:txBody>
+      </p:sp>
+    </p:spTree>
+    <p:extLst>
+      <p:ext uri="{BB962C8B-B14F-4D97-AF65-F5344CB8AC3E}">
+        <p14:creationId xmlns:p14="http://schemas.microsoft.com/office/powerpoint/2010/main" val="1904857734"/>
+      </p:ext>
+    </p:extLst>
+  </p:cSld>
+  <p:clrMapOvr>
+    <a:masterClrMapping/>
+  </p:clrMapOvr>
+</p:notes>
+</file>
+
+<file path=ppt/notesSlides/notesSlide4.xml><?xml version="1.0" encoding="utf-8"?>
+<p:notes xmlns:a="http://schemas.openxmlformats.org/drawingml/2006/main" xmlns:r="http://schemas.openxmlformats.org/officeDocument/2006/relationships" xmlns:p="http://schemas.openxmlformats.org/presentationml/2006/main">
+  <p:cSld>
+    <p:spTree>
+      <p:nvGrpSpPr>
+        <p:cNvPr id="1" name=""/>
+        <p:cNvGrpSpPr/>
+        <p:nvPr/>
+      </p:nvGrpSpPr>
+      <p:grpSpPr>
+        <a:xfrm>
+          <a:off x="0" y="0"/>
+          <a:ext cx="0" cy="0"/>
+          <a:chOff x="0" y="0"/>
+          <a:chExt cx="0" cy="0"/>
+        </a:xfrm>
+      </p:grpSpPr>
+      <p:sp>
+        <p:nvSpPr>
+          <p:cNvPr id="2" name="投影片影像版面配置區 1"/>
+          <p:cNvSpPr>
+            <a:spLocks noGrp="1" noRot="1" noChangeAspect="1"/>
+          </p:cNvSpPr>
+          <p:nvPr>
+            <p:ph type="sldImg"/>
+          </p:nvPr>
+        </p:nvSpPr>
+        <p:spPr/>
+      </p:sp>
+      <p:sp>
+        <p:nvSpPr>
+          <p:cNvPr id="3" name="備忘稿版面配置區 2"/>
+          <p:cNvSpPr>
+            <a:spLocks noGrp="1"/>
+          </p:cNvSpPr>
+          <p:nvPr>
+            <p:ph type="body" idx="1"/>
+          </p:nvPr>
+        </p:nvSpPr>
+        <p:spPr/>
+        <p:txBody>
+          <a:bodyPr/>
+          <a:lstStyle/>
+          <a:p>
+            <a:r>
+              <a:rPr kumimoji="1" lang="en-US" altLang="zh-TW" dirty="0" smtClean="0"/>
+              <a:t>And the virtualization part we have already</a:t>
+            </a:r>
+            <a:r>
+              <a:rPr kumimoji="1" lang="en-US" altLang="zh-TW" baseline="0" dirty="0" smtClean="0"/>
+              <a:t> show in the demo.</a:t>
+            </a:r>
+          </a:p>
+          <a:p>
+            <a:r>
+              <a:rPr kumimoji="1" lang="en-US" altLang="zh-TW" baseline="0" dirty="0" smtClean="0"/>
+              <a:t>Last talk about the implementation.</a:t>
+            </a:r>
+          </a:p>
+          <a:p>
+            <a:r>
+              <a:rPr kumimoji="1" lang="en-US" altLang="zh-TW" dirty="0" smtClean="0"/>
+              <a:t>I</a:t>
+            </a:r>
+            <a:r>
+              <a:rPr kumimoji="1" lang="en-US" altLang="zh-TW" baseline="0" dirty="0" smtClean="0"/>
+              <a:t> think latent factor model everyone are know well.</a:t>
+            </a:r>
+          </a:p>
+          <a:p>
+            <a:r>
+              <a:rPr kumimoji="1" lang="en-US" altLang="zh-TW" baseline="0" dirty="0" smtClean="0"/>
+              <a:t>So we implement the content-based filtering </a:t>
+            </a:r>
+            <a:r>
+              <a:rPr kumimoji="1" lang="en-US" altLang="zh-TW" baseline="0" smtClean="0"/>
+              <a:t>and neighborhood methods.</a:t>
+            </a:r>
+            <a:endParaRPr kumimoji="1" lang="zh-TW" altLang="en-US" dirty="0"/>
+          </a:p>
+        </p:txBody>
+      </p:sp>
+      <p:sp>
+        <p:nvSpPr>
+          <p:cNvPr id="4" name="投影片編號版面配置區 3"/>
+          <p:cNvSpPr>
+            <a:spLocks noGrp="1"/>
+          </p:cNvSpPr>
+          <p:nvPr>
+            <p:ph type="sldNum" sz="quarter" idx="10"/>
+          </p:nvPr>
+        </p:nvSpPr>
+        <p:spPr/>
+        <p:txBody>
+          <a:bodyPr/>
+          <a:lstStyle/>
+          <a:p>
+            <a:fld id="{A04AD0A5-2569-EA4A-B1D5-45BFBF47F3A1}" type="slidenum">
+              <a:rPr kumimoji="1" lang="zh-TW" altLang="en-US" smtClean="0"/>
+              <a:t>15</a:t>
+            </a:fld>
+            <a:endParaRPr kumimoji="1" lang="zh-TW" altLang="en-US"/>
+          </a:p>
+        </p:txBody>
+      </p:sp>
+    </p:spTree>
+    <p:extLst>
+      <p:ext uri="{BB962C8B-B14F-4D97-AF65-F5344CB8AC3E}">
+        <p14:creationId xmlns:p14="http://schemas.microsoft.com/office/powerpoint/2010/main" val="1831124745"/>
+      </p:ext>
+    </p:extLst>
+  </p:cSld>
+  <p:clrMapOvr>
+    <a:masterClrMapping/>
+  </p:clrMapOvr>
+</p:notes>
+</file>
+
+<file path=ppt/notesSlides/notesSlide5.xml><?xml version="1.0" encoding="utf-8"?>
+<p:notes xmlns:a="http://schemas.openxmlformats.org/drawingml/2006/main" xmlns:r="http://schemas.openxmlformats.org/officeDocument/2006/relationships" xmlns:p="http://schemas.openxmlformats.org/presentationml/2006/main">
+  <p:cSld>
+    <p:spTree>
+      <p:nvGrpSpPr>
+        <p:cNvPr id="1" name=""/>
+        <p:cNvGrpSpPr/>
+        <p:nvPr/>
+      </p:nvGrpSpPr>
+      <p:grpSpPr>
+        <a:xfrm>
+          <a:off x="0" y="0"/>
+          <a:ext cx="0" cy="0"/>
+          <a:chOff x="0" y="0"/>
+          <a:chExt cx="0" cy="0"/>
+        </a:xfrm>
+      </p:grpSpPr>
+      <p:sp>
+        <p:nvSpPr>
+          <p:cNvPr id="2" name="投影片影像版面配置區 1"/>
+          <p:cNvSpPr>
+            <a:spLocks noGrp="1" noRot="1" noChangeAspect="1"/>
+          </p:cNvSpPr>
+          <p:nvPr>
+            <p:ph type="sldImg"/>
+          </p:nvPr>
+        </p:nvSpPr>
+        <p:spPr/>
+      </p:sp>
+      <p:sp>
+        <p:nvSpPr>
+          <p:cNvPr id="3" name="備忘稿版面配置區 2"/>
+          <p:cNvSpPr>
+            <a:spLocks noGrp="1"/>
+          </p:cNvSpPr>
+          <p:nvPr>
+            <p:ph type="body" idx="1"/>
+          </p:nvPr>
+        </p:nvSpPr>
+        <p:spPr/>
+        <p:txBody>
+          <a:bodyPr/>
+          <a:lstStyle/>
+          <a:p>
+            <a:r>
+              <a:rPr kumimoji="1" lang="en-US" altLang="zh-TW" dirty="0" smtClean="0"/>
+              <a:t>TF</a:t>
+            </a:r>
+            <a:r>
+              <a:rPr kumimoji="1" lang="en-US" altLang="zh-TW" baseline="0" dirty="0" smtClean="0"/>
+              <a:t> means the term frequency in a document, the frequency more high means the term is more important</a:t>
+            </a:r>
+            <a:br>
+              <a:rPr kumimoji="1" lang="en-US" altLang="zh-TW" baseline="0" dirty="0" smtClean="0"/>
+            </a:br>
+            <a:r>
+              <a:rPr kumimoji="1" lang="en-US" altLang="zh-TW" baseline="0" dirty="0" smtClean="0"/>
+              <a:t>But the term is less important if it appear in lots of document.</a:t>
+            </a:r>
+            <a:br>
+              <a:rPr kumimoji="1" lang="en-US" altLang="zh-TW" baseline="0" dirty="0" smtClean="0"/>
+            </a:br>
+            <a:r>
+              <a:rPr kumimoji="1" lang="en-US" altLang="zh-TW" baseline="0" dirty="0" smtClean="0"/>
+              <a:t>So it need to inverse weight. That is IDF</a:t>
+            </a:r>
+          </a:p>
+          <a:p>
+            <a:r>
+              <a:rPr kumimoji="1" lang="en-US" altLang="zh-TW" baseline="0" dirty="0" smtClean="0"/>
+              <a:t>TF-IDF means TF </a:t>
+            </a:r>
+            <a:r>
+              <a:rPr kumimoji="1" lang="en-US" altLang="zh-TW" baseline="0" dirty="0" err="1" smtClean="0"/>
+              <a:t>multiy</a:t>
+            </a:r>
+            <a:r>
+              <a:rPr kumimoji="1" lang="en-US" altLang="zh-TW" baseline="0" dirty="0" smtClean="0"/>
+              <a:t> IDF.</a:t>
+            </a:r>
+          </a:p>
+          <a:p>
+            <a:r>
+              <a:rPr kumimoji="1" lang="en-US" altLang="zh-TW" baseline="0" dirty="0" smtClean="0"/>
+              <a:t>And there is our using library. </a:t>
+            </a:r>
+            <a:endParaRPr kumimoji="1" lang="zh-TW" altLang="en-US" dirty="0"/>
+          </a:p>
+        </p:txBody>
+      </p:sp>
+      <p:sp>
+        <p:nvSpPr>
+          <p:cNvPr id="4" name="投影片編號版面配置區 3"/>
+          <p:cNvSpPr>
+            <a:spLocks noGrp="1"/>
+          </p:cNvSpPr>
+          <p:nvPr>
+            <p:ph type="sldNum" sz="quarter" idx="10"/>
+          </p:nvPr>
+        </p:nvSpPr>
+        <p:spPr/>
+        <p:txBody>
+          <a:bodyPr/>
+          <a:lstStyle/>
+          <a:p>
+            <a:fld id="{A04AD0A5-2569-EA4A-B1D5-45BFBF47F3A1}" type="slidenum">
+              <a:rPr kumimoji="1" lang="zh-TW" altLang="en-US" smtClean="0"/>
+              <a:t>16</a:t>
+            </a:fld>
+            <a:endParaRPr kumimoji="1" lang="zh-TW" altLang="en-US"/>
+          </a:p>
+        </p:txBody>
+      </p:sp>
+    </p:spTree>
+    <p:extLst>
+      <p:ext uri="{BB962C8B-B14F-4D97-AF65-F5344CB8AC3E}">
+        <p14:creationId xmlns:p14="http://schemas.microsoft.com/office/powerpoint/2010/main" val="55878660"/>
+      </p:ext>
+    </p:extLst>
+  </p:cSld>
+  <p:clrMapOvr>
+    <a:masterClrMapping/>
+  </p:clrMapOvr>
+</p:notes>
+</file>
+
+<file path=ppt/notesSlides/notesSlide6.xml><?xml version="1.0" encoding="utf-8"?>
+<p:notes xmlns:a="http://schemas.openxmlformats.org/drawingml/2006/main" xmlns:r="http://schemas.openxmlformats.org/officeDocument/2006/relationships" xmlns:p="http://schemas.openxmlformats.org/presentationml/2006/main">
+  <p:cSld>
+    <p:spTree>
+      <p:nvGrpSpPr>
+        <p:cNvPr id="1" name=""/>
+        <p:cNvGrpSpPr/>
+        <p:nvPr/>
+      </p:nvGrpSpPr>
+      <p:grpSpPr>
+        <a:xfrm>
+          <a:off x="0" y="0"/>
+          <a:ext cx="0" cy="0"/>
+          <a:chOff x="0" y="0"/>
+          <a:chExt cx="0" cy="0"/>
+        </a:xfrm>
+      </p:grpSpPr>
+      <p:sp>
+        <p:nvSpPr>
+          <p:cNvPr id="2" name="投影片影像版面配置區 1"/>
+          <p:cNvSpPr>
+            <a:spLocks noGrp="1" noRot="1" noChangeAspect="1"/>
+          </p:cNvSpPr>
+          <p:nvPr>
+            <p:ph type="sldImg"/>
+          </p:nvPr>
+        </p:nvSpPr>
+        <p:spPr/>
+      </p:sp>
+      <p:sp>
+        <p:nvSpPr>
+          <p:cNvPr id="3" name="備忘稿版面配置區 2"/>
+          <p:cNvSpPr>
+            <a:spLocks noGrp="1"/>
+          </p:cNvSpPr>
+          <p:nvPr>
+            <p:ph type="body" idx="1"/>
+          </p:nvPr>
+        </p:nvSpPr>
+        <p:spPr/>
+        <p:txBody>
+          <a:bodyPr/>
+          <a:lstStyle/>
+          <a:p>
+            <a:r>
+              <a:rPr kumimoji="1" lang="en-US" altLang="zh-TW" dirty="0" smtClean="0"/>
+              <a:t>And the recommendation, there are</a:t>
+            </a:r>
+            <a:r>
+              <a:rPr kumimoji="1" lang="en-US" altLang="zh-TW" baseline="0" dirty="0" smtClean="0"/>
+              <a:t> user-based and item-based.</a:t>
+            </a:r>
+            <a:br>
+              <a:rPr kumimoji="1" lang="en-US" altLang="zh-TW" baseline="0" dirty="0" smtClean="0"/>
+            </a:br>
+            <a:r>
+              <a:rPr kumimoji="1" lang="en-US" altLang="zh-TW" baseline="0" dirty="0" smtClean="0"/>
+              <a:t>In user-based recommendation, first it find the similar user based on their rating comment. </a:t>
+            </a:r>
+            <a:endParaRPr kumimoji="1" lang="zh-TW" altLang="en-US" dirty="0"/>
+          </a:p>
+        </p:txBody>
+      </p:sp>
+      <p:sp>
+        <p:nvSpPr>
+          <p:cNvPr id="4" name="投影片編號版面配置區 3"/>
+          <p:cNvSpPr>
+            <a:spLocks noGrp="1"/>
+          </p:cNvSpPr>
+          <p:nvPr>
+            <p:ph type="sldNum" sz="quarter" idx="10"/>
+          </p:nvPr>
+        </p:nvSpPr>
+        <p:spPr/>
+        <p:txBody>
+          <a:bodyPr/>
+          <a:lstStyle/>
+          <a:p>
+            <a:fld id="{A04AD0A5-2569-EA4A-B1D5-45BFBF47F3A1}" type="slidenum">
+              <a:rPr kumimoji="1" lang="zh-TW" altLang="en-US" smtClean="0"/>
+              <a:t>17</a:t>
+            </a:fld>
+            <a:endParaRPr kumimoji="1" lang="zh-TW" altLang="en-US"/>
+          </a:p>
+        </p:txBody>
+      </p:sp>
+    </p:spTree>
+    <p:extLst>
+      <p:ext uri="{BB962C8B-B14F-4D97-AF65-F5344CB8AC3E}">
+        <p14:creationId xmlns:p14="http://schemas.microsoft.com/office/powerpoint/2010/main" val="738689588"/>
+      </p:ext>
+    </p:extLst>
+  </p:cSld>
+  <p:clrMapOvr>
+    <a:masterClrMapping/>
+  </p:clrMapOvr>
+</p:notes>
+</file>
+
+<file path=ppt/notesSlides/notesSlide7.xml><?xml version="1.0" encoding="utf-8"?>
+<p:notes xmlns:a="http://schemas.openxmlformats.org/drawingml/2006/main" xmlns:r="http://schemas.openxmlformats.org/officeDocument/2006/relationships" xmlns:p="http://schemas.openxmlformats.org/presentationml/2006/main">
+  <p:cSld>
+    <p:spTree>
+      <p:nvGrpSpPr>
+        <p:cNvPr id="1" name=""/>
+        <p:cNvGrpSpPr/>
+        <p:nvPr/>
+      </p:nvGrpSpPr>
+      <p:grpSpPr>
+        <a:xfrm>
+          <a:off x="0" y="0"/>
+          <a:ext cx="0" cy="0"/>
+          <a:chOff x="0" y="0"/>
+          <a:chExt cx="0" cy="0"/>
+        </a:xfrm>
+      </p:grpSpPr>
+      <p:sp>
+        <p:nvSpPr>
+          <p:cNvPr id="2" name="投影片影像版面配置區 1"/>
+          <p:cNvSpPr>
+            <a:spLocks noGrp="1" noRot="1" noChangeAspect="1"/>
+          </p:cNvSpPr>
+          <p:nvPr>
+            <p:ph type="sldImg"/>
+          </p:nvPr>
+        </p:nvSpPr>
+        <p:spPr/>
+      </p:sp>
+      <p:sp>
+        <p:nvSpPr>
+          <p:cNvPr id="3" name="備忘稿版面配置區 2"/>
+          <p:cNvSpPr>
+            <a:spLocks noGrp="1"/>
+          </p:cNvSpPr>
+          <p:nvPr>
+            <p:ph type="body" idx="1"/>
+          </p:nvPr>
+        </p:nvSpPr>
+        <p:spPr/>
+        <p:txBody>
+          <a:bodyPr/>
+          <a:lstStyle/>
+          <a:p>
+            <a:r>
+              <a:rPr kumimoji="1" lang="en-US" altLang="zh-TW" dirty="0" smtClean="0"/>
+              <a:t>We</a:t>
+            </a:r>
+            <a:r>
+              <a:rPr kumimoji="1" lang="en-US" altLang="zh-TW" baseline="0" dirty="0" smtClean="0"/>
+              <a:t> are using the </a:t>
+            </a:r>
+            <a:r>
+              <a:rPr kumimoji="1" lang="en-US" altLang="zh-TW" baseline="0" dirty="0" err="1" smtClean="0"/>
+              <a:t>sklearn</a:t>
+            </a:r>
+            <a:r>
+              <a:rPr kumimoji="1" lang="en-US" altLang="zh-TW" baseline="0" dirty="0" smtClean="0"/>
+              <a:t> library to find the user similarity base on the matrix.</a:t>
+            </a:r>
+            <a:endParaRPr kumimoji="1" lang="zh-TW" altLang="en-US" dirty="0"/>
+          </a:p>
+        </p:txBody>
+      </p:sp>
+      <p:sp>
+        <p:nvSpPr>
+          <p:cNvPr id="4" name="投影片編號版面配置區 3"/>
+          <p:cNvSpPr>
+            <a:spLocks noGrp="1"/>
+          </p:cNvSpPr>
+          <p:nvPr>
+            <p:ph type="sldNum" sz="quarter" idx="10"/>
+          </p:nvPr>
+        </p:nvSpPr>
+        <p:spPr/>
+        <p:txBody>
+          <a:bodyPr/>
+          <a:lstStyle/>
+          <a:p>
+            <a:fld id="{A04AD0A5-2569-EA4A-B1D5-45BFBF47F3A1}" type="slidenum">
+              <a:rPr kumimoji="1" lang="zh-TW" altLang="en-US" smtClean="0"/>
+              <a:t>18</a:t>
+            </a:fld>
+            <a:endParaRPr kumimoji="1" lang="zh-TW" altLang="en-US"/>
+          </a:p>
+        </p:txBody>
+      </p:sp>
+    </p:spTree>
+    <p:extLst>
+      <p:ext uri="{BB962C8B-B14F-4D97-AF65-F5344CB8AC3E}">
+        <p14:creationId xmlns:p14="http://schemas.microsoft.com/office/powerpoint/2010/main" val="1650103493"/>
+      </p:ext>
+    </p:extLst>
+  </p:cSld>
+  <p:clrMapOvr>
+    <a:masterClrMapping/>
+  </p:clrMapOvr>
+</p:notes>
+</file>
+
+<file path=ppt/notesSlides/notesSlide8.xml><?xml version="1.0" encoding="utf-8"?>
+<p:notes xmlns:a="http://schemas.openxmlformats.org/drawingml/2006/main" xmlns:r="http://schemas.openxmlformats.org/officeDocument/2006/relationships" xmlns:p="http://schemas.openxmlformats.org/presentationml/2006/main">
+  <p:cSld>
+    <p:spTree>
+      <p:nvGrpSpPr>
+        <p:cNvPr id="1" name=""/>
+        <p:cNvGrpSpPr/>
+        <p:nvPr/>
+      </p:nvGrpSpPr>
+      <p:grpSpPr>
+        <a:xfrm>
+          <a:off x="0" y="0"/>
+          <a:ext cx="0" cy="0"/>
+          <a:chOff x="0" y="0"/>
+          <a:chExt cx="0" cy="0"/>
+        </a:xfrm>
+      </p:grpSpPr>
+      <p:sp>
+        <p:nvSpPr>
+          <p:cNvPr id="2" name="投影片影像版面配置區 1"/>
+          <p:cNvSpPr>
+            <a:spLocks noGrp="1" noRot="1" noChangeAspect="1"/>
+          </p:cNvSpPr>
+          <p:nvPr>
+            <p:ph type="sldImg"/>
+          </p:nvPr>
+        </p:nvSpPr>
+        <p:spPr/>
+      </p:sp>
+      <p:sp>
+        <p:nvSpPr>
+          <p:cNvPr id="3" name="備忘稿版面配置區 2"/>
+          <p:cNvSpPr>
+            <a:spLocks noGrp="1"/>
+          </p:cNvSpPr>
+          <p:nvPr>
+            <p:ph type="body" idx="1"/>
+          </p:nvPr>
+        </p:nvSpPr>
+        <p:spPr/>
+        <p:txBody>
+          <a:bodyPr/>
+          <a:lstStyle/>
+          <a:p>
+            <a:r>
+              <a:rPr kumimoji="1" lang="en-US" altLang="zh-TW" dirty="0" smtClean="0"/>
+              <a:t>Last,</a:t>
+            </a:r>
+            <a:r>
+              <a:rPr kumimoji="1" lang="en-US" altLang="zh-TW" baseline="0" dirty="0" smtClean="0"/>
+              <a:t> we calculate the weighted average of similar user’s  rating product to recommend product list to the user.</a:t>
+            </a:r>
+            <a:endParaRPr kumimoji="1" lang="en-US" altLang="zh-TW" dirty="0" smtClean="0"/>
+          </a:p>
+        </p:txBody>
+      </p:sp>
+      <p:sp>
+        <p:nvSpPr>
+          <p:cNvPr id="4" name="投影片編號版面配置區 3"/>
+          <p:cNvSpPr>
+            <a:spLocks noGrp="1"/>
+          </p:cNvSpPr>
+          <p:nvPr>
+            <p:ph type="sldNum" sz="quarter" idx="10"/>
+          </p:nvPr>
+        </p:nvSpPr>
+        <p:spPr/>
+        <p:txBody>
+          <a:bodyPr/>
+          <a:lstStyle/>
+          <a:p>
+            <a:fld id="{A04AD0A5-2569-EA4A-B1D5-45BFBF47F3A1}" type="slidenum">
+              <a:rPr kumimoji="1" lang="zh-TW" altLang="en-US" smtClean="0"/>
+              <a:t>19</a:t>
+            </a:fld>
+            <a:endParaRPr kumimoji="1" lang="zh-TW" altLang="en-US"/>
+          </a:p>
+        </p:txBody>
+      </p:sp>
+    </p:spTree>
+    <p:extLst>
+      <p:ext uri="{BB962C8B-B14F-4D97-AF65-F5344CB8AC3E}">
+        <p14:creationId xmlns:p14="http://schemas.microsoft.com/office/powerpoint/2010/main" val="2071875792"/>
+      </p:ext>
+    </p:extLst>
+  </p:cSld>
+  <p:clrMapOvr>
+    <a:masterClrMapping/>
+  </p:clrMapOvr>
+</p:notes>
 </file>
 
 <file path=ppt/slideLayouts/slideLayout1.xml><?xml version="1.0" encoding="utf-8"?>
@@ -543,7 +1728,7 @@
           <a:p>
             <a:fld id="{89908074-C0E2-4CD3-B032-B7A75FABFEAC}" type="datetimeFigureOut">
               <a:rPr lang="en-US" smtClean="0"/>
-              <a:t>15/12/2019</a:t>
+              <a:t>12/15/19</a:t>
             </a:fld>
             <a:endParaRPr lang="en-US"/>
           </a:p>
@@ -722,7 +1907,7 @@
           <a:p>
             <a:fld id="{89908074-C0E2-4CD3-B032-B7A75FABFEAC}" type="datetimeFigureOut">
               <a:rPr lang="en-US" smtClean="0"/>
-              <a:t>15/12/2019</a:t>
+              <a:t>12/15/19</a:t>
             </a:fld>
             <a:endParaRPr lang="en-US"/>
           </a:p>
@@ -902,7 +2087,7 @@
           <a:p>
             <a:fld id="{89908074-C0E2-4CD3-B032-B7A75FABFEAC}" type="datetimeFigureOut">
               <a:rPr lang="en-US" smtClean="0"/>
-              <a:t>15/12/2019</a:t>
+              <a:t>12/15/19</a:t>
             </a:fld>
             <a:endParaRPr lang="en-US"/>
           </a:p>
@@ -1072,7 +2257,7 @@
           <a:p>
             <a:fld id="{89908074-C0E2-4CD3-B032-B7A75FABFEAC}" type="datetimeFigureOut">
               <a:rPr lang="en-US" smtClean="0"/>
-              <a:t>15/12/2019</a:t>
+              <a:t>12/15/19</a:t>
             </a:fld>
             <a:endParaRPr lang="en-US"/>
           </a:p>
@@ -1385,7 +2570,7 @@
           <a:p>
             <a:fld id="{89908074-C0E2-4CD3-B032-B7A75FABFEAC}" type="datetimeFigureOut">
               <a:rPr lang="en-US" smtClean="0"/>
-              <a:t>15/12/2019</a:t>
+              <a:t>12/15/19</a:t>
             </a:fld>
             <a:endParaRPr lang="en-US"/>
           </a:p>
@@ -1771,7 +2956,7 @@
           <a:p>
             <a:fld id="{89908074-C0E2-4CD3-B032-B7A75FABFEAC}" type="datetimeFigureOut">
               <a:rPr lang="en-US" smtClean="0"/>
-              <a:t>15/12/2019</a:t>
+              <a:t>12/15/19</a:t>
             </a:fld>
             <a:endParaRPr lang="en-US"/>
           </a:p>
@@ -2205,7 +3390,7 @@
           <a:p>
             <a:fld id="{89908074-C0E2-4CD3-B032-B7A75FABFEAC}" type="datetimeFigureOut">
               <a:rPr lang="en-US" smtClean="0"/>
-              <a:t>15/12/2019</a:t>
+              <a:t>12/15/19</a:t>
             </a:fld>
             <a:endParaRPr lang="en-US"/>
           </a:p>
@@ -2323,7 +3508,7 @@
           <a:p>
             <a:fld id="{89908074-C0E2-4CD3-B032-B7A75FABFEAC}" type="datetimeFigureOut">
               <a:rPr lang="en-US" smtClean="0"/>
-              <a:t>15/12/2019</a:t>
+              <a:t>12/15/19</a:t>
             </a:fld>
             <a:endParaRPr lang="en-US"/>
           </a:p>
@@ -2418,7 +3603,7 @@
           <a:p>
             <a:fld id="{89908074-C0E2-4CD3-B032-B7A75FABFEAC}" type="datetimeFigureOut">
               <a:rPr lang="en-US" smtClean="0"/>
-              <a:t>15/12/2019</a:t>
+              <a:t>12/15/19</a:t>
             </a:fld>
             <a:endParaRPr lang="en-US"/>
           </a:p>
@@ -2768,7 +3953,7 @@
           <a:p>
             <a:fld id="{89908074-C0E2-4CD3-B032-B7A75FABFEAC}" type="datetimeFigureOut">
               <a:rPr lang="en-US" smtClean="0"/>
-              <a:t>15/12/2019</a:t>
+              <a:t>12/15/19</a:t>
             </a:fld>
             <a:endParaRPr lang="en-US"/>
           </a:p>
@@ -3193,7 +4378,7 @@
           <a:p>
             <a:fld id="{89908074-C0E2-4CD3-B032-B7A75FABFEAC}" type="datetimeFigureOut">
               <a:rPr lang="en-US" smtClean="0"/>
-              <a:t>15/12/2019</a:t>
+              <a:t>12/15/19</a:t>
             </a:fld>
             <a:endParaRPr lang="en-US"/>
           </a:p>
@@ -3474,7 +4659,7 @@
           <a:p>
             <a:fld id="{89908074-C0E2-4CD3-B032-B7A75FABFEAC}" type="datetimeFigureOut">
               <a:rPr lang="en-US" smtClean="0"/>
-              <a:t>15/12/2019</a:t>
+              <a:t>12/15/19</a:t>
             </a:fld>
             <a:endParaRPr lang="en-US"/>
           </a:p>
@@ -4124,11 +5309,7 @@
           <a:p>
             <a:r>
               <a:rPr lang="en-US" dirty="0" smtClean="0"/>
-              <a:t>Group </a:t>
-            </a:r>
-            <a:r>
-              <a:rPr lang="en-US" dirty="0" smtClean="0"/>
-              <a:t>K</a:t>
+              <a:t>Group K</a:t>
             </a:r>
           </a:p>
           <a:p>
@@ -4590,7 +5771,7 @@
           <p:nvPr/>
         </p:nvPicPr>
         <p:blipFill>
-          <a:blip r:embed="rId2"/>
+          <a:blip r:embed="rId3"/>
           <a:stretch>
             <a:fillRect/>
           </a:stretch>
@@ -4614,7 +5795,7 @@
           <p:nvPr/>
         </p:nvPicPr>
         <p:blipFill>
-          <a:blip r:embed="rId3"/>
+          <a:blip r:embed="rId4"/>
           <a:stretch>
             <a:fillRect/>
           </a:stretch>
@@ -4778,6 +5959,30 @@
           </a:p>
         </p:txBody>
       </p:sp>
+      <p:pic>
+        <p:nvPicPr>
+          <p:cNvPr id="4" name="圖片 3"/>
+          <p:cNvPicPr>
+            <a:picLocks noChangeAspect="1"/>
+          </p:cNvPicPr>
+          <p:nvPr/>
+        </p:nvPicPr>
+        <p:blipFill>
+          <a:blip r:embed="rId2"/>
+          <a:stretch>
+            <a:fillRect/>
+          </a:stretch>
+        </p:blipFill>
+        <p:spPr>
+          <a:xfrm>
+            <a:off x="4840941" y="3160087"/>
+            <a:ext cx="6938681" cy="3616742"/>
+          </a:xfrm>
+          <a:prstGeom prst="rect">
+            <a:avLst/>
+          </a:prstGeom>
+        </p:spPr>
+      </p:pic>
     </p:spTree>
     <p:extLst>
       <p:ext uri="{BB962C8B-B14F-4D97-AF65-F5344CB8AC3E}">
@@ -4831,6 +6036,173 @@
           <a:lstStyle/>
           <a:p>
             <a:r>
+              <a:rPr lang="en-US" dirty="0"/>
+              <a:t>Data processing</a:t>
+            </a:r>
+          </a:p>
+        </p:txBody>
+      </p:sp>
+      <p:sp>
+        <p:nvSpPr>
+          <p:cNvPr id="3" name="Content Placeholder 2"/>
+          <p:cNvSpPr>
+            <a:spLocks noGrp="1"/>
+          </p:cNvSpPr>
+          <p:nvPr>
+            <p:ph idx="1"/>
+          </p:nvPr>
+        </p:nvSpPr>
+        <p:spPr/>
+        <p:txBody>
+          <a:bodyPr/>
+          <a:lstStyle/>
+          <a:p>
+            <a:r>
+              <a:rPr lang="en-US" dirty="0">
+                <a:solidFill>
+                  <a:schemeClr val="bg1">
+                    <a:lumMod val="75000"/>
+                  </a:schemeClr>
+                </a:solidFill>
+              </a:rPr>
+              <a:t>Categories split</a:t>
+            </a:r>
+          </a:p>
+          <a:p>
+            <a:r>
+              <a:rPr lang="en-US" dirty="0">
+                <a:solidFill>
+                  <a:schemeClr val="bg1">
+                    <a:lumMod val="75000"/>
+                  </a:schemeClr>
+                </a:solidFill>
+              </a:rPr>
+              <a:t>Split the word (</a:t>
+            </a:r>
+            <a:r>
+              <a:rPr lang="en-US" dirty="0" err="1">
+                <a:solidFill>
+                  <a:schemeClr val="bg1">
+                    <a:lumMod val="75000"/>
+                  </a:schemeClr>
+                </a:solidFill>
+              </a:rPr>
+              <a:t>jieba</a:t>
+            </a:r>
+            <a:r>
+              <a:rPr lang="en-US" dirty="0">
+                <a:solidFill>
+                  <a:schemeClr val="bg1">
+                    <a:lumMod val="75000"/>
+                  </a:schemeClr>
+                </a:solidFill>
+              </a:rPr>
+              <a:t>)</a:t>
+            </a:r>
+          </a:p>
+          <a:p>
+            <a:r>
+              <a:rPr lang="en-US" dirty="0">
+                <a:solidFill>
+                  <a:schemeClr val="bg1">
+                    <a:lumMod val="75000"/>
+                  </a:schemeClr>
+                </a:solidFill>
+              </a:rPr>
+              <a:t>Join table (join csv)</a:t>
+            </a:r>
+          </a:p>
+          <a:p>
+            <a:r>
+              <a:rPr lang="en-US" dirty="0"/>
+              <a:t>Build user-items matrix</a:t>
+            </a:r>
+          </a:p>
+          <a:p>
+            <a:r>
+              <a:rPr lang="en-US" dirty="0"/>
+              <a:t>Export the processed dataset (speed up)</a:t>
+            </a:r>
+          </a:p>
+        </p:txBody>
+      </p:sp>
+      <p:pic>
+        <p:nvPicPr>
+          <p:cNvPr id="5" name="圖片 4"/>
+          <p:cNvPicPr>
+            <a:picLocks noChangeAspect="1"/>
+          </p:cNvPicPr>
+          <p:nvPr/>
+        </p:nvPicPr>
+        <p:blipFill>
+          <a:blip r:embed="rId2"/>
+          <a:stretch>
+            <a:fillRect/>
+          </a:stretch>
+        </p:blipFill>
+        <p:spPr>
+          <a:xfrm>
+            <a:off x="5082988" y="4146804"/>
+            <a:ext cx="6809814" cy="2635133"/>
+          </a:xfrm>
+          <a:prstGeom prst="rect">
+            <a:avLst/>
+          </a:prstGeom>
+        </p:spPr>
+      </p:pic>
+    </p:spTree>
+    <p:extLst>
+      <p:ext uri="{BB962C8B-B14F-4D97-AF65-F5344CB8AC3E}">
+        <p14:creationId xmlns:p14="http://schemas.microsoft.com/office/powerpoint/2010/main" val="769000862"/>
+      </p:ext>
+    </p:extLst>
+  </p:cSld>
+  <p:clrMapOvr>
+    <a:masterClrMapping/>
+  </p:clrMapOvr>
+  <p:timing>
+    <p:tnLst>
+      <p:par>
+        <p:cTn id="1" dur="indefinite" restart="never" nodeType="tmRoot"/>
+      </p:par>
+    </p:tnLst>
+  </p:timing>
+</p:sld>
+</file>
+
+<file path=ppt/slides/slide15.xml><?xml version="1.0" encoding="utf-8"?>
+<p:sld xmlns:a="http://schemas.openxmlformats.org/drawingml/2006/main" xmlns:r="http://schemas.openxmlformats.org/officeDocument/2006/relationships" xmlns:p="http://schemas.openxmlformats.org/presentationml/2006/main">
+  <p:cSld>
+    <p:spTree>
+      <p:nvGrpSpPr>
+        <p:cNvPr id="1" name=""/>
+        <p:cNvGrpSpPr/>
+        <p:nvPr/>
+      </p:nvGrpSpPr>
+      <p:grpSpPr>
+        <a:xfrm>
+          <a:off x="0" y="0"/>
+          <a:ext cx="0" cy="0"/>
+          <a:chOff x="0" y="0"/>
+          <a:chExt cx="0" cy="0"/>
+        </a:xfrm>
+      </p:grpSpPr>
+      <p:sp>
+        <p:nvSpPr>
+          <p:cNvPr id="2" name="Title 1"/>
+          <p:cNvSpPr>
+            <a:spLocks noGrp="1"/>
+          </p:cNvSpPr>
+          <p:nvPr>
+            <p:ph type="title"/>
+          </p:nvPr>
+        </p:nvSpPr>
+        <p:spPr/>
+        <p:txBody>
+          <a:bodyPr/>
+          <a:lstStyle/>
+          <a:p>
+            <a:r>
               <a:rPr lang="en-US" dirty="0" smtClean="0"/>
               <a:t>Data </a:t>
             </a:r>
@@ -4915,7 +6287,7 @@
           <p:nvPr/>
         </p:nvPicPr>
         <p:blipFill>
-          <a:blip r:embed="rId2">
+          <a:blip r:embed="rId3">
             <a:extLst>
               <a:ext uri="{28A0092B-C50C-407E-A947-70E740481C1C}">
                 <a14:useLocalDpi xmlns:a14="http://schemas.microsoft.com/office/drawing/2010/main" val="0"/>
@@ -4956,7 +6328,7 @@
 </p:sld>
 </file>
 
-<file path=ppt/slides/slide15.xml><?xml version="1.0" encoding="utf-8"?>
+<file path=ppt/slides/slide16.xml><?xml version="1.0" encoding="utf-8"?>
 <p:sld xmlns:a="http://schemas.openxmlformats.org/drawingml/2006/main" xmlns:r="http://schemas.openxmlformats.org/officeDocument/2006/relationships" xmlns:p="http://schemas.openxmlformats.org/presentationml/2006/main">
   <p:cSld>
     <p:spTree>
@@ -4990,12 +6362,13 @@
           <a:p>
             <a:r>
               <a:rPr lang="en-US" dirty="0" smtClean="0"/>
-              <a:t>Data </a:t>
-            </a:r>
-            <a:r>
-              <a:rPr lang="en-US" dirty="0"/>
-              <a:t>Analyze / recommend</a:t>
-            </a:r>
+              <a:t>Content-based filtering - </a:t>
+            </a:r>
+            <a:r>
+              <a:rPr lang="en-US" dirty="0" err="1" smtClean="0"/>
+              <a:t>tfidf</a:t>
+            </a:r>
+            <a:endParaRPr lang="en-US" dirty="0"/>
           </a:p>
         </p:txBody>
       </p:sp>
@@ -5015,68 +6388,6 @@
             <a:normAutofit/>
           </a:bodyPr>
           <a:lstStyle/>
-          <a:p>
-            <a:r>
-              <a:rPr lang="en-US" dirty="0" smtClean="0">
-                <a:solidFill>
-                  <a:schemeClr val="bg1">
-                    <a:lumMod val="75000"/>
-                  </a:schemeClr>
-                </a:solidFill>
-              </a:rPr>
-              <a:t>Find top categories</a:t>
-            </a:r>
-          </a:p>
-          <a:p>
-            <a:r>
-              <a:rPr lang="en-US" dirty="0" smtClean="0">
-                <a:solidFill>
-                  <a:schemeClr val="bg1">
-                    <a:lumMod val="75000"/>
-                  </a:schemeClr>
-                </a:solidFill>
-              </a:rPr>
-              <a:t>Find top words (n-gram)</a:t>
-            </a:r>
-          </a:p>
-          <a:p>
-            <a:r>
-              <a:rPr lang="en-US" dirty="0" smtClean="0"/>
-              <a:t>Item based recommendation</a:t>
-            </a:r>
-          </a:p>
-          <a:p>
-            <a:pPr lvl="1"/>
-            <a:r>
-              <a:rPr lang="en-US" dirty="0" smtClean="0"/>
-              <a:t>content-based filtering</a:t>
-            </a:r>
-          </a:p>
-          <a:p>
-            <a:r>
-              <a:rPr lang="en-US" dirty="0" smtClean="0">
-                <a:solidFill>
-                  <a:schemeClr val="bg1">
-                    <a:lumMod val="75000"/>
-                  </a:schemeClr>
-                </a:solidFill>
-              </a:rPr>
-              <a:t>Item/User based recommendation</a:t>
-            </a:r>
-          </a:p>
-          <a:p>
-            <a:pPr lvl="1"/>
-            <a:r>
-              <a:rPr lang="en-US" dirty="0" smtClean="0">
-                <a:solidFill>
-                  <a:schemeClr val="bg1">
-                    <a:lumMod val="75000"/>
-                  </a:schemeClr>
-                </a:solidFill>
-              </a:rPr>
-              <a:t>Neighborhood methods</a:t>
-            </a:r>
-          </a:p>
           <a:p>
             <a:endParaRPr lang="en-US" dirty="0"/>
           </a:p>
@@ -5111,7 +6422,7 @@
             <p:nvPr/>
           </p:nvPicPr>
           <p:blipFill>
-            <a:blip r:embed="rId2"/>
+            <a:blip r:embed="rId3"/>
             <a:stretch>
               <a:fillRect/>
             </a:stretch>
@@ -5285,7 +6596,7 @@
               <p:nvPr/>
             </p:nvPicPr>
             <p:blipFill>
-              <a:blip r:embed="rId3"/>
+              <a:blip r:embed="rId4"/>
               <a:stretch>
                 <a:fillRect/>
               </a:stretch>
@@ -5309,7 +6620,7 @@
               <p:nvPr/>
             </p:nvPicPr>
             <p:blipFill>
-              <a:blip r:embed="rId4"/>
+              <a:blip r:embed="rId5"/>
               <a:stretch>
                 <a:fillRect/>
               </a:stretch>
@@ -5333,7 +6644,7 @@
               <p:nvPr/>
             </p:nvPicPr>
             <p:blipFill>
-              <a:blip r:embed="rId5"/>
+              <a:blip r:embed="rId6"/>
               <a:stretch>
                 <a:fillRect/>
               </a:stretch>
@@ -5350,162 +6661,34 @@
           </p:pic>
         </p:grpSp>
       </p:grpSp>
+      <p:pic>
+        <p:nvPicPr>
+          <p:cNvPr id="12" name="圖片 11"/>
+          <p:cNvPicPr>
+            <a:picLocks noChangeAspect="1"/>
+          </p:cNvPicPr>
+          <p:nvPr/>
+        </p:nvPicPr>
+        <p:blipFill>
+          <a:blip r:embed="rId7"/>
+          <a:stretch>
+            <a:fillRect/>
+          </a:stretch>
+        </p:blipFill>
+        <p:spPr>
+          <a:xfrm>
+            <a:off x="1329846" y="1728404"/>
+            <a:ext cx="3225188" cy="3707916"/>
+          </a:xfrm>
+          <a:prstGeom prst="rect">
+            <a:avLst/>
+          </a:prstGeom>
+        </p:spPr>
+      </p:pic>
     </p:spTree>
     <p:extLst>
       <p:ext uri="{BB962C8B-B14F-4D97-AF65-F5344CB8AC3E}">
         <p14:creationId xmlns:p14="http://schemas.microsoft.com/office/powerpoint/2010/main" val="2484649491"/>
-      </p:ext>
-    </p:extLst>
-  </p:cSld>
-  <p:clrMapOvr>
-    <a:masterClrMapping/>
-  </p:clrMapOvr>
-  <p:timing>
-    <p:tnLst>
-      <p:par>
-        <p:cTn id="1" dur="indefinite" restart="never" nodeType="tmRoot"/>
-      </p:par>
-    </p:tnLst>
-  </p:timing>
-</p:sld>
-</file>
-
-<file path=ppt/slides/slide16.xml><?xml version="1.0" encoding="utf-8"?>
-<p:sld xmlns:a="http://schemas.openxmlformats.org/drawingml/2006/main" xmlns:r="http://schemas.openxmlformats.org/officeDocument/2006/relationships" xmlns:p="http://schemas.openxmlformats.org/presentationml/2006/main">
-  <p:cSld>
-    <p:spTree>
-      <p:nvGrpSpPr>
-        <p:cNvPr id="1" name=""/>
-        <p:cNvGrpSpPr/>
-        <p:nvPr/>
-      </p:nvGrpSpPr>
-      <p:grpSpPr>
-        <a:xfrm>
-          <a:off x="0" y="0"/>
-          <a:ext cx="0" cy="0"/>
-          <a:chOff x="0" y="0"/>
-          <a:chExt cx="0" cy="0"/>
-        </a:xfrm>
-      </p:grpSpPr>
-      <p:sp>
-        <p:nvSpPr>
-          <p:cNvPr id="2" name="Title 1"/>
-          <p:cNvSpPr>
-            <a:spLocks noGrp="1"/>
-          </p:cNvSpPr>
-          <p:nvPr>
-            <p:ph type="title"/>
-          </p:nvPr>
-        </p:nvSpPr>
-        <p:spPr/>
-        <p:txBody>
-          <a:bodyPr/>
-          <a:lstStyle/>
-          <a:p>
-            <a:r>
-              <a:rPr lang="en-US" dirty="0" smtClean="0"/>
-              <a:t>Data </a:t>
-            </a:r>
-            <a:r>
-              <a:rPr lang="en-US" dirty="0"/>
-              <a:t>Analyze / recommend</a:t>
-            </a:r>
-          </a:p>
-        </p:txBody>
-      </p:sp>
-      <p:sp>
-        <p:nvSpPr>
-          <p:cNvPr id="3" name="Content Placeholder 2"/>
-          <p:cNvSpPr>
-            <a:spLocks noGrp="1"/>
-          </p:cNvSpPr>
-          <p:nvPr>
-            <p:ph idx="1"/>
-          </p:nvPr>
-        </p:nvSpPr>
-        <p:spPr/>
-        <p:txBody>
-          <a:bodyPr>
-            <a:normAutofit/>
-          </a:bodyPr>
-          <a:lstStyle/>
-          <a:p>
-            <a:r>
-              <a:rPr lang="en-US" dirty="0" smtClean="0">
-                <a:solidFill>
-                  <a:schemeClr val="bg1">
-                    <a:lumMod val="75000"/>
-                  </a:schemeClr>
-                </a:solidFill>
-              </a:rPr>
-              <a:t>Find top categories</a:t>
-            </a:r>
-          </a:p>
-          <a:p>
-            <a:r>
-              <a:rPr lang="en-US" dirty="0" smtClean="0">
-                <a:solidFill>
-                  <a:schemeClr val="bg1">
-                    <a:lumMod val="75000"/>
-                  </a:schemeClr>
-                </a:solidFill>
-              </a:rPr>
-              <a:t>Find top words (n-gram)</a:t>
-            </a:r>
-          </a:p>
-          <a:p>
-            <a:r>
-              <a:rPr lang="en-US" dirty="0">
-                <a:solidFill>
-                  <a:schemeClr val="bg1">
-                    <a:lumMod val="75000"/>
-                  </a:schemeClr>
-                </a:solidFill>
-              </a:rPr>
-              <a:t>Item based recommendation</a:t>
-            </a:r>
-          </a:p>
-          <a:p>
-            <a:pPr lvl="1"/>
-            <a:r>
-              <a:rPr lang="en-US" sz="2000" dirty="0">
-                <a:solidFill>
-                  <a:schemeClr val="bg1">
-                    <a:lumMod val="75000"/>
-                  </a:schemeClr>
-                </a:solidFill>
-              </a:rPr>
-              <a:t>content-based filtering</a:t>
-            </a:r>
-          </a:p>
-          <a:p>
-            <a:r>
-              <a:rPr lang="en-US" dirty="0"/>
-              <a:t>Item/User based recommendation</a:t>
-            </a:r>
-          </a:p>
-          <a:p>
-            <a:pPr lvl="1"/>
-            <a:r>
-              <a:rPr lang="en-US" sz="2000" dirty="0"/>
-              <a:t>Neighborhood methods</a:t>
-            </a:r>
-          </a:p>
-          <a:p>
-            <a:endParaRPr lang="en-US" dirty="0"/>
-          </a:p>
-          <a:p>
-            <a:pPr marL="0" indent="0">
-              <a:buNone/>
-            </a:pPr>
-            <a:endParaRPr lang="en-US" dirty="0"/>
-          </a:p>
-        </p:txBody>
-      </p:sp>
-    </p:spTree>
-    <p:extLst>
-      <p:ext uri="{BB962C8B-B14F-4D97-AF65-F5344CB8AC3E}">
-        <p14:creationId xmlns:p14="http://schemas.microsoft.com/office/powerpoint/2010/main" val="3615113636"/>
       </p:ext>
     </p:extLst>
   </p:cSld>
@@ -5551,50 +6734,545 @@
         </p:nvSpPr>
         <p:spPr/>
         <p:txBody>
-          <a:bodyPr/>
-          <a:lstStyle/>
-          <a:p>
-            <a:r>
-              <a:rPr lang="en-US" dirty="0" smtClean="0"/>
-              <a:t>Thank you</a:t>
+          <a:bodyPr>
+            <a:normAutofit/>
+          </a:bodyPr>
+          <a:lstStyle/>
+          <a:p>
+            <a:r>
+              <a:rPr lang="en-US" altLang="zh-TW" dirty="0" smtClean="0"/>
+              <a:t>ITEM</a:t>
+            </a:r>
+            <a:r>
+              <a:rPr lang="zh-TW" altLang="en-US" dirty="0" smtClean="0"/>
+              <a:t> </a:t>
+            </a:r>
+            <a:r>
+              <a:rPr lang="en-US" altLang="zh-TW" dirty="0" smtClean="0"/>
+              <a:t>/ User based </a:t>
+            </a:r>
+            <a:r>
+              <a:rPr lang="en-US" altLang="zh-TW" dirty="0"/>
+              <a:t>recommendation</a:t>
+            </a:r>
+            <a:br>
+              <a:rPr lang="en-US" altLang="zh-TW" dirty="0"/>
+            </a:br>
+            <a:r>
+              <a:rPr lang="en-US" altLang="zh-TW" dirty="0"/>
+              <a:t>Neighborhood </a:t>
+            </a:r>
+            <a:r>
+              <a:rPr lang="en-US" altLang="zh-TW" dirty="0" smtClean="0"/>
+              <a:t>methods</a:t>
             </a:r>
             <a:endParaRPr lang="en-US" dirty="0"/>
           </a:p>
         </p:txBody>
       </p:sp>
-      <p:sp>
-        <p:nvSpPr>
-          <p:cNvPr id="3" name="Content Placeholder 2"/>
-          <p:cNvSpPr>
-            <a:spLocks noGrp="1"/>
-          </p:cNvSpPr>
-          <p:nvPr>
-            <p:ph idx="1"/>
-          </p:nvPr>
-        </p:nvSpPr>
-        <p:spPr/>
-        <p:txBody>
-          <a:bodyPr/>
-          <a:lstStyle/>
-          <a:p>
-            <a:r>
-              <a:rPr lang="en-US" dirty="0" smtClean="0"/>
-              <a:t>Questions?</a:t>
-            </a:r>
-            <a:endParaRPr lang="en-US" dirty="0"/>
-          </a:p>
-        </p:txBody>
-      </p:sp>
+      <p:pic>
+        <p:nvPicPr>
+          <p:cNvPr id="4" name="圖片 3"/>
+          <p:cNvPicPr>
+            <a:picLocks noChangeAspect="1"/>
+          </p:cNvPicPr>
+          <p:nvPr/>
+        </p:nvPicPr>
+        <p:blipFill>
+          <a:blip r:embed="rId3"/>
+          <a:stretch>
+            <a:fillRect/>
+          </a:stretch>
+        </p:blipFill>
+        <p:spPr>
+          <a:xfrm>
+            <a:off x="5841209" y="2410222"/>
+            <a:ext cx="6126673" cy="3789410"/>
+          </a:xfrm>
+          <a:prstGeom prst="rect">
+            <a:avLst/>
+          </a:prstGeom>
+        </p:spPr>
+      </p:pic>
+      <p:pic>
+        <p:nvPicPr>
+          <p:cNvPr id="5" name="圖片 4"/>
+          <p:cNvPicPr>
+            <a:picLocks noChangeAspect="1"/>
+          </p:cNvPicPr>
+          <p:nvPr/>
+        </p:nvPicPr>
+        <p:blipFill>
+          <a:blip r:embed="rId4"/>
+          <a:stretch>
+            <a:fillRect/>
+          </a:stretch>
+        </p:blipFill>
+        <p:spPr>
+          <a:xfrm>
+            <a:off x="379894" y="2410222"/>
+            <a:ext cx="5344445" cy="4052047"/>
+          </a:xfrm>
+          <a:prstGeom prst="rect">
+            <a:avLst/>
+          </a:prstGeom>
+        </p:spPr>
+      </p:pic>
     </p:spTree>
     <p:extLst>
       <p:ext uri="{BB962C8B-B14F-4D97-AF65-F5344CB8AC3E}">
-        <p14:creationId xmlns:p14="http://schemas.microsoft.com/office/powerpoint/2010/main" val="251310154"/>
+        <p14:creationId xmlns:p14="http://schemas.microsoft.com/office/powerpoint/2010/main" val="3615113636"/>
       </p:ext>
     </p:extLst>
   </p:cSld>
   <p:clrMapOvr>
     <a:masterClrMapping/>
   </p:clrMapOvr>
+  <p:timing>
+    <p:tnLst>
+      <p:par>
+        <p:cTn id="1" dur="indefinite" restart="never" nodeType="tmRoot"/>
+      </p:par>
+    </p:tnLst>
+  </p:timing>
+</p:sld>
+</file>
+
+<file path=ppt/slides/slide18.xml><?xml version="1.0" encoding="utf-8"?>
+<p:sld xmlns:a="http://schemas.openxmlformats.org/drawingml/2006/main" xmlns:r="http://schemas.openxmlformats.org/officeDocument/2006/relationships" xmlns:p="http://schemas.openxmlformats.org/presentationml/2006/main">
+  <p:cSld>
+    <p:spTree>
+      <p:nvGrpSpPr>
+        <p:cNvPr id="1" name=""/>
+        <p:cNvGrpSpPr/>
+        <p:nvPr/>
+      </p:nvGrpSpPr>
+      <p:grpSpPr>
+        <a:xfrm>
+          <a:off x="0" y="0"/>
+          <a:ext cx="0" cy="0"/>
+          <a:chOff x="0" y="0"/>
+          <a:chExt cx="0" cy="0"/>
+        </a:xfrm>
+      </p:grpSpPr>
+      <p:sp>
+        <p:nvSpPr>
+          <p:cNvPr id="2" name="Title 1"/>
+          <p:cNvSpPr>
+            <a:spLocks noGrp="1"/>
+          </p:cNvSpPr>
+          <p:nvPr>
+            <p:ph type="title"/>
+          </p:nvPr>
+        </p:nvSpPr>
+        <p:spPr/>
+        <p:txBody>
+          <a:bodyPr/>
+          <a:lstStyle/>
+          <a:p>
+            <a:r>
+              <a:rPr lang="en-US" dirty="0" smtClean="0"/>
+              <a:t>Data </a:t>
+            </a:r>
+            <a:r>
+              <a:rPr lang="en-US" dirty="0"/>
+              <a:t>Analyze / recommend</a:t>
+            </a:r>
+          </a:p>
+        </p:txBody>
+      </p:sp>
+      <p:sp>
+        <p:nvSpPr>
+          <p:cNvPr id="3" name="Content Placeholder 2"/>
+          <p:cNvSpPr>
+            <a:spLocks noGrp="1"/>
+          </p:cNvSpPr>
+          <p:nvPr>
+            <p:ph idx="1"/>
+          </p:nvPr>
+        </p:nvSpPr>
+        <p:spPr/>
+        <p:txBody>
+          <a:bodyPr>
+            <a:normAutofit/>
+          </a:bodyPr>
+          <a:lstStyle/>
+          <a:p>
+            <a:r>
+              <a:rPr lang="en-US" dirty="0" smtClean="0">
+                <a:solidFill>
+                  <a:schemeClr val="bg1">
+                    <a:lumMod val="75000"/>
+                  </a:schemeClr>
+                </a:solidFill>
+              </a:rPr>
+              <a:t>Find top categories</a:t>
+            </a:r>
+          </a:p>
+          <a:p>
+            <a:r>
+              <a:rPr lang="en-US" dirty="0" smtClean="0">
+                <a:solidFill>
+                  <a:schemeClr val="bg1">
+                    <a:lumMod val="75000"/>
+                  </a:schemeClr>
+                </a:solidFill>
+              </a:rPr>
+              <a:t>Find top words (n-gram)</a:t>
+            </a:r>
+          </a:p>
+          <a:p>
+            <a:r>
+              <a:rPr lang="en-US" dirty="0">
+                <a:solidFill>
+                  <a:schemeClr val="bg1">
+                    <a:lumMod val="75000"/>
+                  </a:schemeClr>
+                </a:solidFill>
+              </a:rPr>
+              <a:t>Item based recommendation</a:t>
+            </a:r>
+          </a:p>
+          <a:p>
+            <a:pPr lvl="1"/>
+            <a:r>
+              <a:rPr lang="en-US" sz="2000" dirty="0">
+                <a:solidFill>
+                  <a:schemeClr val="bg1">
+                    <a:lumMod val="75000"/>
+                  </a:schemeClr>
+                </a:solidFill>
+              </a:rPr>
+              <a:t>content-based filtering</a:t>
+            </a:r>
+          </a:p>
+          <a:p>
+            <a:r>
+              <a:rPr lang="en-US" dirty="0"/>
+              <a:t>Item/User based recommendation</a:t>
+            </a:r>
+          </a:p>
+          <a:p>
+            <a:pPr lvl="1"/>
+            <a:r>
+              <a:rPr lang="en-US" sz="2000" dirty="0"/>
+              <a:t>Neighborhood </a:t>
+            </a:r>
+            <a:r>
+              <a:rPr lang="en-US" sz="2000" dirty="0" smtClean="0"/>
+              <a:t>methods</a:t>
+            </a:r>
+          </a:p>
+          <a:p>
+            <a:pPr lvl="1"/>
+            <a:r>
+              <a:rPr lang="en-US" sz="2000" dirty="0" smtClean="0"/>
+              <a:t>(</a:t>
+            </a:r>
+            <a:r>
+              <a:rPr kumimoji="1" lang="en-US" altLang="zh-TW" sz="2000" dirty="0" err="1" smtClean="0"/>
+              <a:t>sklearn</a:t>
+            </a:r>
+            <a:r>
+              <a:rPr kumimoji="1" lang="en-US" altLang="zh-TW" sz="2000" dirty="0" smtClean="0"/>
+              <a:t> library</a:t>
+            </a:r>
+            <a:r>
+              <a:rPr lang="en-US" sz="2000" dirty="0" smtClean="0"/>
+              <a:t>)</a:t>
+            </a:r>
+            <a:endParaRPr lang="en-US" sz="2000" dirty="0"/>
+          </a:p>
+          <a:p>
+            <a:endParaRPr lang="en-US" dirty="0"/>
+          </a:p>
+          <a:p>
+            <a:pPr marL="0" indent="0">
+              <a:buNone/>
+            </a:pPr>
+            <a:endParaRPr lang="en-US" dirty="0"/>
+          </a:p>
+        </p:txBody>
+      </p:sp>
+      <p:pic>
+        <p:nvPicPr>
+          <p:cNvPr id="5" name="圖片 4"/>
+          <p:cNvPicPr>
+            <a:picLocks noChangeAspect="1"/>
+          </p:cNvPicPr>
+          <p:nvPr/>
+        </p:nvPicPr>
+        <p:blipFill>
+          <a:blip r:embed="rId3"/>
+          <a:stretch>
+            <a:fillRect/>
+          </a:stretch>
+        </p:blipFill>
+        <p:spPr>
+          <a:xfrm>
+            <a:off x="4993341" y="4054031"/>
+            <a:ext cx="6809814" cy="2635133"/>
+          </a:xfrm>
+          <a:prstGeom prst="rect">
+            <a:avLst/>
+          </a:prstGeom>
+        </p:spPr>
+      </p:pic>
+    </p:spTree>
+    <p:extLst>
+      <p:ext uri="{BB962C8B-B14F-4D97-AF65-F5344CB8AC3E}">
+        <p14:creationId xmlns:p14="http://schemas.microsoft.com/office/powerpoint/2010/main" val="239634130"/>
+      </p:ext>
+    </p:extLst>
+  </p:cSld>
+  <p:clrMapOvr>
+    <a:masterClrMapping/>
+  </p:clrMapOvr>
+  <p:timing>
+    <p:tnLst>
+      <p:par>
+        <p:cTn id="1" dur="indefinite" restart="never" nodeType="tmRoot"/>
+      </p:par>
+    </p:tnLst>
+  </p:timing>
+</p:sld>
+</file>
+
+<file path=ppt/slides/slide19.xml><?xml version="1.0" encoding="utf-8"?>
+<p:sld xmlns:a="http://schemas.openxmlformats.org/drawingml/2006/main" xmlns:r="http://schemas.openxmlformats.org/officeDocument/2006/relationships" xmlns:p="http://schemas.openxmlformats.org/presentationml/2006/main">
+  <p:cSld>
+    <p:spTree>
+      <p:nvGrpSpPr>
+        <p:cNvPr id="1" name=""/>
+        <p:cNvGrpSpPr/>
+        <p:nvPr/>
+      </p:nvGrpSpPr>
+      <p:grpSpPr>
+        <a:xfrm>
+          <a:off x="0" y="0"/>
+          <a:ext cx="0" cy="0"/>
+          <a:chOff x="0" y="0"/>
+          <a:chExt cx="0" cy="0"/>
+        </a:xfrm>
+      </p:grpSpPr>
+      <p:sp>
+        <p:nvSpPr>
+          <p:cNvPr id="2" name="Title 1"/>
+          <p:cNvSpPr>
+            <a:spLocks noGrp="1"/>
+          </p:cNvSpPr>
+          <p:nvPr>
+            <p:ph type="title"/>
+          </p:nvPr>
+        </p:nvSpPr>
+        <p:spPr/>
+        <p:txBody>
+          <a:bodyPr/>
+          <a:lstStyle/>
+          <a:p>
+            <a:r>
+              <a:rPr lang="en-US" dirty="0" smtClean="0"/>
+              <a:t>Data </a:t>
+            </a:r>
+            <a:r>
+              <a:rPr lang="en-US" dirty="0"/>
+              <a:t>Analyze / recommend</a:t>
+            </a:r>
+          </a:p>
+        </p:txBody>
+      </p:sp>
+      <p:sp>
+        <p:nvSpPr>
+          <p:cNvPr id="3" name="Content Placeholder 2"/>
+          <p:cNvSpPr>
+            <a:spLocks noGrp="1"/>
+          </p:cNvSpPr>
+          <p:nvPr>
+            <p:ph idx="1"/>
+          </p:nvPr>
+        </p:nvSpPr>
+        <p:spPr/>
+        <p:txBody>
+          <a:bodyPr>
+            <a:normAutofit/>
+          </a:bodyPr>
+          <a:lstStyle/>
+          <a:p>
+            <a:r>
+              <a:rPr lang="en-US" dirty="0" smtClean="0">
+                <a:solidFill>
+                  <a:schemeClr val="bg1">
+                    <a:lumMod val="75000"/>
+                  </a:schemeClr>
+                </a:solidFill>
+              </a:rPr>
+              <a:t>Find top categories</a:t>
+            </a:r>
+          </a:p>
+          <a:p>
+            <a:r>
+              <a:rPr lang="en-US" dirty="0" smtClean="0">
+                <a:solidFill>
+                  <a:schemeClr val="bg1">
+                    <a:lumMod val="75000"/>
+                  </a:schemeClr>
+                </a:solidFill>
+              </a:rPr>
+              <a:t>Find top words (n-gram)</a:t>
+            </a:r>
+          </a:p>
+          <a:p>
+            <a:r>
+              <a:rPr lang="en-US" dirty="0">
+                <a:solidFill>
+                  <a:schemeClr val="bg1">
+                    <a:lumMod val="75000"/>
+                  </a:schemeClr>
+                </a:solidFill>
+              </a:rPr>
+              <a:t>Item based recommendation</a:t>
+            </a:r>
+          </a:p>
+          <a:p>
+            <a:pPr lvl="1"/>
+            <a:r>
+              <a:rPr lang="en-US" sz="2000" dirty="0">
+                <a:solidFill>
+                  <a:schemeClr val="bg1">
+                    <a:lumMod val="75000"/>
+                  </a:schemeClr>
+                </a:solidFill>
+              </a:rPr>
+              <a:t>content-based filtering</a:t>
+            </a:r>
+          </a:p>
+          <a:p>
+            <a:r>
+              <a:rPr lang="en-US" dirty="0"/>
+              <a:t>Item/User based recommendation</a:t>
+            </a:r>
+          </a:p>
+          <a:p>
+            <a:pPr lvl="1"/>
+            <a:r>
+              <a:rPr lang="en-US" sz="2000" dirty="0"/>
+              <a:t>Neighborhood methods</a:t>
+            </a:r>
+          </a:p>
+          <a:p>
+            <a:endParaRPr lang="en-US" dirty="0"/>
+          </a:p>
+          <a:p>
+            <a:pPr marL="0" indent="0">
+              <a:buNone/>
+            </a:pPr>
+            <a:endParaRPr lang="en-US" dirty="0"/>
+          </a:p>
+        </p:txBody>
+      </p:sp>
+      <p:pic>
+        <p:nvPicPr>
+          <p:cNvPr id="5" name="圖片 4"/>
+          <p:cNvPicPr>
+            <a:picLocks noChangeAspect="1"/>
+          </p:cNvPicPr>
+          <p:nvPr/>
+        </p:nvPicPr>
+        <p:blipFill>
+          <a:blip r:embed="rId3"/>
+          <a:stretch>
+            <a:fillRect/>
+          </a:stretch>
+        </p:blipFill>
+        <p:spPr>
+          <a:xfrm>
+            <a:off x="6322370" y="2245534"/>
+            <a:ext cx="4584690" cy="2490320"/>
+          </a:xfrm>
+          <a:prstGeom prst="rect">
+            <a:avLst/>
+          </a:prstGeom>
+        </p:spPr>
+      </p:pic>
+      <p:pic>
+        <p:nvPicPr>
+          <p:cNvPr id="7" name="圖片 6"/>
+          <p:cNvPicPr>
+            <a:picLocks noChangeAspect="1"/>
+          </p:cNvPicPr>
+          <p:nvPr/>
+        </p:nvPicPr>
+        <p:blipFill>
+          <a:blip r:embed="rId4"/>
+          <a:stretch>
+            <a:fillRect/>
+          </a:stretch>
+        </p:blipFill>
+        <p:spPr>
+          <a:xfrm>
+            <a:off x="1183340" y="4726889"/>
+            <a:ext cx="6490447" cy="1719046"/>
+          </a:xfrm>
+          <a:prstGeom prst="rect">
+            <a:avLst/>
+          </a:prstGeom>
+        </p:spPr>
+      </p:pic>
+      <p:sp>
+        <p:nvSpPr>
+          <p:cNvPr id="8" name="文字方塊 7"/>
+          <p:cNvSpPr txBox="1"/>
+          <p:nvPr/>
+        </p:nvSpPr>
+        <p:spPr>
+          <a:xfrm>
+            <a:off x="7111998" y="5002307"/>
+            <a:ext cx="4129742" cy="369332"/>
+          </a:xfrm>
+          <a:prstGeom prst="rect">
+            <a:avLst/>
+          </a:prstGeom>
+          <a:noFill/>
+        </p:spPr>
+        <p:txBody>
+          <a:bodyPr wrap="square" rtlCol="0">
+            <a:spAutoFit/>
+          </a:bodyPr>
+          <a:lstStyle/>
+          <a:p>
+            <a:r>
+              <a:rPr kumimoji="1" lang="en-US" altLang="zh-TW" dirty="0" smtClean="0"/>
+              <a:t>Simple</a:t>
+            </a:r>
+            <a:r>
+              <a:rPr kumimoji="1" lang="zh-TW" altLang="en-US" dirty="0"/>
+              <a:t> </a:t>
+            </a:r>
+            <a:r>
+              <a:rPr lang="en-US" altLang="zh-TW" dirty="0"/>
+              <a:t>Weighted average method</a:t>
+            </a:r>
+            <a:endParaRPr kumimoji="1" lang="zh-TW" altLang="en-US" dirty="0"/>
+          </a:p>
+        </p:txBody>
+      </p:sp>
+    </p:spTree>
+    <p:extLst>
+      <p:ext uri="{BB962C8B-B14F-4D97-AF65-F5344CB8AC3E}">
+        <p14:creationId xmlns:p14="http://schemas.microsoft.com/office/powerpoint/2010/main" val="197084820"/>
+      </p:ext>
+    </p:extLst>
+  </p:cSld>
+  <p:clrMapOvr>
+    <a:masterClrMapping/>
+  </p:clrMapOvr>
+  <p:timing>
+    <p:tnLst>
+      <p:par>
+        <p:cTn id="1" dur="indefinite" restart="never" nodeType="tmRoot"/>
+      </p:par>
+    </p:tnLst>
+  </p:timing>
 </p:sld>
 </file>
 
@@ -5765,6 +7443,89 @@
     <p:extLst>
       <p:ext uri="{BB962C8B-B14F-4D97-AF65-F5344CB8AC3E}">
         <p14:creationId xmlns:p14="http://schemas.microsoft.com/office/powerpoint/2010/main" val="968127222"/>
+      </p:ext>
+    </p:extLst>
+  </p:cSld>
+  <p:clrMapOvr>
+    <a:masterClrMapping/>
+  </p:clrMapOvr>
+  <p:timing>
+    <p:tnLst>
+      <p:par>
+        <p:cTn id="1" dur="indefinite" restart="never" nodeType="tmRoot"/>
+      </p:par>
+    </p:tnLst>
+  </p:timing>
+</p:sld>
+</file>
+
+<file path=ppt/slides/slide20.xml><?xml version="1.0" encoding="utf-8"?>
+<p:sld xmlns:a="http://schemas.openxmlformats.org/drawingml/2006/main" xmlns:r="http://schemas.openxmlformats.org/officeDocument/2006/relationships" xmlns:p="http://schemas.openxmlformats.org/presentationml/2006/main">
+  <p:cSld>
+    <p:spTree>
+      <p:nvGrpSpPr>
+        <p:cNvPr id="1" name=""/>
+        <p:cNvGrpSpPr/>
+        <p:nvPr/>
+      </p:nvGrpSpPr>
+      <p:grpSpPr>
+        <a:xfrm>
+          <a:off x="0" y="0"/>
+          <a:ext cx="0" cy="0"/>
+          <a:chOff x="0" y="0"/>
+          <a:chExt cx="0" cy="0"/>
+        </a:xfrm>
+      </p:grpSpPr>
+      <p:sp>
+        <p:nvSpPr>
+          <p:cNvPr id="2" name="Title 1"/>
+          <p:cNvSpPr>
+            <a:spLocks noGrp="1"/>
+          </p:cNvSpPr>
+          <p:nvPr>
+            <p:ph type="title"/>
+          </p:nvPr>
+        </p:nvSpPr>
+        <p:spPr/>
+        <p:txBody>
+          <a:bodyPr/>
+          <a:lstStyle/>
+          <a:p>
+            <a:r>
+              <a:rPr lang="en-US" dirty="0" smtClean="0"/>
+              <a:t>Thank you</a:t>
+            </a:r>
+            <a:endParaRPr lang="en-US" dirty="0"/>
+          </a:p>
+        </p:txBody>
+      </p:sp>
+      <p:sp>
+        <p:nvSpPr>
+          <p:cNvPr id="3" name="Content Placeholder 2"/>
+          <p:cNvSpPr>
+            <a:spLocks noGrp="1"/>
+          </p:cNvSpPr>
+          <p:nvPr>
+            <p:ph idx="1"/>
+          </p:nvPr>
+        </p:nvSpPr>
+        <p:spPr/>
+        <p:txBody>
+          <a:bodyPr/>
+          <a:lstStyle/>
+          <a:p>
+            <a:r>
+              <a:rPr lang="en-US" dirty="0" smtClean="0"/>
+              <a:t>Questions?</a:t>
+            </a:r>
+            <a:endParaRPr lang="en-US" dirty="0"/>
+          </a:p>
+        </p:txBody>
+      </p:sp>
+    </p:spTree>
+    <p:extLst>
+      <p:ext uri="{BB962C8B-B14F-4D97-AF65-F5344CB8AC3E}">
+        <p14:creationId xmlns:p14="http://schemas.microsoft.com/office/powerpoint/2010/main" val="251310154"/>
       </p:ext>
     </p:extLst>
   </p:cSld>
@@ -6095,10 +7856,34 @@
           <a:bodyPr/>
           <a:lstStyle/>
           <a:p>
-            <a:endParaRPr lang="en-US"/>
-          </a:p>
-        </p:txBody>
-      </p:sp>
+            <a:endParaRPr lang="en-US" dirty="0"/>
+          </a:p>
+        </p:txBody>
+      </p:sp>
+      <p:pic>
+        <p:nvPicPr>
+          <p:cNvPr id="4" name="圖片 3"/>
+          <p:cNvPicPr>
+            <a:picLocks noChangeAspect="1"/>
+          </p:cNvPicPr>
+          <p:nvPr/>
+        </p:nvPicPr>
+        <p:blipFill>
+          <a:blip r:embed="rId2"/>
+          <a:stretch>
+            <a:fillRect/>
+          </a:stretch>
+        </p:blipFill>
+        <p:spPr>
+          <a:xfrm>
+            <a:off x="1389530" y="2685819"/>
+            <a:ext cx="4858870" cy="3099232"/>
+          </a:xfrm>
+          <a:prstGeom prst="rect">
+            <a:avLst/>
+          </a:prstGeom>
+        </p:spPr>
+      </p:pic>
     </p:spTree>
     <p:extLst>
       <p:ext uri="{BB962C8B-B14F-4D97-AF65-F5344CB8AC3E}">
@@ -6194,7 +7979,7 @@
         </p:blipFill>
         <p:spPr>
           <a:xfrm>
-            <a:off x="1609344" y="1838727"/>
+            <a:off x="1600379" y="1847692"/>
             <a:ext cx="8624125" cy="4333473"/>
           </a:xfrm>
           <a:prstGeom prst="rect">
@@ -6501,7 +8286,7 @@
           <p:nvPr/>
         </p:nvPicPr>
         <p:blipFill>
-          <a:blip r:embed="rId2"/>
+          <a:blip r:embed="rId3"/>
           <a:stretch>
             <a:fillRect/>
           </a:stretch>
@@ -6763,4 +8548,265 @@
     </a:ext>
   </a:extLst>
 </a:theme>
+</file>
+
+<file path=ppt/theme/theme2.xml><?xml version="1.0" encoding="utf-8"?>
+<a:theme xmlns:a="http://schemas.openxmlformats.org/drawingml/2006/main" name="Office 佈景主題">
+  <a:themeElements>
+    <a:clrScheme name="Office">
+      <a:dk1>
+        <a:sysClr val="windowText" lastClr="000000"/>
+      </a:dk1>
+      <a:lt1>
+        <a:sysClr val="window" lastClr="FFFFFF"/>
+      </a:lt1>
+      <a:dk2>
+        <a:srgbClr val="44546A"/>
+      </a:dk2>
+      <a:lt2>
+        <a:srgbClr val="E7E6E6"/>
+      </a:lt2>
+      <a:accent1>
+        <a:srgbClr val="4472C4"/>
+      </a:accent1>
+      <a:accent2>
+        <a:srgbClr val="ED7D31"/>
+      </a:accent2>
+      <a:accent3>
+        <a:srgbClr val="A5A5A5"/>
+      </a:accent3>
+      <a:accent4>
+        <a:srgbClr val="FFC000"/>
+      </a:accent4>
+      <a:accent5>
+        <a:srgbClr val="5B9BD5"/>
+      </a:accent5>
+      <a:accent6>
+        <a:srgbClr val="70AD47"/>
+      </a:accent6>
+      <a:hlink>
+        <a:srgbClr val="0563C1"/>
+      </a:hlink>
+      <a:folHlink>
+        <a:srgbClr val="954F72"/>
+      </a:folHlink>
+    </a:clrScheme>
+    <a:fontScheme name="Office">
+      <a:majorFont>
+        <a:latin typeface="Calibri Light" panose="020F0302020204030204"/>
+        <a:ea typeface=""/>
+        <a:cs typeface=""/>
+        <a:font script="Jpan" typeface="Yu Gothic Light"/>
+        <a:font script="Hang" typeface="맑은 고딕"/>
+        <a:font script="Hans" typeface="DengXian Light"/>
+        <a:font script="Hant" typeface="新細明體"/>
+        <a:font script="Arab" typeface="Times New Roman"/>
+        <a:font script="Hebr" typeface="Times New Roman"/>
+        <a:font script="Thai" typeface="Angsana New"/>
+        <a:font script="Ethi" typeface="Nyala"/>
+        <a:font script="Beng" typeface="Vrinda"/>
+        <a:font script="Gujr" typeface="Shruti"/>
+        <a:font script="Khmr" typeface="MoolBoran"/>
+        <a:font script="Knda" typeface="Tunga"/>
+        <a:font script="Guru" typeface="Raavi"/>
+        <a:font script="Cans" typeface="Euphemia"/>
+        <a:font script="Cher" typeface="Plantagenet Cherokee"/>
+        <a:font script="Yiii" typeface="Microsoft Yi Baiti"/>
+        <a:font script="Tibt" typeface="Microsoft Himalaya"/>
+        <a:font script="Thaa" typeface="MV Boli"/>
+        <a:font script="Deva" typeface="Mangal"/>
+        <a:font script="Telu" typeface="Gautami"/>
+        <a:font script="Taml" typeface="Latha"/>
+        <a:font script="Syrc" typeface="Estrangelo Edessa"/>
+        <a:font script="Orya" typeface="Kalinga"/>
+        <a:font script="Mlym" typeface="Kartika"/>
+        <a:font script="Laoo" typeface="DokChampa"/>
+        <a:font script="Sinh" typeface="Iskoola Pota"/>
+        <a:font script="Mong" typeface="Mongolian Baiti"/>
+        <a:font script="Viet" typeface="Times New Roman"/>
+        <a:font script="Uigh" typeface="Microsoft Uighur"/>
+        <a:font script="Geor" typeface="Sylfaen"/>
+      </a:majorFont>
+      <a:minorFont>
+        <a:latin typeface="Calibri" panose="020F0502020204030204"/>
+        <a:ea typeface=""/>
+        <a:cs typeface=""/>
+        <a:font script="Jpan" typeface="Yu Gothic"/>
+        <a:font script="Hang" typeface="맑은 고딕"/>
+        <a:font script="Hans" typeface="DengXian"/>
+        <a:font script="Hant" typeface="新細明體"/>
+        <a:font script="Arab" typeface="Arial"/>
+        <a:font script="Hebr" typeface="Arial"/>
+        <a:font script="Thai" typeface="Cordia New"/>
+        <a:font script="Ethi" typeface="Nyala"/>
+        <a:font script="Beng" typeface="Vrinda"/>
+        <a:font script="Gujr" typeface="Shruti"/>
+        <a:font script="Khmr" typeface="DaunPenh"/>
+        <a:font script="Knda" typeface="Tunga"/>
+        <a:font script="Guru" typeface="Raavi"/>
+        <a:font script="Cans" typeface="Euphemia"/>
+        <a:font script="Cher" typeface="Plantagenet Cherokee"/>
+        <a:font script="Yiii" typeface="Microsoft Yi Baiti"/>
+        <a:font script="Tibt" typeface="Microsoft Himalaya"/>
+        <a:font script="Thaa" typeface="MV Boli"/>
+        <a:font script="Deva" typeface="Mangal"/>
+        <a:font script="Telu" typeface="Gautami"/>
+        <a:font script="Taml" typeface="Latha"/>
+        <a:font script="Syrc" typeface="Estrangelo Edessa"/>
+        <a:font script="Orya" typeface="Kalinga"/>
+        <a:font script="Mlym" typeface="Kartika"/>
+        <a:font script="Laoo" typeface="DokChampa"/>
+        <a:font script="Sinh" typeface="Iskoola Pota"/>
+        <a:font script="Mong" typeface="Mongolian Baiti"/>
+        <a:font script="Viet" typeface="Arial"/>
+        <a:font script="Uigh" typeface="Microsoft Uighur"/>
+        <a:font script="Geor" typeface="Sylfaen"/>
+      </a:minorFont>
+    </a:fontScheme>
+    <a:fmtScheme name="Office">
+      <a:fillStyleLst>
+        <a:solidFill>
+          <a:schemeClr val="phClr"/>
+        </a:solidFill>
+        <a:gradFill rotWithShape="1">
+          <a:gsLst>
+            <a:gs pos="0">
+              <a:schemeClr val="phClr">
+                <a:lumMod val="110000"/>
+                <a:satMod val="105000"/>
+                <a:tint val="67000"/>
+              </a:schemeClr>
+            </a:gs>
+            <a:gs pos="50000">
+              <a:schemeClr val="phClr">
+                <a:lumMod val="105000"/>
+                <a:satMod val="103000"/>
+                <a:tint val="73000"/>
+              </a:schemeClr>
+            </a:gs>
+            <a:gs pos="100000">
+              <a:schemeClr val="phClr">
+                <a:lumMod val="105000"/>
+                <a:satMod val="109000"/>
+                <a:tint val="81000"/>
+              </a:schemeClr>
+            </a:gs>
+          </a:gsLst>
+          <a:lin ang="5400000" scaled="0"/>
+        </a:gradFill>
+        <a:gradFill rotWithShape="1">
+          <a:gsLst>
+            <a:gs pos="0">
+              <a:schemeClr val="phClr">
+                <a:satMod val="103000"/>
+                <a:lumMod val="102000"/>
+                <a:tint val="94000"/>
+              </a:schemeClr>
+            </a:gs>
+            <a:gs pos="50000">
+              <a:schemeClr val="phClr">
+                <a:satMod val="110000"/>
+                <a:lumMod val="100000"/>
+                <a:shade val="100000"/>
+              </a:schemeClr>
+            </a:gs>
+            <a:gs pos="100000">
+              <a:schemeClr val="phClr">
+                <a:lumMod val="99000"/>
+                <a:satMod val="120000"/>
+                <a:shade val="78000"/>
+              </a:schemeClr>
+            </a:gs>
+          </a:gsLst>
+          <a:lin ang="5400000" scaled="0"/>
+        </a:gradFill>
+      </a:fillStyleLst>
+      <a:lnStyleLst>
+        <a:ln w="6350" cap="flat" cmpd="sng" algn="ctr">
+          <a:solidFill>
+            <a:schemeClr val="phClr"/>
+          </a:solidFill>
+          <a:prstDash val="solid"/>
+          <a:miter lim="800000"/>
+        </a:ln>
+        <a:ln w="12700" cap="flat" cmpd="sng" algn="ctr">
+          <a:solidFill>
+            <a:schemeClr val="phClr"/>
+          </a:solidFill>
+          <a:prstDash val="solid"/>
+          <a:miter lim="800000"/>
+        </a:ln>
+        <a:ln w="19050" cap="flat" cmpd="sng" algn="ctr">
+          <a:solidFill>
+            <a:schemeClr val="phClr"/>
+          </a:solidFill>
+          <a:prstDash val="solid"/>
+          <a:miter lim="800000"/>
+        </a:ln>
+      </a:lnStyleLst>
+      <a:effectStyleLst>
+        <a:effectStyle>
+          <a:effectLst/>
+        </a:effectStyle>
+        <a:effectStyle>
+          <a:effectLst/>
+        </a:effectStyle>
+        <a:effectStyle>
+          <a:effectLst>
+            <a:outerShdw blurRad="57150" dist="19050" dir="5400000" algn="ctr" rotWithShape="0">
+              <a:srgbClr val="000000">
+                <a:alpha val="63000"/>
+              </a:srgbClr>
+            </a:outerShdw>
+          </a:effectLst>
+        </a:effectStyle>
+      </a:effectStyleLst>
+      <a:bgFillStyleLst>
+        <a:solidFill>
+          <a:schemeClr val="phClr"/>
+        </a:solidFill>
+        <a:solidFill>
+          <a:schemeClr val="phClr">
+            <a:tint val="95000"/>
+            <a:satMod val="170000"/>
+          </a:schemeClr>
+        </a:solidFill>
+        <a:gradFill rotWithShape="1">
+          <a:gsLst>
+            <a:gs pos="0">
+              <a:schemeClr val="phClr">
+                <a:tint val="93000"/>
+                <a:satMod val="150000"/>
+                <a:shade val="98000"/>
+                <a:lumMod val="102000"/>
+              </a:schemeClr>
+            </a:gs>
+            <a:gs pos="50000">
+              <a:schemeClr val="phClr">
+                <a:tint val="98000"/>
+                <a:satMod val="130000"/>
+                <a:shade val="90000"/>
+                <a:lumMod val="103000"/>
+              </a:schemeClr>
+            </a:gs>
+            <a:gs pos="100000">
+              <a:schemeClr val="phClr">
+                <a:shade val="63000"/>
+                <a:satMod val="120000"/>
+              </a:schemeClr>
+            </a:gs>
+          </a:gsLst>
+          <a:lin ang="5400000" scaled="0"/>
+        </a:gradFill>
+      </a:bgFillStyleLst>
+    </a:fmtScheme>
+  </a:themeElements>
+  <a:objectDefaults/>
+  <a:extraClrSchemeLst/>
+  <a:extLst>
+    <a:ext uri="{05A4C25C-085E-4340-85A3-A5531E510DB2}">
+      <thm15:themeFamily xmlns:thm15="http://schemas.microsoft.com/office/thememl/2012/main" name="Office Theme" id="{62F939B6-93AF-4DB8-9C6B-D6C7DFDC589F}" vid="{4A3C46E8-61CC-4603-A589-7422A47A8E4A}"/>
+    </a:ext>
+  </a:extLst>
+</a:theme>
 </file>
--- a/Presentation_group_k.pptx
+++ b/Presentation_group_k.pptx
@@ -538,17 +538,35 @@
           <a:p>
             <a:r>
               <a:rPr kumimoji="1" lang="en-US" altLang="zh-TW" dirty="0" smtClean="0"/>
-              <a:t>We have drop</a:t>
+              <a:t>Halo,</a:t>
             </a:r>
             <a:r>
               <a:rPr kumimoji="1" lang="en-US" altLang="zh-TW" baseline="0" dirty="0" smtClean="0"/>
-              <a:t> and remove the meaningless record,</a:t>
-            </a:r>
-          </a:p>
-          <a:p>
+              <a:t>  This is </a:t>
+            </a:r>
+            <a:r>
+              <a:rPr kumimoji="1" lang="en-US" altLang="zh-TW" baseline="0" dirty="0" err="1" smtClean="0"/>
+              <a:t>kim</a:t>
+            </a:r>
             <a:r>
               <a:rPr kumimoji="1" lang="en-US" altLang="zh-TW" baseline="0" dirty="0" smtClean="0"/>
-              <a:t>And remove punctuation in the product name</a:t>
+              <a:t>, is is </a:t>
+            </a:r>
+            <a:r>
+              <a:rPr kumimoji="1" lang="en-US" altLang="zh-TW" baseline="0" dirty="0" err="1" smtClean="0"/>
+              <a:t>dennis</a:t>
+            </a:r>
+            <a:r>
+              <a:rPr kumimoji="1" lang="en-US" altLang="zh-TW" baseline="0" dirty="0" smtClean="0"/>
+              <a:t>.. Today we are going to talk </a:t>
+            </a:r>
+            <a:r>
+              <a:rPr kumimoji="1" lang="en-US" altLang="zh-TW" baseline="0" dirty="0" err="1" smtClean="0"/>
+              <a:t>abou</a:t>
+            </a:r>
+            <a:r>
+              <a:rPr kumimoji="1" lang="en-US" altLang="zh-TW" baseline="0" dirty="0" smtClean="0"/>
+              <a:t> t</a:t>
             </a:r>
             <a:endParaRPr kumimoji="1" lang="zh-TW" altLang="en-US" dirty="0"/>
           </a:p>
@@ -571,7 +589,7 @@
           <a:p>
             <a:fld id="{A04AD0A5-2569-EA4A-B1D5-45BFBF47F3A1}" type="slidenum">
               <a:rPr kumimoji="1" lang="zh-TW" altLang="en-US" smtClean="0"/>
-              <a:t>9</a:t>
+              <a:t>1</a:t>
             </a:fld>
             <a:endParaRPr kumimoji="1" lang="zh-TW" altLang="en-US"/>
           </a:p>
@@ -580,7 +598,538 @@
     </p:spTree>
     <p:extLst>
       <p:ext uri="{BB962C8B-B14F-4D97-AF65-F5344CB8AC3E}">
-        <p14:creationId xmlns:p14="http://schemas.microsoft.com/office/powerpoint/2010/main" val="1953772467"/>
+        <p14:creationId xmlns:p14="http://schemas.microsoft.com/office/powerpoint/2010/main" val="2030862552"/>
+      </p:ext>
+    </p:extLst>
+  </p:cSld>
+  <p:clrMapOvr>
+    <a:masterClrMapping/>
+  </p:clrMapOvr>
+</p:notes>
+</file>
+
+<file path=ppt/notesSlides/notesSlide10.xml><?xml version="1.0" encoding="utf-8"?>
+<p:notes xmlns:a="http://schemas.openxmlformats.org/drawingml/2006/main" xmlns:r="http://schemas.openxmlformats.org/officeDocument/2006/relationships" xmlns:p="http://schemas.openxmlformats.org/presentationml/2006/main">
+  <p:cSld>
+    <p:spTree>
+      <p:nvGrpSpPr>
+        <p:cNvPr id="1" name=""/>
+        <p:cNvGrpSpPr/>
+        <p:nvPr/>
+      </p:nvGrpSpPr>
+      <p:grpSpPr>
+        <a:xfrm>
+          <a:off x="0" y="0"/>
+          <a:ext cx="0" cy="0"/>
+          <a:chOff x="0" y="0"/>
+          <a:chExt cx="0" cy="0"/>
+        </a:xfrm>
+      </p:grpSpPr>
+      <p:sp>
+        <p:nvSpPr>
+          <p:cNvPr id="2" name="投影片影像版面配置區 1"/>
+          <p:cNvSpPr>
+            <a:spLocks noGrp="1" noRot="1" noChangeAspect="1"/>
+          </p:cNvSpPr>
+          <p:nvPr>
+            <p:ph type="sldImg"/>
+          </p:nvPr>
+        </p:nvSpPr>
+        <p:spPr/>
+      </p:sp>
+      <p:sp>
+        <p:nvSpPr>
+          <p:cNvPr id="3" name="備忘稿版面配置區 2"/>
+          <p:cNvSpPr>
+            <a:spLocks noGrp="1"/>
+          </p:cNvSpPr>
+          <p:nvPr>
+            <p:ph type="body" idx="1"/>
+          </p:nvPr>
+        </p:nvSpPr>
+        <p:spPr/>
+        <p:txBody>
+          <a:bodyPr/>
+          <a:lstStyle/>
+          <a:p>
+            <a:r>
+              <a:rPr kumimoji="1" lang="en-US" altLang="zh-TW" dirty="0" smtClean="0"/>
+              <a:t>And the virtualization part we have already</a:t>
+            </a:r>
+            <a:r>
+              <a:rPr kumimoji="1" lang="en-US" altLang="zh-TW" baseline="0" dirty="0" smtClean="0"/>
+              <a:t> show in the demo.</a:t>
+            </a:r>
+          </a:p>
+          <a:p>
+            <a:r>
+              <a:rPr kumimoji="1" lang="en-US" altLang="zh-TW" baseline="0" dirty="0" smtClean="0"/>
+              <a:t>Last talk about the implementation.</a:t>
+            </a:r>
+          </a:p>
+          <a:p>
+            <a:r>
+              <a:rPr kumimoji="1" lang="en-US" altLang="zh-TW" dirty="0" smtClean="0"/>
+              <a:t>I</a:t>
+            </a:r>
+            <a:r>
+              <a:rPr kumimoji="1" lang="en-US" altLang="zh-TW" baseline="0" dirty="0" smtClean="0"/>
+              <a:t> think latent factor model everyone are know well.</a:t>
+            </a:r>
+          </a:p>
+          <a:p>
+            <a:r>
+              <a:rPr kumimoji="1" lang="en-US" altLang="zh-TW" baseline="0" dirty="0" smtClean="0"/>
+              <a:t>So we implement the content-based filtering and neighborhood methods.</a:t>
+            </a:r>
+            <a:endParaRPr kumimoji="1" lang="zh-TW" altLang="en-US" dirty="0"/>
+          </a:p>
+        </p:txBody>
+      </p:sp>
+      <p:sp>
+        <p:nvSpPr>
+          <p:cNvPr id="4" name="投影片編號版面配置區 3"/>
+          <p:cNvSpPr>
+            <a:spLocks noGrp="1"/>
+          </p:cNvSpPr>
+          <p:nvPr>
+            <p:ph type="sldNum" sz="quarter" idx="10"/>
+          </p:nvPr>
+        </p:nvSpPr>
+        <p:spPr/>
+        <p:txBody>
+          <a:bodyPr/>
+          <a:lstStyle/>
+          <a:p>
+            <a:fld id="{A04AD0A5-2569-EA4A-B1D5-45BFBF47F3A1}" type="slidenum">
+              <a:rPr kumimoji="1" lang="zh-TW" altLang="en-US" smtClean="0"/>
+              <a:t>15</a:t>
+            </a:fld>
+            <a:endParaRPr kumimoji="1" lang="zh-TW" altLang="en-US"/>
+          </a:p>
+        </p:txBody>
+      </p:sp>
+    </p:spTree>
+    <p:extLst>
+      <p:ext uri="{BB962C8B-B14F-4D97-AF65-F5344CB8AC3E}">
+        <p14:creationId xmlns:p14="http://schemas.microsoft.com/office/powerpoint/2010/main" val="1831124745"/>
+      </p:ext>
+    </p:extLst>
+  </p:cSld>
+  <p:clrMapOvr>
+    <a:masterClrMapping/>
+  </p:clrMapOvr>
+</p:notes>
+</file>
+
+<file path=ppt/notesSlides/notesSlide11.xml><?xml version="1.0" encoding="utf-8"?>
+<p:notes xmlns:a="http://schemas.openxmlformats.org/drawingml/2006/main" xmlns:r="http://schemas.openxmlformats.org/officeDocument/2006/relationships" xmlns:p="http://schemas.openxmlformats.org/presentationml/2006/main">
+  <p:cSld>
+    <p:spTree>
+      <p:nvGrpSpPr>
+        <p:cNvPr id="1" name=""/>
+        <p:cNvGrpSpPr/>
+        <p:nvPr/>
+      </p:nvGrpSpPr>
+      <p:grpSpPr>
+        <a:xfrm>
+          <a:off x="0" y="0"/>
+          <a:ext cx="0" cy="0"/>
+          <a:chOff x="0" y="0"/>
+          <a:chExt cx="0" cy="0"/>
+        </a:xfrm>
+      </p:grpSpPr>
+      <p:sp>
+        <p:nvSpPr>
+          <p:cNvPr id="2" name="投影片影像版面配置區 1"/>
+          <p:cNvSpPr>
+            <a:spLocks noGrp="1" noRot="1" noChangeAspect="1"/>
+          </p:cNvSpPr>
+          <p:nvPr>
+            <p:ph type="sldImg"/>
+          </p:nvPr>
+        </p:nvSpPr>
+        <p:spPr/>
+      </p:sp>
+      <p:sp>
+        <p:nvSpPr>
+          <p:cNvPr id="3" name="備忘稿版面配置區 2"/>
+          <p:cNvSpPr>
+            <a:spLocks noGrp="1"/>
+          </p:cNvSpPr>
+          <p:nvPr>
+            <p:ph type="body" idx="1"/>
+          </p:nvPr>
+        </p:nvSpPr>
+        <p:spPr/>
+        <p:txBody>
+          <a:bodyPr/>
+          <a:lstStyle/>
+          <a:p>
+            <a:r>
+              <a:rPr kumimoji="1" lang="en-US" altLang="zh-TW" dirty="0" smtClean="0"/>
+              <a:t>TF</a:t>
+            </a:r>
+            <a:r>
+              <a:rPr kumimoji="1" lang="en-US" altLang="zh-TW" baseline="0" dirty="0" smtClean="0"/>
+              <a:t> means the term frequency in a document, the frequency more high means the term is more important</a:t>
+            </a:r>
+            <a:br>
+              <a:rPr kumimoji="1" lang="en-US" altLang="zh-TW" baseline="0" dirty="0" smtClean="0"/>
+            </a:br>
+            <a:r>
+              <a:rPr kumimoji="1" lang="en-US" altLang="zh-TW" baseline="0" dirty="0" smtClean="0"/>
+              <a:t>But the term is less important if it appear in lots of document.</a:t>
+            </a:r>
+            <a:br>
+              <a:rPr kumimoji="1" lang="en-US" altLang="zh-TW" baseline="0" dirty="0" smtClean="0"/>
+            </a:br>
+            <a:r>
+              <a:rPr kumimoji="1" lang="en-US" altLang="zh-TW" baseline="0" dirty="0" smtClean="0"/>
+              <a:t>So it need to inverse weight. That is IDF</a:t>
+            </a:r>
+          </a:p>
+          <a:p>
+            <a:r>
+              <a:rPr kumimoji="1" lang="en-US" altLang="zh-TW" baseline="0" dirty="0" smtClean="0"/>
+              <a:t>TF-IDF means TF </a:t>
+            </a:r>
+            <a:r>
+              <a:rPr kumimoji="1" lang="en-US" altLang="zh-TW" baseline="0" dirty="0" err="1" smtClean="0"/>
+              <a:t>multiy</a:t>
+            </a:r>
+            <a:r>
+              <a:rPr kumimoji="1" lang="en-US" altLang="zh-TW" baseline="0" dirty="0" smtClean="0"/>
+              <a:t> IDF.</a:t>
+            </a:r>
+          </a:p>
+          <a:p>
+            <a:r>
+              <a:rPr kumimoji="1" lang="en-US" altLang="zh-TW" baseline="0" dirty="0" smtClean="0"/>
+              <a:t>And there is our using library. </a:t>
+            </a:r>
+            <a:endParaRPr kumimoji="1" lang="zh-TW" altLang="en-US" dirty="0"/>
+          </a:p>
+        </p:txBody>
+      </p:sp>
+      <p:sp>
+        <p:nvSpPr>
+          <p:cNvPr id="4" name="投影片編號版面配置區 3"/>
+          <p:cNvSpPr>
+            <a:spLocks noGrp="1"/>
+          </p:cNvSpPr>
+          <p:nvPr>
+            <p:ph type="sldNum" sz="quarter" idx="10"/>
+          </p:nvPr>
+        </p:nvSpPr>
+        <p:spPr/>
+        <p:txBody>
+          <a:bodyPr/>
+          <a:lstStyle/>
+          <a:p>
+            <a:fld id="{A04AD0A5-2569-EA4A-B1D5-45BFBF47F3A1}" type="slidenum">
+              <a:rPr kumimoji="1" lang="zh-TW" altLang="en-US" smtClean="0"/>
+              <a:t>16</a:t>
+            </a:fld>
+            <a:endParaRPr kumimoji="1" lang="zh-TW" altLang="en-US"/>
+          </a:p>
+        </p:txBody>
+      </p:sp>
+    </p:spTree>
+    <p:extLst>
+      <p:ext uri="{BB962C8B-B14F-4D97-AF65-F5344CB8AC3E}">
+        <p14:creationId xmlns:p14="http://schemas.microsoft.com/office/powerpoint/2010/main" val="55878660"/>
+      </p:ext>
+    </p:extLst>
+  </p:cSld>
+  <p:clrMapOvr>
+    <a:masterClrMapping/>
+  </p:clrMapOvr>
+</p:notes>
+</file>
+
+<file path=ppt/notesSlides/notesSlide12.xml><?xml version="1.0" encoding="utf-8"?>
+<p:notes xmlns:a="http://schemas.openxmlformats.org/drawingml/2006/main" xmlns:r="http://schemas.openxmlformats.org/officeDocument/2006/relationships" xmlns:p="http://schemas.openxmlformats.org/presentationml/2006/main">
+  <p:cSld>
+    <p:spTree>
+      <p:nvGrpSpPr>
+        <p:cNvPr id="1" name=""/>
+        <p:cNvGrpSpPr/>
+        <p:nvPr/>
+      </p:nvGrpSpPr>
+      <p:grpSpPr>
+        <a:xfrm>
+          <a:off x="0" y="0"/>
+          <a:ext cx="0" cy="0"/>
+          <a:chOff x="0" y="0"/>
+          <a:chExt cx="0" cy="0"/>
+        </a:xfrm>
+      </p:grpSpPr>
+      <p:sp>
+        <p:nvSpPr>
+          <p:cNvPr id="2" name="投影片影像版面配置區 1"/>
+          <p:cNvSpPr>
+            <a:spLocks noGrp="1" noRot="1" noChangeAspect="1"/>
+          </p:cNvSpPr>
+          <p:nvPr>
+            <p:ph type="sldImg"/>
+          </p:nvPr>
+        </p:nvSpPr>
+        <p:spPr/>
+      </p:sp>
+      <p:sp>
+        <p:nvSpPr>
+          <p:cNvPr id="3" name="備忘稿版面配置區 2"/>
+          <p:cNvSpPr>
+            <a:spLocks noGrp="1"/>
+          </p:cNvSpPr>
+          <p:nvPr>
+            <p:ph type="body" idx="1"/>
+          </p:nvPr>
+        </p:nvSpPr>
+        <p:spPr/>
+        <p:txBody>
+          <a:bodyPr/>
+          <a:lstStyle/>
+          <a:p>
+            <a:r>
+              <a:rPr kumimoji="1" lang="en-US" altLang="zh-TW" dirty="0" smtClean="0"/>
+              <a:t>And the recommendation, there are</a:t>
+            </a:r>
+            <a:r>
+              <a:rPr kumimoji="1" lang="en-US" altLang="zh-TW" baseline="0" dirty="0" smtClean="0"/>
+              <a:t> user-based and item-based.</a:t>
+            </a:r>
+            <a:br>
+              <a:rPr kumimoji="1" lang="en-US" altLang="zh-TW" baseline="0" dirty="0" smtClean="0"/>
+            </a:br>
+            <a:r>
+              <a:rPr kumimoji="1" lang="en-US" altLang="zh-TW" baseline="0" dirty="0" smtClean="0"/>
+              <a:t>In user-based recommendation, first it find the similar user based on their rating comment. </a:t>
+            </a:r>
+            <a:endParaRPr kumimoji="1" lang="zh-TW" altLang="en-US" dirty="0"/>
+          </a:p>
+        </p:txBody>
+      </p:sp>
+      <p:sp>
+        <p:nvSpPr>
+          <p:cNvPr id="4" name="投影片編號版面配置區 3"/>
+          <p:cNvSpPr>
+            <a:spLocks noGrp="1"/>
+          </p:cNvSpPr>
+          <p:nvPr>
+            <p:ph type="sldNum" sz="quarter" idx="10"/>
+          </p:nvPr>
+        </p:nvSpPr>
+        <p:spPr/>
+        <p:txBody>
+          <a:bodyPr/>
+          <a:lstStyle/>
+          <a:p>
+            <a:fld id="{A04AD0A5-2569-EA4A-B1D5-45BFBF47F3A1}" type="slidenum">
+              <a:rPr kumimoji="1" lang="zh-TW" altLang="en-US" smtClean="0"/>
+              <a:t>17</a:t>
+            </a:fld>
+            <a:endParaRPr kumimoji="1" lang="zh-TW" altLang="en-US"/>
+          </a:p>
+        </p:txBody>
+      </p:sp>
+    </p:spTree>
+    <p:extLst>
+      <p:ext uri="{BB962C8B-B14F-4D97-AF65-F5344CB8AC3E}">
+        <p14:creationId xmlns:p14="http://schemas.microsoft.com/office/powerpoint/2010/main" val="738689588"/>
+      </p:ext>
+    </p:extLst>
+  </p:cSld>
+  <p:clrMapOvr>
+    <a:masterClrMapping/>
+  </p:clrMapOvr>
+</p:notes>
+</file>
+
+<file path=ppt/notesSlides/notesSlide13.xml><?xml version="1.0" encoding="utf-8"?>
+<p:notes xmlns:a="http://schemas.openxmlformats.org/drawingml/2006/main" xmlns:r="http://schemas.openxmlformats.org/officeDocument/2006/relationships" xmlns:p="http://schemas.openxmlformats.org/presentationml/2006/main">
+  <p:cSld>
+    <p:spTree>
+      <p:nvGrpSpPr>
+        <p:cNvPr id="1" name=""/>
+        <p:cNvGrpSpPr/>
+        <p:nvPr/>
+      </p:nvGrpSpPr>
+      <p:grpSpPr>
+        <a:xfrm>
+          <a:off x="0" y="0"/>
+          <a:ext cx="0" cy="0"/>
+          <a:chOff x="0" y="0"/>
+          <a:chExt cx="0" cy="0"/>
+        </a:xfrm>
+      </p:grpSpPr>
+      <p:sp>
+        <p:nvSpPr>
+          <p:cNvPr id="2" name="投影片影像版面配置區 1"/>
+          <p:cNvSpPr>
+            <a:spLocks noGrp="1" noRot="1" noChangeAspect="1"/>
+          </p:cNvSpPr>
+          <p:nvPr>
+            <p:ph type="sldImg"/>
+          </p:nvPr>
+        </p:nvSpPr>
+        <p:spPr/>
+      </p:sp>
+      <p:sp>
+        <p:nvSpPr>
+          <p:cNvPr id="3" name="備忘稿版面配置區 2"/>
+          <p:cNvSpPr>
+            <a:spLocks noGrp="1"/>
+          </p:cNvSpPr>
+          <p:nvPr>
+            <p:ph type="body" idx="1"/>
+          </p:nvPr>
+        </p:nvSpPr>
+        <p:spPr/>
+        <p:txBody>
+          <a:bodyPr/>
+          <a:lstStyle/>
+          <a:p>
+            <a:r>
+              <a:rPr kumimoji="1" lang="en-US" altLang="zh-TW" dirty="0" smtClean="0"/>
+              <a:t>We</a:t>
+            </a:r>
+            <a:r>
+              <a:rPr kumimoji="1" lang="en-US" altLang="zh-TW" baseline="0" dirty="0" smtClean="0"/>
+              <a:t> are using the </a:t>
+            </a:r>
+            <a:r>
+              <a:rPr kumimoji="1" lang="en-US" altLang="zh-TW" baseline="0" dirty="0" err="1" smtClean="0"/>
+              <a:t>sklearn</a:t>
+            </a:r>
+            <a:r>
+              <a:rPr kumimoji="1" lang="en-US" altLang="zh-TW" baseline="0" dirty="0" smtClean="0"/>
+              <a:t> library to find the user similarity base on the matrix.</a:t>
+            </a:r>
+            <a:endParaRPr kumimoji="1" lang="zh-TW" altLang="en-US" dirty="0"/>
+          </a:p>
+        </p:txBody>
+      </p:sp>
+      <p:sp>
+        <p:nvSpPr>
+          <p:cNvPr id="4" name="投影片編號版面配置區 3"/>
+          <p:cNvSpPr>
+            <a:spLocks noGrp="1"/>
+          </p:cNvSpPr>
+          <p:nvPr>
+            <p:ph type="sldNum" sz="quarter" idx="10"/>
+          </p:nvPr>
+        </p:nvSpPr>
+        <p:spPr/>
+        <p:txBody>
+          <a:bodyPr/>
+          <a:lstStyle/>
+          <a:p>
+            <a:fld id="{A04AD0A5-2569-EA4A-B1D5-45BFBF47F3A1}" type="slidenum">
+              <a:rPr kumimoji="1" lang="zh-TW" altLang="en-US" smtClean="0"/>
+              <a:t>18</a:t>
+            </a:fld>
+            <a:endParaRPr kumimoji="1" lang="zh-TW" altLang="en-US"/>
+          </a:p>
+        </p:txBody>
+      </p:sp>
+    </p:spTree>
+    <p:extLst>
+      <p:ext uri="{BB962C8B-B14F-4D97-AF65-F5344CB8AC3E}">
+        <p14:creationId xmlns:p14="http://schemas.microsoft.com/office/powerpoint/2010/main" val="1650103493"/>
+      </p:ext>
+    </p:extLst>
+  </p:cSld>
+  <p:clrMapOvr>
+    <a:masterClrMapping/>
+  </p:clrMapOvr>
+</p:notes>
+</file>
+
+<file path=ppt/notesSlides/notesSlide14.xml><?xml version="1.0" encoding="utf-8"?>
+<p:notes xmlns:a="http://schemas.openxmlformats.org/drawingml/2006/main" xmlns:r="http://schemas.openxmlformats.org/officeDocument/2006/relationships" xmlns:p="http://schemas.openxmlformats.org/presentationml/2006/main">
+  <p:cSld>
+    <p:spTree>
+      <p:nvGrpSpPr>
+        <p:cNvPr id="1" name=""/>
+        <p:cNvGrpSpPr/>
+        <p:nvPr/>
+      </p:nvGrpSpPr>
+      <p:grpSpPr>
+        <a:xfrm>
+          <a:off x="0" y="0"/>
+          <a:ext cx="0" cy="0"/>
+          <a:chOff x="0" y="0"/>
+          <a:chExt cx="0" cy="0"/>
+        </a:xfrm>
+      </p:grpSpPr>
+      <p:sp>
+        <p:nvSpPr>
+          <p:cNvPr id="2" name="投影片影像版面配置區 1"/>
+          <p:cNvSpPr>
+            <a:spLocks noGrp="1" noRot="1" noChangeAspect="1"/>
+          </p:cNvSpPr>
+          <p:nvPr>
+            <p:ph type="sldImg"/>
+          </p:nvPr>
+        </p:nvSpPr>
+        <p:spPr/>
+      </p:sp>
+      <p:sp>
+        <p:nvSpPr>
+          <p:cNvPr id="3" name="備忘稿版面配置區 2"/>
+          <p:cNvSpPr>
+            <a:spLocks noGrp="1"/>
+          </p:cNvSpPr>
+          <p:nvPr>
+            <p:ph type="body" idx="1"/>
+          </p:nvPr>
+        </p:nvSpPr>
+        <p:spPr/>
+        <p:txBody>
+          <a:bodyPr/>
+          <a:lstStyle/>
+          <a:p>
+            <a:r>
+              <a:rPr kumimoji="1" lang="en-US" altLang="zh-TW" dirty="0" smtClean="0"/>
+              <a:t>Last,</a:t>
+            </a:r>
+            <a:r>
+              <a:rPr kumimoji="1" lang="en-US" altLang="zh-TW" baseline="0" dirty="0" smtClean="0"/>
+              <a:t> we calculate the weighted average of similar user’s  rating product to recommend product list to the user.</a:t>
+            </a:r>
+            <a:endParaRPr kumimoji="1" lang="en-US" altLang="zh-TW" dirty="0" smtClean="0"/>
+          </a:p>
+        </p:txBody>
+      </p:sp>
+      <p:sp>
+        <p:nvSpPr>
+          <p:cNvPr id="4" name="投影片編號版面配置區 3"/>
+          <p:cNvSpPr>
+            <a:spLocks noGrp="1"/>
+          </p:cNvSpPr>
+          <p:nvPr>
+            <p:ph type="sldNum" sz="quarter" idx="10"/>
+          </p:nvPr>
+        </p:nvSpPr>
+        <p:spPr/>
+        <p:txBody>
+          <a:bodyPr/>
+          <a:lstStyle/>
+          <a:p>
+            <a:fld id="{A04AD0A5-2569-EA4A-B1D5-45BFBF47F3A1}" type="slidenum">
+              <a:rPr kumimoji="1" lang="zh-TW" altLang="en-US" smtClean="0"/>
+              <a:t>19</a:t>
+            </a:fld>
+            <a:endParaRPr kumimoji="1" lang="zh-TW" altLang="en-US"/>
+          </a:p>
+        </p:txBody>
+      </p:sp>
+    </p:spTree>
+    <p:extLst>
+      <p:ext uri="{BB962C8B-B14F-4D97-AF65-F5344CB8AC3E}">
+        <p14:creationId xmlns:p14="http://schemas.microsoft.com/office/powerpoint/2010/main" val="2071875792"/>
       </p:ext>
     </p:extLst>
   </p:cSld>
@@ -636,19 +1185,56 @@
           <a:p>
             <a:r>
               <a:rPr kumimoji="1" lang="en-US" altLang="zh-TW" dirty="0" smtClean="0"/>
-              <a:t>In</a:t>
+              <a:t>In this project,</a:t>
             </a:r>
             <a:r>
               <a:rPr kumimoji="1" lang="en-US" altLang="zh-TW" baseline="0" dirty="0" smtClean="0"/>
-              <a:t> the data processing part we done a lot.</a:t>
+              <a:t> what we have done, after we got the data, we do the data cleaning; and we do the data pre-process before we analyze the data;</a:t>
             </a:r>
           </a:p>
           <a:p>
             <a:r>
               <a:rPr kumimoji="1" lang="en-US" altLang="zh-TW" baseline="0" dirty="0" smtClean="0"/>
-              <a:t>But I want to talk about the split word part.</a:t>
-            </a:r>
-            <a:endParaRPr kumimoji="1" lang="zh-TW" altLang="en-US" dirty="0"/>
+              <a:t>After </a:t>
+            </a:r>
+            <a:r>
+              <a:rPr kumimoji="1" lang="en-US" altLang="zh-TW" baseline="0" dirty="0" err="1" smtClean="0"/>
+              <a:t>tahat</a:t>
+            </a:r>
+            <a:r>
+              <a:rPr kumimoji="1" lang="en-US" altLang="zh-TW" baseline="0" dirty="0" smtClean="0"/>
+              <a:t>, we analyze the </a:t>
+            </a:r>
+            <a:r>
+              <a:rPr kumimoji="1" lang="en-US" altLang="zh-TW" baseline="0" dirty="0" err="1" smtClean="0"/>
+              <a:t>charactestic</a:t>
+            </a:r>
+            <a:r>
+              <a:rPr kumimoji="1" lang="en-US" altLang="zh-TW" baseline="0" dirty="0" smtClean="0"/>
+              <a:t> of the data, and </a:t>
+            </a:r>
+            <a:r>
+              <a:rPr kumimoji="1" lang="en-US" altLang="zh-TW" baseline="0" dirty="0" err="1" smtClean="0"/>
+              <a:t>vaulizeize</a:t>
+            </a:r>
+            <a:r>
+              <a:rPr kumimoji="1" lang="en-US" altLang="zh-TW" baseline="0" dirty="0" smtClean="0"/>
+              <a:t> the data</a:t>
+            </a:r>
+          </a:p>
+          <a:p>
+            <a:r>
+              <a:rPr kumimoji="1" lang="en-US" altLang="zh-TW" baseline="0" dirty="0" smtClean="0"/>
+              <a:t>Finally, we </a:t>
+            </a:r>
+            <a:r>
+              <a:rPr kumimoji="1" lang="en-US" altLang="zh-TW" baseline="0" dirty="0" err="1" smtClean="0"/>
+              <a:t>iimplement</a:t>
+            </a:r>
+            <a:r>
+              <a:rPr kumimoji="1" lang="en-US" altLang="zh-TW" baseline="0" dirty="0" smtClean="0"/>
+              <a:t> a simple recommendation system to present the result</a:t>
+            </a:r>
           </a:p>
         </p:txBody>
       </p:sp>
@@ -669,7 +1255,7 @@
           <a:p>
             <a:fld id="{A04AD0A5-2569-EA4A-B1D5-45BFBF47F3A1}" type="slidenum">
               <a:rPr kumimoji="1" lang="zh-TW" altLang="en-US" smtClean="0"/>
-              <a:t>10</a:t>
+              <a:t>2</a:t>
             </a:fld>
             <a:endParaRPr kumimoji="1" lang="zh-TW" altLang="en-US"/>
           </a:p>
@@ -678,7 +1264,7 @@
     </p:spTree>
     <p:extLst>
       <p:ext uri="{BB962C8B-B14F-4D97-AF65-F5344CB8AC3E}">
-        <p14:creationId xmlns:p14="http://schemas.microsoft.com/office/powerpoint/2010/main" val="1794901192"/>
+        <p14:creationId xmlns:p14="http://schemas.microsoft.com/office/powerpoint/2010/main" val="234617346"/>
       </p:ext>
     </p:extLst>
   </p:cSld>
@@ -734,23 +1320,44 @@
           <a:p>
             <a:r>
               <a:rPr kumimoji="1" lang="en-US" altLang="zh-TW" dirty="0" smtClean="0"/>
-              <a:t>In split word part, we are using </a:t>
-            </a:r>
-            <a:r>
-              <a:rPr kumimoji="1" lang="en-US" altLang="zh-TW" dirty="0" err="1" smtClean="0"/>
-              <a:t>jieba</a:t>
+              <a:t>About the data source, we original</a:t>
             </a:r>
             <a:r>
               <a:rPr kumimoji="1" lang="en-US" altLang="zh-TW" baseline="0" dirty="0" smtClean="0"/>
-              <a:t> library.</a:t>
-            </a:r>
-          </a:p>
-          <a:p>
+              <a:t> dataset is </a:t>
+            </a:r>
+            <a:r>
+              <a:rPr kumimoji="1" lang="en-US" altLang="zh-TW" baseline="0" dirty="0" err="1" smtClean="0"/>
+              <a:t>comf</a:t>
+            </a:r>
             <a:r>
               <a:rPr kumimoji="1" lang="en-US" altLang="zh-TW" baseline="0" dirty="0" smtClean="0"/>
-              <a:t>This library we help us make the sentence split to lots of terms.</a:t>
-            </a:r>
-            <a:endParaRPr kumimoji="1" lang="zh-TW" altLang="en-US" dirty="0"/>
+              <a:t> from amazon china. The data set is </a:t>
+            </a:r>
+            <a:r>
+              <a:rPr kumimoji="1" lang="en-US" altLang="zh-TW" baseline="0" dirty="0" err="1" smtClean="0"/>
+              <a:t>amost</a:t>
+            </a:r>
+            <a:r>
+              <a:rPr kumimoji="1" lang="en-US" altLang="zh-TW" baseline="0" dirty="0" smtClean="0"/>
+              <a:t> 1GB; there is four </a:t>
+            </a:r>
+            <a:r>
+              <a:rPr kumimoji="1" lang="en-US" altLang="zh-TW" baseline="0" dirty="0" err="1" smtClean="0"/>
+              <a:t>dimention</a:t>
+            </a:r>
+            <a:r>
+              <a:rPr kumimoji="1" lang="en-US" altLang="zh-TW" baseline="0" dirty="0" smtClean="0"/>
+              <a:t> about the data: </a:t>
+            </a:r>
+            <a:r>
+              <a:rPr kumimoji="1" lang="en-US" altLang="zh-TW" baseline="0" dirty="0" err="1" smtClean="0"/>
+              <a:t>prodect</a:t>
+            </a:r>
+            <a:r>
+              <a:rPr kumimoji="1" lang="en-US" altLang="zh-TW" baseline="0" dirty="0" smtClean="0"/>
+              <a:t>, categories, users and rating</a:t>
+            </a:r>
           </a:p>
         </p:txBody>
       </p:sp>
@@ -771,7 +1378,7 @@
           <a:p>
             <a:fld id="{A04AD0A5-2569-EA4A-B1D5-45BFBF47F3A1}" type="slidenum">
               <a:rPr kumimoji="1" lang="zh-TW" altLang="en-US" smtClean="0"/>
-              <a:t>12</a:t>
+              <a:t>3</a:t>
             </a:fld>
             <a:endParaRPr kumimoji="1" lang="zh-TW" altLang="en-US"/>
           </a:p>
@@ -780,7 +1387,7 @@
     </p:spTree>
     <p:extLst>
       <p:ext uri="{BB962C8B-B14F-4D97-AF65-F5344CB8AC3E}">
-        <p14:creationId xmlns:p14="http://schemas.microsoft.com/office/powerpoint/2010/main" val="1904857734"/>
+        <p14:creationId xmlns:p14="http://schemas.microsoft.com/office/powerpoint/2010/main" val="1968666717"/>
       </p:ext>
     </p:extLst>
   </p:cSld>
@@ -834,39 +1441,46 @@
           <a:bodyPr/>
           <a:lstStyle/>
           <a:p>
+            <a:pPr rtl="0" fontAlgn="t"/>
             <a:r>
               <a:rPr kumimoji="1" lang="en-US" altLang="zh-TW" dirty="0" smtClean="0"/>
-              <a:t>And the virtualization part we have already</a:t>
+              <a:t>First we</a:t>
             </a:r>
             <a:r>
               <a:rPr kumimoji="1" lang="en-US" altLang="zh-TW" baseline="0" dirty="0" smtClean="0"/>
-              <a:t> show in the demo.</a:t>
-            </a:r>
-          </a:p>
-          <a:p>
+              <a:t> take a look about the </a:t>
+            </a:r>
+            <a:r>
+              <a:rPr kumimoji="1" lang="en-US" altLang="zh-TW" baseline="0" dirty="0" err="1" smtClean="0"/>
+              <a:t>daata</a:t>
+            </a:r>
             <a:r>
               <a:rPr kumimoji="1" lang="en-US" altLang="zh-TW" baseline="0" dirty="0" smtClean="0"/>
-              <a:t>Last talk about the implementation.</a:t>
-            </a:r>
-          </a:p>
-          <a:p>
-            <a:r>
-              <a:rPr kumimoji="1" lang="en-US" altLang="zh-TW" dirty="0" smtClean="0"/>
-              <a:t>I</a:t>
+              <a:t> </a:t>
+            </a:r>
+            <a:r>
+              <a:rPr kumimoji="1" lang="en-US" altLang="zh-TW" baseline="0" dirty="0" err="1" smtClean="0"/>
+              <a:t>disturbistion</a:t>
             </a:r>
             <a:r>
               <a:rPr kumimoji="1" lang="en-US" altLang="zh-TW" baseline="0" dirty="0" smtClean="0"/>
-              <a:t> think latent factor model everyone are know well.</a:t>
-            </a:r>
-          </a:p>
-          <a:p>
+              <a:t>. The most products are books, accounting for 80%</a:t>
+            </a:r>
+            <a:r>
+              <a:rPr kumimoji="1" lang="zh-TW" altLang="en-US" baseline="0" dirty="0" smtClean="0"/>
+              <a:t> </a:t>
+            </a:r>
             <a:r>
               <a:rPr kumimoji="1" lang="en-US" altLang="zh-TW" baseline="0" dirty="0" smtClean="0"/>
-              <a:t>So we implement the content-based filtering </a:t>
-            </a:r>
-            <a:r>
-              <a:rPr kumimoji="1" lang="en-US" altLang="zh-TW" baseline="0" smtClean="0"/>
-              <a:t>and neighborhood methods.</a:t>
+              <a:t>about the total in the book product</a:t>
+            </a:r>
+            <a:r>
+              <a:rPr kumimoji="1" lang="zh-TW" altLang="en-US" baseline="0" dirty="0" smtClean="0"/>
+              <a:t> </a:t>
+            </a:r>
+            <a:r>
+              <a:rPr kumimoji="1" lang="en-US" altLang="zh-TW" baseline="0" dirty="0" smtClean="0"/>
+              <a:t>, The largest number of books are educational books and children book.</a:t>
             </a:r>
             <a:endParaRPr kumimoji="1" lang="zh-TW" altLang="en-US" dirty="0"/>
           </a:p>
@@ -889,7 +1503,7 @@
           <a:p>
             <a:fld id="{A04AD0A5-2569-EA4A-B1D5-45BFBF47F3A1}" type="slidenum">
               <a:rPr kumimoji="1" lang="zh-TW" altLang="en-US" smtClean="0"/>
-              <a:t>15</a:t>
+              <a:t>4</a:t>
             </a:fld>
             <a:endParaRPr kumimoji="1" lang="zh-TW" altLang="en-US"/>
           </a:p>
@@ -898,7 +1512,7 @@
     </p:spTree>
     <p:extLst>
       <p:ext uri="{BB962C8B-B14F-4D97-AF65-F5344CB8AC3E}">
-        <p14:creationId xmlns:p14="http://schemas.microsoft.com/office/powerpoint/2010/main" val="1831124745"/>
+        <p14:creationId xmlns:p14="http://schemas.microsoft.com/office/powerpoint/2010/main" val="72641468"/>
       </p:ext>
     </p:extLst>
   </p:cSld>
@@ -954,47 +1568,17 @@
           <a:p>
             <a:r>
               <a:rPr kumimoji="1" lang="en-US" altLang="zh-TW" dirty="0" smtClean="0"/>
-              <a:t>TF</a:t>
+              <a:t>In</a:t>
             </a:r>
             <a:r>
               <a:rPr kumimoji="1" lang="en-US" altLang="zh-TW" baseline="0" dirty="0" smtClean="0"/>
-              <a:t> means the term frequency in a document, the frequency more high means the term is more important</a:t>
-            </a:r>
-            <a:br>
-              <a:rPr kumimoji="1" lang="en-US" altLang="zh-TW" baseline="0" dirty="0" smtClean="0"/>
-            </a:br>
-            <a:r>
-              <a:rPr kumimoji="1" lang="en-US" altLang="zh-TW" baseline="0" dirty="0" smtClean="0"/>
-              <a:t>But the term is less important if it appear in lots of document.</a:t>
-            </a:r>
-            <a:br>
-              <a:rPr kumimoji="1" lang="en-US" altLang="zh-TW" baseline="0" dirty="0" smtClean="0"/>
-            </a:br>
-            <a:r>
-              <a:rPr kumimoji="1" lang="en-US" altLang="zh-TW" baseline="0" dirty="0" smtClean="0"/>
-              <a:t>So it need to inverse weight. That is IDF</a:t>
-            </a:r>
-          </a:p>
-          <a:p>
-            <a:r>
-              <a:rPr kumimoji="1" lang="en-US" altLang="zh-TW" baseline="0" dirty="0" smtClean="0"/>
-              <a:t>TF-IDF means TF </a:t>
-            </a:r>
-            <a:r>
-              <a:rPr kumimoji="1" lang="en-US" altLang="zh-TW" baseline="0" dirty="0" err="1" smtClean="0"/>
-              <a:t>multiy</a:t>
-            </a:r>
-            <a:r>
-              <a:rPr kumimoji="1" lang="en-US" altLang="zh-TW" baseline="0" dirty="0" smtClean="0"/>
-              <a:t> IDF.</a:t>
-            </a:r>
-          </a:p>
-          <a:p>
-            <a:r>
-              <a:rPr kumimoji="1" lang="en-US" altLang="zh-TW" baseline="0" dirty="0" smtClean="0"/>
-              <a:t>And there is our using library. </a:t>
-            </a:r>
-            <a:endParaRPr kumimoji="1" lang="zh-TW" altLang="en-US" dirty="0"/>
+              <a:t> the rating records, there is 1 to 5 score for user to rate. We found that user </a:t>
+            </a:r>
+            <a:r>
+              <a:rPr kumimoji="1" lang="en-US" altLang="zh-TW" baseline="0" smtClean="0"/>
+              <a:t>open rate 5 score more that else.</a:t>
+            </a:r>
+            <a:endParaRPr kumimoji="1" lang="zh-TW" altLang="en-US"/>
           </a:p>
         </p:txBody>
       </p:sp>
@@ -1015,7 +1599,7 @@
           <a:p>
             <a:fld id="{A04AD0A5-2569-EA4A-B1D5-45BFBF47F3A1}" type="slidenum">
               <a:rPr kumimoji="1" lang="zh-TW" altLang="en-US" smtClean="0"/>
-              <a:t>16</a:t>
+              <a:t>5</a:t>
             </a:fld>
             <a:endParaRPr kumimoji="1" lang="zh-TW" altLang="en-US"/>
           </a:p>
@@ -1024,7 +1608,7 @@
     </p:spTree>
     <p:extLst>
       <p:ext uri="{BB962C8B-B14F-4D97-AF65-F5344CB8AC3E}">
-        <p14:creationId xmlns:p14="http://schemas.microsoft.com/office/powerpoint/2010/main" val="55878660"/>
+        <p14:creationId xmlns:p14="http://schemas.microsoft.com/office/powerpoint/2010/main" val="1977644609"/>
       </p:ext>
     </p:extLst>
   </p:cSld>
@@ -1080,18 +1664,41 @@
           <a:p>
             <a:r>
               <a:rPr kumimoji="1" lang="en-US" altLang="zh-TW" dirty="0" smtClean="0"/>
-              <a:t>And the recommendation, there are</a:t>
+              <a:t>We perform a word segmentation analysis on all product names, we</a:t>
             </a:r>
             <a:r>
               <a:rPr kumimoji="1" lang="en-US" altLang="zh-TW" baseline="0" dirty="0" smtClean="0"/>
-              <a:t> user-based and item-based.</a:t>
-            </a:r>
-            <a:br>
+              <a:t> find that the post Popular key word is the </a:t>
+            </a:r>
+            <a:r>
+              <a:rPr kumimoji="1" lang="zh-TW" altLang="en-US" baseline="0" dirty="0" smtClean="0"/>
+              <a:t>系列</a:t>
+            </a:r>
+            <a:r>
               <a:rPr kumimoji="1" lang="en-US" altLang="zh-TW" baseline="0" dirty="0" smtClean="0"/>
-            </a:br>
+              <a:t> and </a:t>
+            </a:r>
+            <a:r>
+              <a:rPr kumimoji="1" lang="zh-TW" altLang="en-US" baseline="0" dirty="0" smtClean="0"/>
+              <a:t>中國</a:t>
+            </a:r>
             <a:r>
               <a:rPr kumimoji="1" lang="en-US" altLang="zh-TW" baseline="0" dirty="0" smtClean="0"/>
-              <a:t>In user-based recommendation, first it find the similar user based on their rating comment. </a:t>
+              <a:t>. But we found that this is some stop word just like “the”, so this key word list is not totally correct.</a:t>
+            </a:r>
+          </a:p>
+          <a:p>
+            <a:r>
+              <a:rPr kumimoji="1" lang="en-US" altLang="zh-TW" baseline="0" dirty="0" smtClean="0"/>
+              <a:t>So we use </a:t>
+            </a:r>
+            <a:r>
+              <a:rPr kumimoji="1" lang="en-US" altLang="zh-TW" baseline="0" dirty="0" err="1" smtClean="0"/>
+              <a:t>baduo</a:t>
+            </a:r>
+            <a:r>
+              <a:rPr kumimoji="1" lang="en-US" altLang="zh-TW" baseline="0" dirty="0" smtClean="0"/>
+              <a:t> stop word list the filter out all the stop word, and here is the final result</a:t>
             </a:r>
             <a:endParaRPr kumimoji="1" lang="zh-TW" altLang="en-US" dirty="0"/>
           </a:p>
@@ -1114,7 +1721,7 @@
           <a:p>
             <a:fld id="{A04AD0A5-2569-EA4A-B1D5-45BFBF47F3A1}" type="slidenum">
               <a:rPr kumimoji="1" lang="zh-TW" altLang="en-US" smtClean="0"/>
-              <a:t>17</a:t>
+              <a:t>6</a:t>
             </a:fld>
             <a:endParaRPr kumimoji="1" lang="zh-TW" altLang="en-US"/>
           </a:p>
@@ -1123,7 +1730,7 @@
     </p:spTree>
     <p:extLst>
       <p:ext uri="{BB962C8B-B14F-4D97-AF65-F5344CB8AC3E}">
-        <p14:creationId xmlns:p14="http://schemas.microsoft.com/office/powerpoint/2010/main" val="738689588"/>
+        <p14:creationId xmlns:p14="http://schemas.microsoft.com/office/powerpoint/2010/main" val="1490239908"/>
       </p:ext>
     </p:extLst>
   </p:cSld>
@@ -1179,19 +1786,17 @@
           <a:p>
             <a:r>
               <a:rPr kumimoji="1" lang="en-US" altLang="zh-TW" dirty="0" smtClean="0"/>
-              <a:t>We</a:t>
+              <a:t>We have drop</a:t>
             </a:r>
             <a:r>
               <a:rPr kumimoji="1" lang="en-US" altLang="zh-TW" baseline="0" dirty="0" smtClean="0"/>
-              <a:t> are using the </a:t>
-            </a:r>
-            <a:r>
-              <a:rPr kumimoji="1" lang="en-US" altLang="zh-TW" baseline="0" dirty="0" err="1" smtClean="0"/>
-              <a:t>sklearn</a:t>
-            </a:r>
+              <a:t> and remove the meaningless record,</a:t>
+            </a:r>
+          </a:p>
+          <a:p>
             <a:r>
               <a:rPr kumimoji="1" lang="en-US" altLang="zh-TW" baseline="0" dirty="0" smtClean="0"/>
-              <a:t> library to find the user similarity base on the matrix.</a:t>
+              <a:t>And remove punctuation in the product name</a:t>
             </a:r>
             <a:endParaRPr kumimoji="1" lang="zh-TW" altLang="en-US" dirty="0"/>
           </a:p>
@@ -1214,7 +1819,7 @@
           <a:p>
             <a:fld id="{A04AD0A5-2569-EA4A-B1D5-45BFBF47F3A1}" type="slidenum">
               <a:rPr kumimoji="1" lang="zh-TW" altLang="en-US" smtClean="0"/>
-              <a:t>18</a:t>
+              <a:t>9</a:t>
             </a:fld>
             <a:endParaRPr kumimoji="1" lang="zh-TW" altLang="en-US"/>
           </a:p>
@@ -1223,7 +1828,7 @@
     </p:spTree>
     <p:extLst>
       <p:ext uri="{BB962C8B-B14F-4D97-AF65-F5344CB8AC3E}">
-        <p14:creationId xmlns:p14="http://schemas.microsoft.com/office/powerpoint/2010/main" val="1650103493"/>
+        <p14:creationId xmlns:p14="http://schemas.microsoft.com/office/powerpoint/2010/main" val="1953772467"/>
       </p:ext>
     </p:extLst>
   </p:cSld>
@@ -1279,13 +1884,19 @@
           <a:p>
             <a:r>
               <a:rPr kumimoji="1" lang="en-US" altLang="zh-TW" dirty="0" smtClean="0"/>
-              <a:t>Last,</a:t>
+              <a:t>In</a:t>
             </a:r>
             <a:r>
               <a:rPr kumimoji="1" lang="en-US" altLang="zh-TW" baseline="0" dirty="0" smtClean="0"/>
-              <a:t> we calculate the weighted average of similar user’s  rating product to recommend product list to the user.</a:t>
-            </a:r>
-            <a:endParaRPr kumimoji="1" lang="en-US" altLang="zh-TW" dirty="0" smtClean="0"/>
+              <a:t> the data processing part we done a lot.</a:t>
+            </a:r>
+          </a:p>
+          <a:p>
+            <a:r>
+              <a:rPr kumimoji="1" lang="en-US" altLang="zh-TW" baseline="0" dirty="0" smtClean="0"/>
+              <a:t>But I want to talk about the split word part.</a:t>
+            </a:r>
+            <a:endParaRPr kumimoji="1" lang="zh-TW" altLang="en-US" dirty="0"/>
           </a:p>
         </p:txBody>
       </p:sp>
@@ -1306,7 +1917,7 @@
           <a:p>
             <a:fld id="{A04AD0A5-2569-EA4A-B1D5-45BFBF47F3A1}" type="slidenum">
               <a:rPr kumimoji="1" lang="zh-TW" altLang="en-US" smtClean="0"/>
-              <a:t>19</a:t>
+              <a:t>10</a:t>
             </a:fld>
             <a:endParaRPr kumimoji="1" lang="zh-TW" altLang="en-US"/>
           </a:p>
@@ -1315,7 +1926,109 @@
     </p:spTree>
     <p:extLst>
       <p:ext uri="{BB962C8B-B14F-4D97-AF65-F5344CB8AC3E}">
-        <p14:creationId xmlns:p14="http://schemas.microsoft.com/office/powerpoint/2010/main" val="2071875792"/>
+        <p14:creationId xmlns:p14="http://schemas.microsoft.com/office/powerpoint/2010/main" val="1794901192"/>
+      </p:ext>
+    </p:extLst>
+  </p:cSld>
+  <p:clrMapOvr>
+    <a:masterClrMapping/>
+  </p:clrMapOvr>
+</p:notes>
+</file>
+
+<file path=ppt/notesSlides/notesSlide9.xml><?xml version="1.0" encoding="utf-8"?>
+<p:notes xmlns:a="http://schemas.openxmlformats.org/drawingml/2006/main" xmlns:r="http://schemas.openxmlformats.org/officeDocument/2006/relationships" xmlns:p="http://schemas.openxmlformats.org/presentationml/2006/main">
+  <p:cSld>
+    <p:spTree>
+      <p:nvGrpSpPr>
+        <p:cNvPr id="1" name=""/>
+        <p:cNvGrpSpPr/>
+        <p:nvPr/>
+      </p:nvGrpSpPr>
+      <p:grpSpPr>
+        <a:xfrm>
+          <a:off x="0" y="0"/>
+          <a:ext cx="0" cy="0"/>
+          <a:chOff x="0" y="0"/>
+          <a:chExt cx="0" cy="0"/>
+        </a:xfrm>
+      </p:grpSpPr>
+      <p:sp>
+        <p:nvSpPr>
+          <p:cNvPr id="2" name="投影片影像版面配置區 1"/>
+          <p:cNvSpPr>
+            <a:spLocks noGrp="1" noRot="1" noChangeAspect="1"/>
+          </p:cNvSpPr>
+          <p:nvPr>
+            <p:ph type="sldImg"/>
+          </p:nvPr>
+        </p:nvSpPr>
+        <p:spPr/>
+      </p:sp>
+      <p:sp>
+        <p:nvSpPr>
+          <p:cNvPr id="3" name="備忘稿版面配置區 2"/>
+          <p:cNvSpPr>
+            <a:spLocks noGrp="1"/>
+          </p:cNvSpPr>
+          <p:nvPr>
+            <p:ph type="body" idx="1"/>
+          </p:nvPr>
+        </p:nvSpPr>
+        <p:spPr/>
+        <p:txBody>
+          <a:bodyPr/>
+          <a:lstStyle/>
+          <a:p>
+            <a:r>
+              <a:rPr kumimoji="1" lang="en-US" altLang="zh-TW" dirty="0" smtClean="0"/>
+              <a:t>In split word part, we are using </a:t>
+            </a:r>
+            <a:r>
+              <a:rPr kumimoji="1" lang="en-US" altLang="zh-TW" dirty="0" err="1" smtClean="0"/>
+              <a:t>jieba</a:t>
+            </a:r>
+            <a:r>
+              <a:rPr kumimoji="1" lang="en-US" altLang="zh-TW" baseline="0" dirty="0" smtClean="0"/>
+              <a:t> library.</a:t>
+            </a:r>
+          </a:p>
+          <a:p>
+            <a:r>
+              <a:rPr kumimoji="1" lang="en-US" altLang="zh-TW" baseline="0" dirty="0" smtClean="0"/>
+              <a:t>This library we help us make the sentence split to lots of terms.</a:t>
+            </a:r>
+            <a:endParaRPr kumimoji="1" lang="zh-TW" altLang="en-US" dirty="0"/>
+          </a:p>
+        </p:txBody>
+      </p:sp>
+      <p:sp>
+        <p:nvSpPr>
+          <p:cNvPr id="4" name="投影片編號版面配置區 3"/>
+          <p:cNvSpPr>
+            <a:spLocks noGrp="1"/>
+          </p:cNvSpPr>
+          <p:nvPr>
+            <p:ph type="sldNum" sz="quarter" idx="10"/>
+          </p:nvPr>
+        </p:nvSpPr>
+        <p:spPr/>
+        <p:txBody>
+          <a:bodyPr/>
+          <a:lstStyle/>
+          <a:p>
+            <a:fld id="{A04AD0A5-2569-EA4A-B1D5-45BFBF47F3A1}" type="slidenum">
+              <a:rPr kumimoji="1" lang="zh-TW" altLang="en-US" smtClean="0"/>
+              <a:t>12</a:t>
+            </a:fld>
+            <a:endParaRPr kumimoji="1" lang="zh-TW" altLang="en-US"/>
+          </a:p>
+        </p:txBody>
+      </p:sp>
+    </p:spTree>
+    <p:extLst>
+      <p:ext uri="{BB962C8B-B14F-4D97-AF65-F5344CB8AC3E}">
+        <p14:creationId xmlns:p14="http://schemas.microsoft.com/office/powerpoint/2010/main" val="1904857734"/>
       </p:ext>
     </p:extLst>
   </p:cSld>
@@ -5251,12 +5964,35 @@
           <a:lstStyle/>
           <a:p>
             <a:r>
-              <a:rPr lang="en-US" sz="6000" dirty="0"/>
-              <a:t>recommendation</a:t>
-            </a:r>
-            <a:r>
               <a:rPr lang="en-US" sz="6000" dirty="0" smtClean="0"/>
-              <a:t> System of amazon product data</a:t>
+              <a:t>amazon product</a:t>
+            </a:r>
+            <a:r>
+              <a:rPr lang="zh-TW" altLang="en-US" sz="6000" dirty="0" smtClean="0"/>
+              <a:t> </a:t>
+            </a:r>
+            <a:r>
+              <a:rPr lang="en-US" altLang="zh-TW" sz="6000" dirty="0" smtClean="0"/>
+              <a:t>DATA</a:t>
+            </a:r>
+            <a:r>
+              <a:rPr lang="zh-TW" altLang="en-US" sz="6000" dirty="0" smtClean="0"/>
+              <a:t> </a:t>
+            </a:r>
+            <a:r>
+              <a:rPr lang="en-US" altLang="zh-TW" sz="6000" dirty="0" smtClean="0"/>
+              <a:t>analysis</a:t>
+            </a:r>
+            <a:br>
+              <a:rPr lang="en-US" altLang="zh-TW" sz="6000" dirty="0" smtClean="0"/>
+            </a:br>
+            <a:r>
+              <a:rPr lang="en-US" altLang="zh-TW" sz="4000" dirty="0"/>
+              <a:t>	 </a:t>
+            </a:r>
+            <a:r>
+              <a:rPr lang="en-US" altLang="zh-TW" sz="4000" dirty="0" smtClean="0"/>
+              <a:t>                      - recommendation System </a:t>
             </a:r>
             <a:r>
               <a:rPr lang="en-US" dirty="0" smtClean="0"/>
@@ -7664,7 +8400,7 @@
             </a:r>
             <a:r>
               <a:rPr lang="en-US" dirty="0">
-                <a:hlinkClick r:id="rId2"/>
+                <a:hlinkClick r:id="rId3"/>
               </a:rPr>
               <a:t>https://github.com/SophonPlus/ChineseNlpCorpus/blob/master/datasets/yf_amazon/intro.ipynb</a:t>
             </a:r>
@@ -7743,7 +8479,7 @@
           </p:nvPr>
         </p:nvPicPr>
         <p:blipFill>
-          <a:blip r:embed="rId2"/>
+          <a:blip r:embed="rId3"/>
           <a:stretch>
             <a:fillRect/>
           </a:stretch>
@@ -7767,7 +8503,7 @@
           <p:nvPr/>
         </p:nvPicPr>
         <p:blipFill>
-          <a:blip r:embed="rId3"/>
+          <a:blip r:embed="rId4"/>
           <a:stretch>
             <a:fillRect/>
           </a:stretch>
@@ -7869,14 +8605,14 @@
           <p:nvPr/>
         </p:nvPicPr>
         <p:blipFill>
-          <a:blip r:embed="rId2"/>
+          <a:blip r:embed="rId3"/>
           <a:stretch>
             <a:fillRect/>
           </a:stretch>
         </p:blipFill>
         <p:spPr>
           <a:xfrm>
-            <a:off x="1389530" y="2685819"/>
+            <a:off x="1490114" y="2950995"/>
             <a:ext cx="4858870" cy="3099232"/>
           </a:xfrm>
           <a:prstGeom prst="rect">
@@ -7972,7 +8708,7 @@
           <p:nvPr/>
         </p:nvPicPr>
         <p:blipFill>
-          <a:blip r:embed="rId2"/>
+          <a:blip r:embed="rId3"/>
           <a:stretch>
             <a:fillRect/>
           </a:stretch>

--- a/Presentation_group_k.pptx
+++ b/Presentation_group_k.pptx
@@ -5,7 +5,7 @@
     <p:sldMasterId id="2147483678" r:id="rId1"/>
   </p:sldMasterIdLst>
   <p:notesMasterIdLst>
-    <p:notesMasterId r:id="rId22"/>
+    <p:notesMasterId r:id="rId24"/>
   </p:notesMasterIdLst>
   <p:sldIdLst>
     <p:sldId id="256" r:id="rId2"/>
@@ -13,21 +13,23 @@
     <p:sldId id="257" r:id="rId4"/>
     <p:sldId id="263" r:id="rId5"/>
     <p:sldId id="265" r:id="rId6"/>
-    <p:sldId id="264" r:id="rId7"/>
-    <p:sldId id="266" r:id="rId8"/>
-    <p:sldId id="262" r:id="rId9"/>
-    <p:sldId id="259" r:id="rId10"/>
-    <p:sldId id="260" r:id="rId11"/>
-    <p:sldId id="267" r:id="rId12"/>
-    <p:sldId id="268" r:id="rId13"/>
-    <p:sldId id="269" r:id="rId14"/>
-    <p:sldId id="275" r:id="rId15"/>
-    <p:sldId id="261" r:id="rId16"/>
-    <p:sldId id="270" r:id="rId17"/>
-    <p:sldId id="271" r:id="rId18"/>
-    <p:sldId id="274" r:id="rId19"/>
-    <p:sldId id="273" r:id="rId20"/>
-    <p:sldId id="272" r:id="rId21"/>
+    <p:sldId id="276" r:id="rId7"/>
+    <p:sldId id="264" r:id="rId8"/>
+    <p:sldId id="277" r:id="rId9"/>
+    <p:sldId id="266" r:id="rId10"/>
+    <p:sldId id="262" r:id="rId11"/>
+    <p:sldId id="259" r:id="rId12"/>
+    <p:sldId id="260" r:id="rId13"/>
+    <p:sldId id="267" r:id="rId14"/>
+    <p:sldId id="268" r:id="rId15"/>
+    <p:sldId id="269" r:id="rId16"/>
+    <p:sldId id="275" r:id="rId17"/>
+    <p:sldId id="261" r:id="rId18"/>
+    <p:sldId id="270" r:id="rId19"/>
+    <p:sldId id="271" r:id="rId20"/>
+    <p:sldId id="274" r:id="rId21"/>
+    <p:sldId id="273" r:id="rId22"/>
+    <p:sldId id="272" r:id="rId23"/>
   </p:sldIdLst>
   <p:sldSz cx="12192000" cy="6858000"/>
   <p:notesSz cx="6858000" cy="9144000"/>
@@ -224,7 +226,7 @@
           <a:p>
             <a:fld id="{9C37C5F1-5830-FA45-AF71-D36C8CFB7AE0}" type="datetimeFigureOut">
               <a:rPr kumimoji="1" lang="zh-TW" altLang="en-US" smtClean="0"/>
-              <a:t>2019/12/15</a:t>
+              <a:t>2019/12/16</a:t>
             </a:fld>
             <a:endParaRPr kumimoji="1" lang="zh-TW" altLang="en-US"/>
           </a:p>
@@ -545,28 +547,16 @@
               <a:t>  This is </a:t>
             </a:r>
             <a:r>
-              <a:rPr kumimoji="1" lang="en-US" altLang="zh-TW" baseline="0" dirty="0" err="1" smtClean="0"/>
-              <a:t>kim</a:t>
-            </a:r>
-            <a:r>
               <a:rPr kumimoji="1" lang="en-US" altLang="zh-TW" baseline="0" dirty="0" smtClean="0"/>
-              <a:t>, is is </a:t>
-            </a:r>
-            <a:r>
-              <a:rPr kumimoji="1" lang="en-US" altLang="zh-TW" baseline="0" dirty="0" err="1" smtClean="0"/>
-              <a:t>dennis</a:t>
+              <a:t>Kim, this is Dennis.. </a:t>
             </a:r>
             <a:r>
               <a:rPr kumimoji="1" lang="en-US" altLang="zh-TW" baseline="0" dirty="0" smtClean="0"/>
-              <a:t>.. Today we are going to talk </a:t>
-            </a:r>
-            <a:r>
-              <a:rPr kumimoji="1" lang="en-US" altLang="zh-TW" baseline="0" dirty="0" err="1" smtClean="0"/>
-              <a:t>abou</a:t>
+              <a:t>Today we are going to talk </a:t>
             </a:r>
             <a:r>
               <a:rPr kumimoji="1" lang="en-US" altLang="zh-TW" baseline="0" dirty="0" smtClean="0"/>
-              <a:t> t</a:t>
+              <a:t>about the amazon product data analysis</a:t>
             </a:r>
             <a:endParaRPr kumimoji="1" lang="zh-TW" altLang="en-US" dirty="0"/>
           </a:p>
@@ -654,33 +644,17 @@
           <a:p>
             <a:r>
               <a:rPr kumimoji="1" lang="en-US" altLang="zh-TW" dirty="0" smtClean="0"/>
-              <a:t>And the virtualization part we have already</a:t>
+              <a:t>We have drop</a:t>
             </a:r>
             <a:r>
               <a:rPr kumimoji="1" lang="en-US" altLang="zh-TW" baseline="0" dirty="0" smtClean="0"/>
-              <a:t> show in the demo.</a:t>
+              <a:t> and remove the meaningless record,</a:t>
             </a:r>
           </a:p>
           <a:p>
             <a:r>
               <a:rPr kumimoji="1" lang="en-US" altLang="zh-TW" baseline="0" dirty="0" smtClean="0"/>
-              <a:t>Last talk about the implementation.</a:t>
-            </a:r>
-          </a:p>
-          <a:p>
-            <a:r>
-              <a:rPr kumimoji="1" lang="en-US" altLang="zh-TW" dirty="0" smtClean="0"/>
-              <a:t>I</a:t>
-            </a:r>
-            <a:r>
-              <a:rPr kumimoji="1" lang="en-US" altLang="zh-TW" baseline="0" dirty="0" smtClean="0"/>
-              <a:t> think latent factor model everyone are know well.</a:t>
-            </a:r>
-          </a:p>
-          <a:p>
-            <a:r>
-              <a:rPr kumimoji="1" lang="en-US" altLang="zh-TW" baseline="0" dirty="0" smtClean="0"/>
-              <a:t>So we implement the content-based filtering and neighborhood methods.</a:t>
+              <a:t>And remove punctuation in the product name</a:t>
             </a:r>
             <a:endParaRPr kumimoji="1" lang="zh-TW" altLang="en-US" dirty="0"/>
           </a:p>
@@ -703,7 +677,7 @@
           <a:p>
             <a:fld id="{A04AD0A5-2569-EA4A-B1D5-45BFBF47F3A1}" type="slidenum">
               <a:rPr kumimoji="1" lang="zh-TW" altLang="en-US" smtClean="0"/>
-              <a:t>15</a:t>
+              <a:t>11</a:t>
             </a:fld>
             <a:endParaRPr kumimoji="1" lang="zh-TW" altLang="en-US"/>
           </a:p>
@@ -712,7 +686,7 @@
     </p:spTree>
     <p:extLst>
       <p:ext uri="{BB962C8B-B14F-4D97-AF65-F5344CB8AC3E}">
-        <p14:creationId xmlns:p14="http://schemas.microsoft.com/office/powerpoint/2010/main" val="1831124745"/>
+        <p14:creationId xmlns:p14="http://schemas.microsoft.com/office/powerpoint/2010/main" val="1953772467"/>
       </p:ext>
     </p:extLst>
   </p:cSld>
@@ -768,45 +742,17 @@
           <a:p>
             <a:r>
               <a:rPr kumimoji="1" lang="en-US" altLang="zh-TW" dirty="0" smtClean="0"/>
-              <a:t>TF</a:t>
+              <a:t>In</a:t>
             </a:r>
             <a:r>
               <a:rPr kumimoji="1" lang="en-US" altLang="zh-TW" baseline="0" dirty="0" smtClean="0"/>
-              <a:t> means the term frequency in a document, the frequency more high means the term is more important</a:t>
-            </a:r>
-            <a:br>
+              <a:t> the data processing part we done a lot.</a:t>
+            </a:r>
+          </a:p>
+          <a:p>
+            <a:r>
               <a:rPr kumimoji="1" lang="en-US" altLang="zh-TW" baseline="0" dirty="0" smtClean="0"/>
-            </a:br>
-            <a:r>
-              <a:rPr kumimoji="1" lang="en-US" altLang="zh-TW" baseline="0" dirty="0" smtClean="0"/>
-              <a:t>But the term is less important if it appear in lots of document.</a:t>
-            </a:r>
-            <a:br>
-              <a:rPr kumimoji="1" lang="en-US" altLang="zh-TW" baseline="0" dirty="0" smtClean="0"/>
-            </a:br>
-            <a:r>
-              <a:rPr kumimoji="1" lang="en-US" altLang="zh-TW" baseline="0" dirty="0" smtClean="0"/>
-              <a:t>So it need to inverse weight. That is IDF</a:t>
-            </a:r>
-          </a:p>
-          <a:p>
-            <a:r>
-              <a:rPr kumimoji="1" lang="en-US" altLang="zh-TW" baseline="0" dirty="0" smtClean="0"/>
-              <a:t>TF-IDF means TF </a:t>
-            </a:r>
-            <a:r>
-              <a:rPr kumimoji="1" lang="en-US" altLang="zh-TW" baseline="0" dirty="0" err="1" smtClean="0"/>
-              <a:t>multiy</a:t>
-            </a:r>
-            <a:r>
-              <a:rPr kumimoji="1" lang="en-US" altLang="zh-TW" baseline="0" dirty="0" smtClean="0"/>
-              <a:t> IDF.</a:t>
-            </a:r>
-          </a:p>
-          <a:p>
-            <a:r>
-              <a:rPr kumimoji="1" lang="en-US" altLang="zh-TW" baseline="0" dirty="0" smtClean="0"/>
-              <a:t>And there is our using library. </a:t>
+              <a:t>But I want to talk about the split word part.</a:t>
             </a:r>
             <a:endParaRPr kumimoji="1" lang="zh-TW" altLang="en-US" dirty="0"/>
           </a:p>
@@ -829,7 +775,7 @@
           <a:p>
             <a:fld id="{A04AD0A5-2569-EA4A-B1D5-45BFBF47F3A1}" type="slidenum">
               <a:rPr kumimoji="1" lang="zh-TW" altLang="en-US" smtClean="0"/>
-              <a:t>16</a:t>
+              <a:t>12</a:t>
             </a:fld>
             <a:endParaRPr kumimoji="1" lang="zh-TW" altLang="en-US"/>
           </a:p>
@@ -838,7 +784,7 @@
     </p:spTree>
     <p:extLst>
       <p:ext uri="{BB962C8B-B14F-4D97-AF65-F5344CB8AC3E}">
-        <p14:creationId xmlns:p14="http://schemas.microsoft.com/office/powerpoint/2010/main" val="55878660"/>
+        <p14:creationId xmlns:p14="http://schemas.microsoft.com/office/powerpoint/2010/main" val="1794901192"/>
       </p:ext>
     </p:extLst>
   </p:cSld>
@@ -894,18 +840,21 @@
           <a:p>
             <a:r>
               <a:rPr kumimoji="1" lang="en-US" altLang="zh-TW" dirty="0" smtClean="0"/>
-              <a:t>And the recommendation, there are</a:t>
+              <a:t>In split word part, we are using </a:t>
+            </a:r>
+            <a:r>
+              <a:rPr kumimoji="1" lang="en-US" altLang="zh-TW" dirty="0" err="1" smtClean="0"/>
+              <a:t>jieba</a:t>
             </a:r>
             <a:r>
               <a:rPr kumimoji="1" lang="en-US" altLang="zh-TW" baseline="0" dirty="0" smtClean="0"/>
-              <a:t> user-based and item-based.</a:t>
-            </a:r>
-            <a:br>
+              <a:t> library.</a:t>
+            </a:r>
+          </a:p>
+          <a:p>
+            <a:r>
               <a:rPr kumimoji="1" lang="en-US" altLang="zh-TW" baseline="0" dirty="0" smtClean="0"/>
-            </a:br>
-            <a:r>
-              <a:rPr kumimoji="1" lang="en-US" altLang="zh-TW" baseline="0" dirty="0" smtClean="0"/>
-              <a:t>In user-based recommendation, first it find the similar user based on their rating comment. </a:t>
+              <a:t>This library we help us make the sentence split to lots of terms.</a:t>
             </a:r>
             <a:endParaRPr kumimoji="1" lang="zh-TW" altLang="en-US" dirty="0"/>
           </a:p>
@@ -928,7 +877,7 @@
           <a:p>
             <a:fld id="{A04AD0A5-2569-EA4A-B1D5-45BFBF47F3A1}" type="slidenum">
               <a:rPr kumimoji="1" lang="zh-TW" altLang="en-US" smtClean="0"/>
-              <a:t>17</a:t>
+              <a:t>14</a:t>
             </a:fld>
             <a:endParaRPr kumimoji="1" lang="zh-TW" altLang="en-US"/>
           </a:p>
@@ -937,7 +886,7 @@
     </p:spTree>
     <p:extLst>
       <p:ext uri="{BB962C8B-B14F-4D97-AF65-F5344CB8AC3E}">
-        <p14:creationId xmlns:p14="http://schemas.microsoft.com/office/powerpoint/2010/main" val="738689588"/>
+        <p14:creationId xmlns:p14="http://schemas.microsoft.com/office/powerpoint/2010/main" val="1904857734"/>
       </p:ext>
     </p:extLst>
   </p:cSld>
@@ -993,19 +942,33 @@
           <a:p>
             <a:r>
               <a:rPr kumimoji="1" lang="en-US" altLang="zh-TW" dirty="0" smtClean="0"/>
-              <a:t>We</a:t>
+              <a:t>And the virtualization part we have already</a:t>
             </a:r>
             <a:r>
               <a:rPr kumimoji="1" lang="en-US" altLang="zh-TW" baseline="0" dirty="0" smtClean="0"/>
-              <a:t> are using the </a:t>
-            </a:r>
-            <a:r>
-              <a:rPr kumimoji="1" lang="en-US" altLang="zh-TW" baseline="0" dirty="0" err="1" smtClean="0"/>
-              <a:t>sklearn</a:t>
-            </a:r>
+              <a:t> show in the demo.</a:t>
+            </a:r>
+          </a:p>
+          <a:p>
             <a:r>
               <a:rPr kumimoji="1" lang="en-US" altLang="zh-TW" baseline="0" dirty="0" smtClean="0"/>
-              <a:t> library to find the user similarity base on the matrix.</a:t>
+              <a:t>Last talk about the implementation.</a:t>
+            </a:r>
+          </a:p>
+          <a:p>
+            <a:r>
+              <a:rPr kumimoji="1" lang="en-US" altLang="zh-TW" dirty="0" smtClean="0"/>
+              <a:t>I</a:t>
+            </a:r>
+            <a:r>
+              <a:rPr kumimoji="1" lang="en-US" altLang="zh-TW" baseline="0" dirty="0" smtClean="0"/>
+              <a:t> think latent factor model everyone are know well.</a:t>
+            </a:r>
+          </a:p>
+          <a:p>
+            <a:r>
+              <a:rPr kumimoji="1" lang="en-US" altLang="zh-TW" baseline="0" dirty="0" smtClean="0"/>
+              <a:t>So we implement the content-based filtering and neighborhood methods.</a:t>
             </a:r>
             <a:endParaRPr kumimoji="1" lang="zh-TW" altLang="en-US" dirty="0"/>
           </a:p>
@@ -1028,7 +991,7 @@
           <a:p>
             <a:fld id="{A04AD0A5-2569-EA4A-B1D5-45BFBF47F3A1}" type="slidenum">
               <a:rPr kumimoji="1" lang="zh-TW" altLang="en-US" smtClean="0"/>
-              <a:t>18</a:t>
+              <a:t>17</a:t>
             </a:fld>
             <a:endParaRPr kumimoji="1" lang="zh-TW" altLang="en-US"/>
           </a:p>
@@ -1037,7 +1000,7 @@
     </p:spTree>
     <p:extLst>
       <p:ext uri="{BB962C8B-B14F-4D97-AF65-F5344CB8AC3E}">
-        <p14:creationId xmlns:p14="http://schemas.microsoft.com/office/powerpoint/2010/main" val="1650103493"/>
+        <p14:creationId xmlns:p14="http://schemas.microsoft.com/office/powerpoint/2010/main" val="1831124745"/>
       </p:ext>
     </p:extLst>
   </p:cSld>
@@ -1093,13 +1056,146 @@
           <a:p>
             <a:r>
               <a:rPr kumimoji="1" lang="en-US" altLang="zh-TW" dirty="0" smtClean="0"/>
-              <a:t>Last,</a:t>
+              <a:t>TF</a:t>
             </a:r>
             <a:r>
               <a:rPr kumimoji="1" lang="en-US" altLang="zh-TW" baseline="0" dirty="0" smtClean="0"/>
-              <a:t> we calculate the weighted average of similar user’s  rating product to recommend product list to the user.</a:t>
-            </a:r>
-            <a:endParaRPr kumimoji="1" lang="en-US" altLang="zh-TW" dirty="0" smtClean="0"/>
+              <a:t> means the term frequency in a document, the frequency more high means the term is more important</a:t>
+            </a:r>
+            <a:br>
+              <a:rPr kumimoji="1" lang="en-US" altLang="zh-TW" baseline="0" dirty="0" smtClean="0"/>
+            </a:br>
+            <a:r>
+              <a:rPr kumimoji="1" lang="en-US" altLang="zh-TW" baseline="0" dirty="0" smtClean="0"/>
+              <a:t>But the term is less important if it appear in lots of document.</a:t>
+            </a:r>
+            <a:br>
+              <a:rPr kumimoji="1" lang="en-US" altLang="zh-TW" baseline="0" dirty="0" smtClean="0"/>
+            </a:br>
+            <a:r>
+              <a:rPr kumimoji="1" lang="en-US" altLang="zh-TW" baseline="0" dirty="0" smtClean="0"/>
+              <a:t>So it need to inverse weight. That is IDF</a:t>
+            </a:r>
+          </a:p>
+          <a:p>
+            <a:r>
+              <a:rPr kumimoji="1" lang="en-US" altLang="zh-TW" baseline="0" dirty="0" smtClean="0"/>
+              <a:t>TF-IDF means TF </a:t>
+            </a:r>
+            <a:r>
+              <a:rPr kumimoji="1" lang="en-US" altLang="zh-TW" baseline="0" dirty="0" err="1" smtClean="0"/>
+              <a:t>multiy</a:t>
+            </a:r>
+            <a:r>
+              <a:rPr kumimoji="1" lang="en-US" altLang="zh-TW" baseline="0" dirty="0" smtClean="0"/>
+              <a:t> IDF.</a:t>
+            </a:r>
+          </a:p>
+          <a:p>
+            <a:r>
+              <a:rPr kumimoji="1" lang="en-US" altLang="zh-TW" baseline="0" dirty="0" smtClean="0"/>
+              <a:t>And there is our using library. </a:t>
+            </a:r>
+            <a:endParaRPr kumimoji="1" lang="zh-TW" altLang="en-US" dirty="0"/>
+          </a:p>
+        </p:txBody>
+      </p:sp>
+      <p:sp>
+        <p:nvSpPr>
+          <p:cNvPr id="4" name="投影片編號版面配置區 3"/>
+          <p:cNvSpPr>
+            <a:spLocks noGrp="1"/>
+          </p:cNvSpPr>
+          <p:nvPr>
+            <p:ph type="sldNum" sz="quarter" idx="10"/>
+          </p:nvPr>
+        </p:nvSpPr>
+        <p:spPr/>
+        <p:txBody>
+          <a:bodyPr/>
+          <a:lstStyle/>
+          <a:p>
+            <a:fld id="{A04AD0A5-2569-EA4A-B1D5-45BFBF47F3A1}" type="slidenum">
+              <a:rPr kumimoji="1" lang="zh-TW" altLang="en-US" smtClean="0"/>
+              <a:t>18</a:t>
+            </a:fld>
+            <a:endParaRPr kumimoji="1" lang="zh-TW" altLang="en-US"/>
+          </a:p>
+        </p:txBody>
+      </p:sp>
+    </p:spTree>
+    <p:extLst>
+      <p:ext uri="{BB962C8B-B14F-4D97-AF65-F5344CB8AC3E}">
+        <p14:creationId xmlns:p14="http://schemas.microsoft.com/office/powerpoint/2010/main" val="55878660"/>
+      </p:ext>
+    </p:extLst>
+  </p:cSld>
+  <p:clrMapOvr>
+    <a:masterClrMapping/>
+  </p:clrMapOvr>
+</p:notes>
+</file>
+
+<file path=ppt/notesSlides/notesSlide15.xml><?xml version="1.0" encoding="utf-8"?>
+<p:notes xmlns:a="http://schemas.openxmlformats.org/drawingml/2006/main" xmlns:r="http://schemas.openxmlformats.org/officeDocument/2006/relationships" xmlns:p="http://schemas.openxmlformats.org/presentationml/2006/main">
+  <p:cSld>
+    <p:spTree>
+      <p:nvGrpSpPr>
+        <p:cNvPr id="1" name=""/>
+        <p:cNvGrpSpPr/>
+        <p:nvPr/>
+      </p:nvGrpSpPr>
+      <p:grpSpPr>
+        <a:xfrm>
+          <a:off x="0" y="0"/>
+          <a:ext cx="0" cy="0"/>
+          <a:chOff x="0" y="0"/>
+          <a:chExt cx="0" cy="0"/>
+        </a:xfrm>
+      </p:grpSpPr>
+      <p:sp>
+        <p:nvSpPr>
+          <p:cNvPr id="2" name="投影片影像版面配置區 1"/>
+          <p:cNvSpPr>
+            <a:spLocks noGrp="1" noRot="1" noChangeAspect="1"/>
+          </p:cNvSpPr>
+          <p:nvPr>
+            <p:ph type="sldImg"/>
+          </p:nvPr>
+        </p:nvSpPr>
+        <p:spPr/>
+      </p:sp>
+      <p:sp>
+        <p:nvSpPr>
+          <p:cNvPr id="3" name="備忘稿版面配置區 2"/>
+          <p:cNvSpPr>
+            <a:spLocks noGrp="1"/>
+          </p:cNvSpPr>
+          <p:nvPr>
+            <p:ph type="body" idx="1"/>
+          </p:nvPr>
+        </p:nvSpPr>
+        <p:spPr/>
+        <p:txBody>
+          <a:bodyPr/>
+          <a:lstStyle/>
+          <a:p>
+            <a:r>
+              <a:rPr kumimoji="1" lang="en-US" altLang="zh-TW" dirty="0" smtClean="0"/>
+              <a:t>And the recommendation, there are</a:t>
+            </a:r>
+            <a:r>
+              <a:rPr kumimoji="1" lang="en-US" altLang="zh-TW" baseline="0" dirty="0" smtClean="0"/>
+              <a:t> user-based and item-based.</a:t>
+            </a:r>
+            <a:br>
+              <a:rPr kumimoji="1" lang="en-US" altLang="zh-TW" baseline="0" dirty="0" smtClean="0"/>
+            </a:br>
+            <a:r>
+              <a:rPr kumimoji="1" lang="en-US" altLang="zh-TW" baseline="0" dirty="0" smtClean="0"/>
+              <a:t>In user-based recommendation, first it find the similar user based on their rating comment. </a:t>
+            </a:r>
+            <a:endParaRPr kumimoji="1" lang="zh-TW" altLang="en-US" dirty="0"/>
           </a:p>
         </p:txBody>
       </p:sp>
@@ -1121,6 +1217,198 @@
             <a:fld id="{A04AD0A5-2569-EA4A-B1D5-45BFBF47F3A1}" type="slidenum">
               <a:rPr kumimoji="1" lang="zh-TW" altLang="en-US" smtClean="0"/>
               <a:t>19</a:t>
+            </a:fld>
+            <a:endParaRPr kumimoji="1" lang="zh-TW" altLang="en-US"/>
+          </a:p>
+        </p:txBody>
+      </p:sp>
+    </p:spTree>
+    <p:extLst>
+      <p:ext uri="{BB962C8B-B14F-4D97-AF65-F5344CB8AC3E}">
+        <p14:creationId xmlns:p14="http://schemas.microsoft.com/office/powerpoint/2010/main" val="738689588"/>
+      </p:ext>
+    </p:extLst>
+  </p:cSld>
+  <p:clrMapOvr>
+    <a:masterClrMapping/>
+  </p:clrMapOvr>
+</p:notes>
+</file>
+
+<file path=ppt/notesSlides/notesSlide16.xml><?xml version="1.0" encoding="utf-8"?>
+<p:notes xmlns:a="http://schemas.openxmlformats.org/drawingml/2006/main" xmlns:r="http://schemas.openxmlformats.org/officeDocument/2006/relationships" xmlns:p="http://schemas.openxmlformats.org/presentationml/2006/main">
+  <p:cSld>
+    <p:spTree>
+      <p:nvGrpSpPr>
+        <p:cNvPr id="1" name=""/>
+        <p:cNvGrpSpPr/>
+        <p:nvPr/>
+      </p:nvGrpSpPr>
+      <p:grpSpPr>
+        <a:xfrm>
+          <a:off x="0" y="0"/>
+          <a:ext cx="0" cy="0"/>
+          <a:chOff x="0" y="0"/>
+          <a:chExt cx="0" cy="0"/>
+        </a:xfrm>
+      </p:grpSpPr>
+      <p:sp>
+        <p:nvSpPr>
+          <p:cNvPr id="2" name="投影片影像版面配置區 1"/>
+          <p:cNvSpPr>
+            <a:spLocks noGrp="1" noRot="1" noChangeAspect="1"/>
+          </p:cNvSpPr>
+          <p:nvPr>
+            <p:ph type="sldImg"/>
+          </p:nvPr>
+        </p:nvSpPr>
+        <p:spPr/>
+      </p:sp>
+      <p:sp>
+        <p:nvSpPr>
+          <p:cNvPr id="3" name="備忘稿版面配置區 2"/>
+          <p:cNvSpPr>
+            <a:spLocks noGrp="1"/>
+          </p:cNvSpPr>
+          <p:nvPr>
+            <p:ph type="body" idx="1"/>
+          </p:nvPr>
+        </p:nvSpPr>
+        <p:spPr/>
+        <p:txBody>
+          <a:bodyPr/>
+          <a:lstStyle/>
+          <a:p>
+            <a:r>
+              <a:rPr kumimoji="1" lang="en-US" altLang="zh-TW" dirty="0" smtClean="0"/>
+              <a:t>We</a:t>
+            </a:r>
+            <a:r>
+              <a:rPr kumimoji="1" lang="en-US" altLang="zh-TW" baseline="0" dirty="0" smtClean="0"/>
+              <a:t> are using the </a:t>
+            </a:r>
+            <a:r>
+              <a:rPr kumimoji="1" lang="en-US" altLang="zh-TW" baseline="0" dirty="0" err="1" smtClean="0"/>
+              <a:t>sklearn</a:t>
+            </a:r>
+            <a:r>
+              <a:rPr kumimoji="1" lang="en-US" altLang="zh-TW" baseline="0" dirty="0" smtClean="0"/>
+              <a:t> library to find the user similarity base on the matrix.</a:t>
+            </a:r>
+            <a:endParaRPr kumimoji="1" lang="zh-TW" altLang="en-US" dirty="0"/>
+          </a:p>
+        </p:txBody>
+      </p:sp>
+      <p:sp>
+        <p:nvSpPr>
+          <p:cNvPr id="4" name="投影片編號版面配置區 3"/>
+          <p:cNvSpPr>
+            <a:spLocks noGrp="1"/>
+          </p:cNvSpPr>
+          <p:nvPr>
+            <p:ph type="sldNum" sz="quarter" idx="10"/>
+          </p:nvPr>
+        </p:nvSpPr>
+        <p:spPr/>
+        <p:txBody>
+          <a:bodyPr/>
+          <a:lstStyle/>
+          <a:p>
+            <a:fld id="{A04AD0A5-2569-EA4A-B1D5-45BFBF47F3A1}" type="slidenum">
+              <a:rPr kumimoji="1" lang="zh-TW" altLang="en-US" smtClean="0"/>
+              <a:t>20</a:t>
+            </a:fld>
+            <a:endParaRPr kumimoji="1" lang="zh-TW" altLang="en-US"/>
+          </a:p>
+        </p:txBody>
+      </p:sp>
+    </p:spTree>
+    <p:extLst>
+      <p:ext uri="{BB962C8B-B14F-4D97-AF65-F5344CB8AC3E}">
+        <p14:creationId xmlns:p14="http://schemas.microsoft.com/office/powerpoint/2010/main" val="1650103493"/>
+      </p:ext>
+    </p:extLst>
+  </p:cSld>
+  <p:clrMapOvr>
+    <a:masterClrMapping/>
+  </p:clrMapOvr>
+</p:notes>
+</file>
+
+<file path=ppt/notesSlides/notesSlide17.xml><?xml version="1.0" encoding="utf-8"?>
+<p:notes xmlns:a="http://schemas.openxmlformats.org/drawingml/2006/main" xmlns:r="http://schemas.openxmlformats.org/officeDocument/2006/relationships" xmlns:p="http://schemas.openxmlformats.org/presentationml/2006/main">
+  <p:cSld>
+    <p:spTree>
+      <p:nvGrpSpPr>
+        <p:cNvPr id="1" name=""/>
+        <p:cNvGrpSpPr/>
+        <p:nvPr/>
+      </p:nvGrpSpPr>
+      <p:grpSpPr>
+        <a:xfrm>
+          <a:off x="0" y="0"/>
+          <a:ext cx="0" cy="0"/>
+          <a:chOff x="0" y="0"/>
+          <a:chExt cx="0" cy="0"/>
+        </a:xfrm>
+      </p:grpSpPr>
+      <p:sp>
+        <p:nvSpPr>
+          <p:cNvPr id="2" name="投影片影像版面配置區 1"/>
+          <p:cNvSpPr>
+            <a:spLocks noGrp="1" noRot="1" noChangeAspect="1"/>
+          </p:cNvSpPr>
+          <p:nvPr>
+            <p:ph type="sldImg"/>
+          </p:nvPr>
+        </p:nvSpPr>
+        <p:spPr/>
+      </p:sp>
+      <p:sp>
+        <p:nvSpPr>
+          <p:cNvPr id="3" name="備忘稿版面配置區 2"/>
+          <p:cNvSpPr>
+            <a:spLocks noGrp="1"/>
+          </p:cNvSpPr>
+          <p:nvPr>
+            <p:ph type="body" idx="1"/>
+          </p:nvPr>
+        </p:nvSpPr>
+        <p:spPr/>
+        <p:txBody>
+          <a:bodyPr/>
+          <a:lstStyle/>
+          <a:p>
+            <a:r>
+              <a:rPr kumimoji="1" lang="en-US" altLang="zh-TW" dirty="0" smtClean="0"/>
+              <a:t>Last,</a:t>
+            </a:r>
+            <a:r>
+              <a:rPr kumimoji="1" lang="en-US" altLang="zh-TW" baseline="0" dirty="0" smtClean="0"/>
+              <a:t> we calculate the weighted average of similar user’s  rating product to recommend product list to the user.</a:t>
+            </a:r>
+            <a:endParaRPr kumimoji="1" lang="en-US" altLang="zh-TW" dirty="0" smtClean="0"/>
+          </a:p>
+        </p:txBody>
+      </p:sp>
+      <p:sp>
+        <p:nvSpPr>
+          <p:cNvPr id="4" name="投影片編號版面配置區 3"/>
+          <p:cNvSpPr>
+            <a:spLocks noGrp="1"/>
+          </p:cNvSpPr>
+          <p:nvPr>
+            <p:ph type="sldNum" sz="quarter" idx="10"/>
+          </p:nvPr>
+        </p:nvSpPr>
+        <p:spPr/>
+        <p:txBody>
+          <a:bodyPr/>
+          <a:lstStyle/>
+          <a:p>
+            <a:fld id="{A04AD0A5-2569-EA4A-B1D5-45BFBF47F3A1}" type="slidenum">
+              <a:rPr kumimoji="1" lang="zh-TW" altLang="en-US" smtClean="0"/>
+              <a:t>21</a:t>
             </a:fld>
             <a:endParaRPr kumimoji="1" lang="zh-TW" altLang="en-US"/>
           </a:p>
@@ -1185,12 +1473,25 @@
           <a:p>
             <a:r>
               <a:rPr kumimoji="1" lang="en-US" altLang="zh-TW" dirty="0" smtClean="0"/>
-              <a:t>In this project,</a:t>
+              <a:t>In this </a:t>
+            </a:r>
+            <a:r>
+              <a:rPr kumimoji="1" lang="en-US" altLang="zh-TW" dirty="0" smtClean="0"/>
+              <a:t>project,</a:t>
             </a:r>
             <a:r>
               <a:rPr kumimoji="1" lang="en-US" altLang="zh-TW" baseline="0" dirty="0" smtClean="0"/>
-              <a:t> what we have done, after we got the data, we do the data cleaning; and we do the data pre-process before we analyze the data;</a:t>
-            </a:r>
+              <a:t> after </a:t>
+            </a:r>
+            <a:r>
+              <a:rPr kumimoji="1" lang="en-US" altLang="zh-TW" baseline="0" dirty="0" smtClean="0"/>
+              <a:t>we got the </a:t>
+            </a:r>
+            <a:r>
+              <a:rPr kumimoji="1" lang="en-US" altLang="zh-TW" baseline="0" dirty="0" smtClean="0"/>
+              <a:t>data. We do the data  clean and preprocess;</a:t>
+            </a:r>
+            <a:endParaRPr kumimoji="1" lang="en-US" altLang="zh-TW" baseline="0" dirty="0" smtClean="0"/>
           </a:p>
           <a:p>
             <a:r>
@@ -1198,12 +1499,12 @@
               <a:t>After </a:t>
             </a:r>
             <a:r>
-              <a:rPr kumimoji="1" lang="en-US" altLang="zh-TW" baseline="0" dirty="0" err="1" smtClean="0"/>
-              <a:t>tahat</a:t>
-            </a:r>
-            <a:r>
               <a:rPr kumimoji="1" lang="en-US" altLang="zh-TW" baseline="0" dirty="0" smtClean="0"/>
-              <a:t>, we analyze the </a:t>
+              <a:t>that, </a:t>
+            </a:r>
+            <a:r>
+              <a:rPr kumimoji="1" lang="en-US" altLang="zh-TW" baseline="0" dirty="0" smtClean="0"/>
+              <a:t>we analyze the </a:t>
             </a:r>
             <a:r>
               <a:rPr kumimoji="1" lang="en-US" altLang="zh-TW" baseline="0" dirty="0" err="1" smtClean="0"/>
@@ -1219,8 +1520,13 @@
             </a:r>
             <a:r>
               <a:rPr kumimoji="1" lang="en-US" altLang="zh-TW" baseline="0" dirty="0" smtClean="0"/>
-              <a:t> the data</a:t>
-            </a:r>
+              <a:t> </a:t>
+            </a:r>
+            <a:r>
+              <a:rPr kumimoji="1" lang="en-US" altLang="zh-TW" baseline="0" dirty="0" smtClean="0"/>
+              <a:t>the result.</a:t>
+            </a:r>
+            <a:endParaRPr kumimoji="1" lang="en-US" altLang="zh-TW" baseline="0" dirty="0" smtClean="0"/>
           </a:p>
           <a:p>
             <a:r>
@@ -1228,13 +1534,18 @@
               <a:t>Finally, we </a:t>
             </a:r>
             <a:r>
-              <a:rPr kumimoji="1" lang="en-US" altLang="zh-TW" baseline="0" dirty="0" err="1" smtClean="0"/>
-              <a:t>iimplement</a:t>
-            </a:r>
-            <a:r>
               <a:rPr kumimoji="1" lang="en-US" altLang="zh-TW" baseline="0" dirty="0" smtClean="0"/>
-              <a:t> a simple recommendation system to present the result</a:t>
-            </a:r>
+              <a:t>implement </a:t>
+            </a:r>
+            <a:r>
+              <a:rPr kumimoji="1" lang="en-US" altLang="zh-TW" baseline="0" dirty="0" smtClean="0"/>
+              <a:t>a simple recommendation system to present </a:t>
+            </a:r>
+            <a:r>
+              <a:rPr kumimoji="1" lang="en-US" altLang="zh-TW" baseline="0" dirty="0" smtClean="0"/>
+              <a:t>what we are doing.</a:t>
+            </a:r>
+            <a:endParaRPr kumimoji="1" lang="en-US" altLang="zh-TW" baseline="0" dirty="0" smtClean="0"/>
           </a:p>
         </p:txBody>
       </p:sp>
@@ -1320,43 +1631,58 @@
           <a:p>
             <a:r>
               <a:rPr kumimoji="1" lang="en-US" altLang="zh-TW" dirty="0" smtClean="0"/>
-              <a:t>About the data source, we original</a:t>
+              <a:t>The original</a:t>
             </a:r>
             <a:r>
               <a:rPr kumimoji="1" lang="en-US" altLang="zh-TW" baseline="0" dirty="0" smtClean="0"/>
-              <a:t> dataset is </a:t>
-            </a:r>
-            <a:r>
-              <a:rPr kumimoji="1" lang="en-US" altLang="zh-TW" baseline="0" dirty="0" err="1" smtClean="0"/>
-              <a:t>comf</a:t>
+              <a:t> </a:t>
             </a:r>
             <a:r>
               <a:rPr kumimoji="1" lang="en-US" altLang="zh-TW" baseline="0" dirty="0" smtClean="0"/>
-              <a:t> from amazon china. The data set is </a:t>
-            </a:r>
-            <a:r>
-              <a:rPr kumimoji="1" lang="en-US" altLang="zh-TW" baseline="0" dirty="0" err="1" smtClean="0"/>
-              <a:t>amost</a:t>
+              <a:t>dataset is </a:t>
             </a:r>
             <a:r>
               <a:rPr kumimoji="1" lang="en-US" altLang="zh-TW" baseline="0" dirty="0" smtClean="0"/>
-              <a:t> 1GB; there is four </a:t>
-            </a:r>
-            <a:r>
-              <a:rPr kumimoji="1" lang="en-US" altLang="zh-TW" baseline="0" dirty="0" err="1" smtClean="0"/>
-              <a:t>dimention</a:t>
+              <a:t>come from </a:t>
             </a:r>
             <a:r>
               <a:rPr kumimoji="1" lang="en-US" altLang="zh-TW" baseline="0" dirty="0" smtClean="0"/>
-              <a:t> about the data: </a:t>
-            </a:r>
-            <a:r>
-              <a:rPr kumimoji="1" lang="en-US" altLang="zh-TW" baseline="0" dirty="0" err="1" smtClean="0"/>
-              <a:t>prodect</a:t>
+              <a:t>amazon china. The data set is </a:t>
             </a:r>
             <a:r>
               <a:rPr kumimoji="1" lang="en-US" altLang="zh-TW" baseline="0" dirty="0" smtClean="0"/>
-              <a:t>, categories, users and rating</a:t>
+              <a:t>almost </a:t>
+            </a:r>
+            <a:r>
+              <a:rPr kumimoji="1" lang="en-US" altLang="zh-TW" baseline="0" dirty="0" smtClean="0"/>
+              <a:t>1GB; </a:t>
+            </a:r>
+            <a:endParaRPr kumimoji="1" lang="en-US" altLang="zh-TW" baseline="0" dirty="0" smtClean="0"/>
+          </a:p>
+          <a:p>
+            <a:r>
+              <a:rPr kumimoji="1" lang="en-US" altLang="zh-TW" baseline="0" dirty="0" smtClean="0"/>
+              <a:t>There </a:t>
+            </a:r>
+            <a:r>
+              <a:rPr kumimoji="1" lang="en-US" altLang="zh-TW" baseline="0" dirty="0" smtClean="0"/>
+              <a:t>is four </a:t>
+            </a:r>
+            <a:r>
+              <a:rPr kumimoji="1" lang="en-US" altLang="zh-TW" baseline="0" dirty="0" smtClean="0"/>
+              <a:t>dimension </a:t>
+            </a:r>
+            <a:r>
+              <a:rPr kumimoji="1" lang="en-US" altLang="zh-TW" baseline="0" dirty="0" smtClean="0"/>
+              <a:t>about the data: </a:t>
+            </a:r>
+            <a:r>
+              <a:rPr kumimoji="1" lang="en-US" altLang="zh-TW" baseline="0" dirty="0" smtClean="0"/>
+              <a:t>product, </a:t>
+            </a:r>
+            <a:r>
+              <a:rPr kumimoji="1" lang="en-US" altLang="zh-TW" baseline="0" dirty="0" smtClean="0"/>
+              <a:t>categories, users and rating</a:t>
             </a:r>
           </a:p>
         </p:txBody>
@@ -1451,20 +1777,36 @@
               <a:t> take a look about the </a:t>
             </a:r>
             <a:r>
-              <a:rPr kumimoji="1" lang="en-US" altLang="zh-TW" baseline="0" dirty="0" err="1" smtClean="0"/>
-              <a:t>daata</a:t>
-            </a:r>
-            <a:r>
               <a:rPr kumimoji="1" lang="en-US" altLang="zh-TW" baseline="0" dirty="0" smtClean="0"/>
-              <a:t> </a:t>
-            </a:r>
-            <a:r>
-              <a:rPr kumimoji="1" lang="en-US" altLang="zh-TW" baseline="0" dirty="0" err="1" smtClean="0"/>
-              <a:t>disturbistion</a:t>
+              <a:t>data </a:t>
+            </a:r>
+            <a:r>
+              <a:rPr lang="en-US" altLang="zh-MO" sz="1200" b="0" i="0" u="none" strike="noStrike" kern="1200" dirty="0" smtClean="0">
+                <a:solidFill>
+                  <a:schemeClr val="tx1"/>
+                </a:solidFill>
+                <a:effectLst/>
+                <a:latin typeface="+mn-lt"/>
+                <a:ea typeface="+mn-ea"/>
+                <a:cs typeface="+mn-cs"/>
+              </a:rPr>
+              <a:t>distribution</a:t>
             </a:r>
             <a:r>
               <a:rPr kumimoji="1" lang="en-US" altLang="zh-TW" baseline="0" dirty="0" smtClean="0"/>
-              <a:t>. The most products are books, accounting for 80%</a:t>
+              <a:t>. </a:t>
+            </a:r>
+            <a:r>
+              <a:rPr kumimoji="1" lang="en-US" altLang="zh-TW" baseline="0" dirty="0" smtClean="0"/>
+              <a:t>The most products </a:t>
+            </a:r>
+            <a:r>
+              <a:rPr kumimoji="1" lang="en-US" altLang="zh-TW" baseline="0" dirty="0" smtClean="0"/>
+              <a:t>is books categories 80</a:t>
+            </a:r>
+            <a:r>
+              <a:rPr kumimoji="1" lang="en-US" altLang="zh-TW" baseline="0" dirty="0" smtClean="0"/>
+              <a:t>%</a:t>
             </a:r>
             <a:r>
               <a:rPr kumimoji="1" lang="zh-TW" altLang="en-US" baseline="0" dirty="0" smtClean="0"/>
@@ -1472,15 +1814,34 @@
             </a:r>
             <a:r>
               <a:rPr kumimoji="1" lang="en-US" altLang="zh-TW" baseline="0" dirty="0" smtClean="0"/>
-              <a:t>about the total in the book product</a:t>
-            </a:r>
-            <a:r>
-              <a:rPr kumimoji="1" lang="zh-TW" altLang="en-US" baseline="0" dirty="0" smtClean="0"/>
-              <a:t> </a:t>
-            </a:r>
+              <a:t>of the total.</a:t>
+            </a:r>
+          </a:p>
+          <a:p>
+            <a:pPr rtl="0" fontAlgn="t"/>
             <a:r>
               <a:rPr kumimoji="1" lang="en-US" altLang="zh-TW" baseline="0" dirty="0" smtClean="0"/>
-              <a:t>, The largest number of books are educational books and children book.</a:t>
+              <a:t>In </a:t>
+            </a:r>
+            <a:r>
+              <a:rPr kumimoji="1" lang="en-US" altLang="zh-TW" baseline="0" dirty="0" smtClean="0"/>
+              <a:t>the book </a:t>
+            </a:r>
+            <a:r>
+              <a:rPr kumimoji="1" lang="en-US" altLang="zh-TW" baseline="0" dirty="0" smtClean="0"/>
+              <a:t>categories, </a:t>
+            </a:r>
+            <a:r>
+              <a:rPr kumimoji="1" lang="en-US" altLang="zh-TW" baseline="0" dirty="0" smtClean="0"/>
+              <a:t>The largest number of books are educational books and </a:t>
+            </a:r>
+            <a:r>
+              <a:rPr kumimoji="1" lang="en-US" altLang="zh-TW" baseline="0" dirty="0" smtClean="0"/>
+              <a:t>child book</a:t>
+            </a:r>
+            <a:r>
+              <a:rPr kumimoji="1" lang="en-US" altLang="zh-TW" baseline="0" dirty="0" smtClean="0"/>
+              <a:t>.</a:t>
             </a:r>
             <a:endParaRPr kumimoji="1" lang="zh-TW" altLang="en-US" dirty="0"/>
           </a:p>
@@ -1572,13 +1933,41 @@
             </a:r>
             <a:r>
               <a:rPr kumimoji="1" lang="en-US" altLang="zh-TW" baseline="0" dirty="0" smtClean="0"/>
-              <a:t> the rating records, there is 1 to 5 score for user to rate. We found that user </a:t>
-            </a:r>
-            <a:r>
-              <a:rPr kumimoji="1" lang="en-US" altLang="zh-TW" baseline="0" smtClean="0"/>
-              <a:t>open rate 5 score more that else.</a:t>
-            </a:r>
-            <a:endParaRPr kumimoji="1" lang="zh-TW" altLang="en-US"/>
+              <a:t> the rating </a:t>
+            </a:r>
+            <a:r>
+              <a:rPr kumimoji="1" lang="en-US" altLang="zh-TW" baseline="0" dirty="0" smtClean="0"/>
+              <a:t>score, </a:t>
+            </a:r>
+            <a:r>
+              <a:rPr kumimoji="1" lang="en-US" altLang="zh-TW" baseline="0" dirty="0" smtClean="0"/>
+              <a:t>there is 1 to 5 </a:t>
+            </a:r>
+            <a:r>
+              <a:rPr kumimoji="1" lang="en-US" altLang="zh-TW" baseline="0" dirty="0" smtClean="0"/>
+              <a:t>point for </a:t>
+            </a:r>
+            <a:r>
+              <a:rPr kumimoji="1" lang="en-US" altLang="zh-TW" baseline="0" dirty="0" smtClean="0"/>
+              <a:t>user to rate. We found that user </a:t>
+            </a:r>
+            <a:r>
+              <a:rPr kumimoji="1" lang="en-US" altLang="zh-TW" baseline="0" dirty="0" smtClean="0"/>
+              <a:t>often rate </a:t>
+            </a:r>
+            <a:r>
+              <a:rPr kumimoji="1" lang="en-US" altLang="zh-TW" baseline="0" dirty="0" smtClean="0"/>
+              <a:t>5 </a:t>
+            </a:r>
+            <a:r>
+              <a:rPr kumimoji="1" lang="en-US" altLang="zh-TW" baseline="0" dirty="0" smtClean="0"/>
+              <a:t>point more </a:t>
+            </a:r>
+            <a:r>
+              <a:rPr kumimoji="1" lang="en-US" altLang="zh-TW" baseline="0" dirty="0" smtClean="0"/>
+              <a:t>that else.</a:t>
+            </a:r>
+            <a:endParaRPr kumimoji="1" lang="zh-TW" altLang="en-US" dirty="0"/>
           </a:p>
         </p:txBody>
       </p:sp>
@@ -1664,41 +2053,35 @@
           <a:p>
             <a:r>
               <a:rPr kumimoji="1" lang="en-US" altLang="zh-TW" dirty="0" smtClean="0"/>
-              <a:t>We perform a word segmentation analysis on all product names, we</a:t>
+              <a:t>And next</a:t>
             </a:r>
             <a:r>
               <a:rPr kumimoji="1" lang="en-US" altLang="zh-TW" baseline="0" dirty="0" smtClean="0"/>
-              <a:t> find that the post Popular key word is the </a:t>
+              <a:t>, we can do same simple analysis about the product, we find that </a:t>
             </a:r>
             <a:r>
               <a:rPr kumimoji="1" lang="zh-TW" altLang="en-US" baseline="0" dirty="0" smtClean="0"/>
-              <a:t>系列</a:t>
+              <a:t>三國演義</a:t>
             </a:r>
             <a:r>
               <a:rPr kumimoji="1" lang="en-US" altLang="zh-TW" baseline="0" dirty="0" smtClean="0"/>
-              <a:t> and </a:t>
+              <a:t>and</a:t>
             </a:r>
             <a:r>
               <a:rPr kumimoji="1" lang="zh-TW" altLang="en-US" baseline="0" dirty="0" smtClean="0"/>
-              <a:t>中國</a:t>
+              <a:t>紅樓夢</a:t>
             </a:r>
             <a:r>
               <a:rPr kumimoji="1" lang="en-US" altLang="zh-TW" baseline="0" dirty="0" smtClean="0"/>
-              <a:t>. But we found that this is some stop word just like “the”, so this key word list is not totally correct.</a:t>
-            </a:r>
-          </a:p>
-          <a:p>
+              <a:t>have the most rating count, we can conclude that they are the most </a:t>
+            </a:r>
+            <a:r>
+              <a:rPr kumimoji="1" lang="en-US" altLang="zh-TW" baseline="0" dirty="0" err="1" smtClean="0"/>
+              <a:t>poplula</a:t>
+            </a:r>
             <a:r>
               <a:rPr kumimoji="1" lang="en-US" altLang="zh-TW" baseline="0" dirty="0" smtClean="0"/>
-              <a:t>So we use </a:t>
-            </a:r>
-            <a:r>
-              <a:rPr kumimoji="1" lang="en-US" altLang="zh-TW" baseline="0" dirty="0" err="1" smtClean="0"/>
-              <a:t>baduo</a:t>
-            </a:r>
-            <a:r>
-              <a:rPr kumimoji="1" lang="en-US" altLang="zh-TW" baseline="0" dirty="0" smtClean="0"/>
-              <a:t> stop word list the filter out all the stop word, and here is the final result</a:t>
+              <a:t>.</a:t>
             </a:r>
             <a:endParaRPr kumimoji="1" lang="zh-TW" altLang="en-US" dirty="0"/>
           </a:p>
@@ -1730,7 +2113,7 @@
     </p:spTree>
     <p:extLst>
       <p:ext uri="{BB962C8B-B14F-4D97-AF65-F5344CB8AC3E}">
-        <p14:creationId xmlns:p14="http://schemas.microsoft.com/office/powerpoint/2010/main" val="1490239908"/>
+        <p14:creationId xmlns:p14="http://schemas.microsoft.com/office/powerpoint/2010/main" val="2186123303"/>
       </p:ext>
     </p:extLst>
   </p:cSld>
@@ -1786,17 +2169,49 @@
           <a:p>
             <a:r>
               <a:rPr kumimoji="1" lang="en-US" altLang="zh-TW" dirty="0" smtClean="0"/>
-              <a:t>We have drop</a:t>
+              <a:t>We perform a word segmentation analysis on all product names, we</a:t>
             </a:r>
             <a:r>
               <a:rPr kumimoji="1" lang="en-US" altLang="zh-TW" baseline="0" dirty="0" smtClean="0"/>
-              <a:t> and remove the meaningless record,</a:t>
-            </a:r>
-          </a:p>
-          <a:p>
+              <a:t> find that the </a:t>
+            </a:r>
             <a:r>
               <a:rPr kumimoji="1" lang="en-US" altLang="zh-TW" baseline="0" dirty="0" smtClean="0"/>
-              <a:t>And remove punctuation in the product name</a:t>
+              <a:t>most Popular </a:t>
+            </a:r>
+            <a:r>
+              <a:rPr kumimoji="1" lang="en-US" altLang="zh-TW" baseline="0" dirty="0" smtClean="0"/>
+              <a:t>key word is the </a:t>
+            </a:r>
+            <a:r>
+              <a:rPr kumimoji="1" lang="zh-TW" altLang="en-US" baseline="0" dirty="0" smtClean="0"/>
+              <a:t>系列</a:t>
+            </a:r>
+            <a:r>
+              <a:rPr kumimoji="1" lang="en-US" altLang="zh-TW" baseline="0" dirty="0" smtClean="0"/>
+              <a:t> and </a:t>
+            </a:r>
+            <a:r>
+              <a:rPr kumimoji="1" lang="zh-TW" altLang="en-US" baseline="0" dirty="0" smtClean="0"/>
+              <a:t>中國</a:t>
+            </a:r>
+            <a:r>
+              <a:rPr kumimoji="1" lang="en-US" altLang="zh-TW" baseline="0" dirty="0" smtClean="0"/>
+              <a:t>. But we found that this is some stop word just like “the”, so this key word list is not totally correct.</a:t>
+            </a:r>
+          </a:p>
+          <a:p>
+            <a:r>
+              <a:rPr kumimoji="1" lang="en-US" altLang="zh-TW" baseline="0" dirty="0" smtClean="0"/>
+              <a:t>So we use </a:t>
+            </a:r>
+            <a:r>
+              <a:rPr kumimoji="1" lang="en-US" altLang="zh-TW" baseline="0" dirty="0" err="1" smtClean="0"/>
+              <a:t>baduo</a:t>
+            </a:r>
+            <a:r>
+              <a:rPr kumimoji="1" lang="en-US" altLang="zh-TW" baseline="0" dirty="0" smtClean="0"/>
+              <a:t> stop word list the filter out all the stop word, and here is the final result</a:t>
             </a:r>
             <a:endParaRPr kumimoji="1" lang="zh-TW" altLang="en-US" dirty="0"/>
           </a:p>
@@ -1819,7 +2234,7 @@
           <a:p>
             <a:fld id="{A04AD0A5-2569-EA4A-B1D5-45BFBF47F3A1}" type="slidenum">
               <a:rPr kumimoji="1" lang="zh-TW" altLang="en-US" smtClean="0"/>
-              <a:t>9</a:t>
+              <a:t>7</a:t>
             </a:fld>
             <a:endParaRPr kumimoji="1" lang="zh-TW" altLang="en-US"/>
           </a:p>
@@ -1828,7 +2243,7 @@
     </p:spTree>
     <p:extLst>
       <p:ext uri="{BB962C8B-B14F-4D97-AF65-F5344CB8AC3E}">
-        <p14:creationId xmlns:p14="http://schemas.microsoft.com/office/powerpoint/2010/main" val="1953772467"/>
+        <p14:creationId xmlns:p14="http://schemas.microsoft.com/office/powerpoint/2010/main" val="1490239908"/>
       </p:ext>
     </p:extLst>
   </p:cSld>
@@ -1884,17 +2299,49 @@
           <a:p>
             <a:r>
               <a:rPr kumimoji="1" lang="en-US" altLang="zh-TW" dirty="0" smtClean="0"/>
-              <a:t>In</a:t>
+              <a:t>We perform a word segmentation analysis on all product names, we</a:t>
             </a:r>
             <a:r>
               <a:rPr kumimoji="1" lang="en-US" altLang="zh-TW" baseline="0" dirty="0" smtClean="0"/>
-              <a:t> the data processing part we done a lot.</a:t>
-            </a:r>
-          </a:p>
-          <a:p>
+              <a:t> find that the </a:t>
+            </a:r>
             <a:r>
               <a:rPr kumimoji="1" lang="en-US" altLang="zh-TW" baseline="0" dirty="0" smtClean="0"/>
-              <a:t>But I want to talk about the split word part.</a:t>
+              <a:t>most Popular </a:t>
+            </a:r>
+            <a:r>
+              <a:rPr kumimoji="1" lang="en-US" altLang="zh-TW" baseline="0" dirty="0" smtClean="0"/>
+              <a:t>key word is the </a:t>
+            </a:r>
+            <a:r>
+              <a:rPr kumimoji="1" lang="zh-TW" altLang="en-US" baseline="0" dirty="0" smtClean="0"/>
+              <a:t>系列</a:t>
+            </a:r>
+            <a:r>
+              <a:rPr kumimoji="1" lang="en-US" altLang="zh-TW" baseline="0" dirty="0" smtClean="0"/>
+              <a:t> and </a:t>
+            </a:r>
+            <a:r>
+              <a:rPr kumimoji="1" lang="zh-TW" altLang="en-US" baseline="0" dirty="0" smtClean="0"/>
+              <a:t>中國</a:t>
+            </a:r>
+            <a:r>
+              <a:rPr kumimoji="1" lang="en-US" altLang="zh-TW" baseline="0" dirty="0" smtClean="0"/>
+              <a:t>. But we found that this is some stop word just like “the”, so this key word list is not totally correct.</a:t>
+            </a:r>
+          </a:p>
+          <a:p>
+            <a:r>
+              <a:rPr kumimoji="1" lang="en-US" altLang="zh-TW" baseline="0" dirty="0" smtClean="0"/>
+              <a:t>So we use </a:t>
+            </a:r>
+            <a:r>
+              <a:rPr kumimoji="1" lang="en-US" altLang="zh-TW" baseline="0" dirty="0" err="1" smtClean="0"/>
+              <a:t>baduo</a:t>
+            </a:r>
+            <a:r>
+              <a:rPr kumimoji="1" lang="en-US" altLang="zh-TW" baseline="0" dirty="0" smtClean="0"/>
+              <a:t> stop word list the filter out all the stop word, and here is the final result</a:t>
             </a:r>
             <a:endParaRPr kumimoji="1" lang="zh-TW" altLang="en-US" dirty="0"/>
           </a:p>
@@ -1917,7 +2364,7 @@
           <a:p>
             <a:fld id="{A04AD0A5-2569-EA4A-B1D5-45BFBF47F3A1}" type="slidenum">
               <a:rPr kumimoji="1" lang="zh-TW" altLang="en-US" smtClean="0"/>
-              <a:t>10</a:t>
+              <a:t>8</a:t>
             </a:fld>
             <a:endParaRPr kumimoji="1" lang="zh-TW" altLang="en-US"/>
           </a:p>
@@ -1926,7 +2373,7 @@
     </p:spTree>
     <p:extLst>
       <p:ext uri="{BB962C8B-B14F-4D97-AF65-F5344CB8AC3E}">
-        <p14:creationId xmlns:p14="http://schemas.microsoft.com/office/powerpoint/2010/main" val="1794901192"/>
+        <p14:creationId xmlns:p14="http://schemas.microsoft.com/office/powerpoint/2010/main" val="2907894754"/>
       </p:ext>
     </p:extLst>
   </p:cSld>
@@ -1955,7 +2402,7 @@
       </p:grpSpPr>
       <p:sp>
         <p:nvSpPr>
-          <p:cNvPr id="2" name="投影片影像版面配置區 1"/>
+          <p:cNvPr id="2" name="投影片圖像版面配置區 1"/>
           <p:cNvSpPr>
             <a:spLocks noGrp="1" noRot="1" noChangeAspect="1"/>
           </p:cNvSpPr>
@@ -1981,24 +2428,46 @@
           <a:lstStyle/>
           <a:p>
             <a:r>
-              <a:rPr kumimoji="1" lang="en-US" altLang="zh-TW" dirty="0" smtClean="0"/>
-              <a:t>In split word part, we are using </a:t>
-            </a:r>
-            <a:r>
-              <a:rPr kumimoji="1" lang="en-US" altLang="zh-TW" dirty="0" err="1" smtClean="0"/>
-              <a:t>jieba</a:t>
-            </a:r>
-            <a:r>
-              <a:rPr kumimoji="1" lang="en-US" altLang="zh-TW" baseline="0" dirty="0" smtClean="0"/>
-              <a:t> library.</a:t>
-            </a:r>
-          </a:p>
-          <a:p>
-            <a:r>
-              <a:rPr kumimoji="1" lang="en-US" altLang="zh-TW" baseline="0" dirty="0" smtClean="0"/>
-              <a:t>This library we help us make the sentence split to lots of terms.</a:t>
-            </a:r>
-            <a:endParaRPr kumimoji="1" lang="zh-TW" altLang="en-US" dirty="0"/>
+              <a:rPr lang="en-US" altLang="zh-MO" dirty="0" smtClean="0"/>
+              <a:t>On the other hand,</a:t>
+            </a:r>
+            <a:r>
+              <a:rPr lang="en-US" altLang="zh-MO" baseline="0" dirty="0" smtClean="0"/>
+              <a:t> we find the most Popular word combination is </a:t>
+            </a:r>
+            <a:r>
+              <a:rPr lang="zh-TW" altLang="en-US" baseline="0" dirty="0" smtClean="0"/>
+              <a:t>規划</a:t>
+            </a:r>
+            <a:r>
+              <a:rPr lang="en-US" altLang="zh-TW" baseline="0" dirty="0" smtClean="0"/>
+              <a:t>and </a:t>
+            </a:r>
+            <a:r>
+              <a:rPr lang="zh-TW" altLang="en-US" baseline="0" dirty="0" smtClean="0"/>
+              <a:t>教財</a:t>
+            </a:r>
+            <a:r>
+              <a:rPr lang="en-US" altLang="zh-TW" baseline="0" dirty="0" smtClean="0"/>
+              <a:t>, also here we find a funny </a:t>
+            </a:r>
+            <a:r>
+              <a:rPr lang="en-US" altLang="zh-MO" baseline="0" dirty="0" smtClean="0"/>
+              <a:t>combination  is </a:t>
+            </a:r>
+            <a:r>
+              <a:rPr lang="zh-TW" altLang="en-US" baseline="0" dirty="0" smtClean="0"/>
+              <a:t>預測</a:t>
+            </a:r>
+            <a:r>
+              <a:rPr lang="en-US" altLang="zh-TW" baseline="0" dirty="0" smtClean="0"/>
+              <a:t>and</a:t>
+            </a:r>
+            <a:r>
+              <a:rPr lang="zh-TW" altLang="en-US" baseline="0" dirty="0" smtClean="0"/>
+              <a:t>試卷</a:t>
+            </a:r>
+            <a:endParaRPr lang="zh-MO" altLang="en-US" dirty="0"/>
           </a:p>
         </p:txBody>
       </p:sp>
@@ -2019,7 +2488,7 @@
           <a:p>
             <a:fld id="{A04AD0A5-2569-EA4A-B1D5-45BFBF47F3A1}" type="slidenum">
               <a:rPr kumimoji="1" lang="zh-TW" altLang="en-US" smtClean="0"/>
-              <a:t>12</a:t>
+              <a:t>9</a:t>
             </a:fld>
             <a:endParaRPr kumimoji="1" lang="zh-TW" altLang="en-US"/>
           </a:p>
@@ -2028,7 +2497,7 @@
     </p:spTree>
     <p:extLst>
       <p:ext uri="{BB962C8B-B14F-4D97-AF65-F5344CB8AC3E}">
-        <p14:creationId xmlns:p14="http://schemas.microsoft.com/office/powerpoint/2010/main" val="1904857734"/>
+        <p14:creationId xmlns:p14="http://schemas.microsoft.com/office/powerpoint/2010/main" val="2188779252"/>
       </p:ext>
     </p:extLst>
   </p:cSld>
@@ -2441,7 +2910,7 @@
           <a:p>
             <a:fld id="{89908074-C0E2-4CD3-B032-B7A75FABFEAC}" type="datetimeFigureOut">
               <a:rPr lang="en-US" smtClean="0"/>
-              <a:t>12/15/19</a:t>
+              <a:t>12/16/2019</a:t>
             </a:fld>
             <a:endParaRPr lang="en-US"/>
           </a:p>
@@ -2620,7 +3089,7 @@
           <a:p>
             <a:fld id="{89908074-C0E2-4CD3-B032-B7A75FABFEAC}" type="datetimeFigureOut">
               <a:rPr lang="en-US" smtClean="0"/>
-              <a:t>12/15/19</a:t>
+              <a:t>12/16/2019</a:t>
             </a:fld>
             <a:endParaRPr lang="en-US"/>
           </a:p>
@@ -2800,7 +3269,7 @@
           <a:p>
             <a:fld id="{89908074-C0E2-4CD3-B032-B7A75FABFEAC}" type="datetimeFigureOut">
               <a:rPr lang="en-US" smtClean="0"/>
-              <a:t>12/15/19</a:t>
+              <a:t>12/16/2019</a:t>
             </a:fld>
             <a:endParaRPr lang="en-US"/>
           </a:p>
@@ -2970,7 +3439,7 @@
           <a:p>
             <a:fld id="{89908074-C0E2-4CD3-B032-B7A75FABFEAC}" type="datetimeFigureOut">
               <a:rPr lang="en-US" smtClean="0"/>
-              <a:t>12/15/19</a:t>
+              <a:t>12/16/2019</a:t>
             </a:fld>
             <a:endParaRPr lang="en-US"/>
           </a:p>
@@ -3283,7 +3752,7 @@
           <a:p>
             <a:fld id="{89908074-C0E2-4CD3-B032-B7A75FABFEAC}" type="datetimeFigureOut">
               <a:rPr lang="en-US" smtClean="0"/>
-              <a:t>12/15/19</a:t>
+              <a:t>12/16/2019</a:t>
             </a:fld>
             <a:endParaRPr lang="en-US"/>
           </a:p>
@@ -3669,7 +4138,7 @@
           <a:p>
             <a:fld id="{89908074-C0E2-4CD3-B032-B7A75FABFEAC}" type="datetimeFigureOut">
               <a:rPr lang="en-US" smtClean="0"/>
-              <a:t>12/15/19</a:t>
+              <a:t>12/16/2019</a:t>
             </a:fld>
             <a:endParaRPr lang="en-US"/>
           </a:p>
@@ -4103,7 +4572,7 @@
           <a:p>
             <a:fld id="{89908074-C0E2-4CD3-B032-B7A75FABFEAC}" type="datetimeFigureOut">
               <a:rPr lang="en-US" smtClean="0"/>
-              <a:t>12/15/19</a:t>
+              <a:t>12/16/2019</a:t>
             </a:fld>
             <a:endParaRPr lang="en-US"/>
           </a:p>
@@ -4221,7 +4690,7 @@
           <a:p>
             <a:fld id="{89908074-C0E2-4CD3-B032-B7A75FABFEAC}" type="datetimeFigureOut">
               <a:rPr lang="en-US" smtClean="0"/>
-              <a:t>12/15/19</a:t>
+              <a:t>12/16/2019</a:t>
             </a:fld>
             <a:endParaRPr lang="en-US"/>
           </a:p>
@@ -4316,7 +4785,7 @@
           <a:p>
             <a:fld id="{89908074-C0E2-4CD3-B032-B7A75FABFEAC}" type="datetimeFigureOut">
               <a:rPr lang="en-US" smtClean="0"/>
-              <a:t>12/15/19</a:t>
+              <a:t>12/16/2019</a:t>
             </a:fld>
             <a:endParaRPr lang="en-US"/>
           </a:p>
@@ -4666,7 +5135,7 @@
           <a:p>
             <a:fld id="{89908074-C0E2-4CD3-B032-B7A75FABFEAC}" type="datetimeFigureOut">
               <a:rPr lang="en-US" smtClean="0"/>
-              <a:t>12/15/19</a:t>
+              <a:t>12/16/2019</a:t>
             </a:fld>
             <a:endParaRPr lang="en-US"/>
           </a:p>
@@ -5091,7 +5560,7 @@
           <a:p>
             <a:fld id="{89908074-C0E2-4CD3-B032-B7A75FABFEAC}" type="datetimeFigureOut">
               <a:rPr lang="en-US" smtClean="0"/>
-              <a:t>12/15/19</a:t>
+              <a:t>12/16/2019</a:t>
             </a:fld>
             <a:endParaRPr lang="en-US"/>
           </a:p>
@@ -5372,7 +5841,7 @@
           <a:p>
             <a:fld id="{89908074-C0E2-4CD3-B032-B7A75FABFEAC}" type="datetimeFigureOut">
               <a:rPr lang="en-US" smtClean="0"/>
-              <a:t>12/15/19</a:t>
+              <a:t>12/16/2019</a:t>
             </a:fld>
             <a:endParaRPr lang="en-US"/>
           </a:p>
@@ -5992,7 +6461,15 @@
             </a:r>
             <a:r>
               <a:rPr lang="en-US" altLang="zh-TW" sz="4000" dirty="0" smtClean="0"/>
-              <a:t>                      - recommendation System </a:t>
+              <a:t>                 </a:t>
+            </a:r>
+            <a:r>
+              <a:rPr lang="en-US" altLang="zh-TW" sz="4000" dirty="0" smtClean="0"/>
+              <a:t>- </a:t>
+            </a:r>
+            <a:r>
+              <a:rPr lang="en-US" altLang="zh-TW" sz="3000" dirty="0" smtClean="0"/>
+              <a:t>recommendation System </a:t>
             </a:r>
             <a:r>
               <a:rPr lang="en-US" dirty="0" smtClean="0"/>
@@ -6123,6 +6600,235 @@
           <a:lstStyle/>
           <a:p>
             <a:r>
+              <a:rPr lang="en-US" dirty="0"/>
+              <a:t>Simple recommendation system</a:t>
+            </a:r>
+          </a:p>
+        </p:txBody>
+      </p:sp>
+      <p:sp>
+        <p:nvSpPr>
+          <p:cNvPr id="3" name="Content Placeholder 2"/>
+          <p:cNvSpPr>
+            <a:spLocks noGrp="1"/>
+          </p:cNvSpPr>
+          <p:nvPr>
+            <p:ph idx="1"/>
+          </p:nvPr>
+        </p:nvSpPr>
+        <p:spPr/>
+        <p:txBody>
+          <a:bodyPr/>
+          <a:lstStyle/>
+          <a:p>
+            <a:endParaRPr lang="en-US"/>
+          </a:p>
+        </p:txBody>
+      </p:sp>
+    </p:spTree>
+    <p:extLst>
+      <p:ext uri="{BB962C8B-B14F-4D97-AF65-F5344CB8AC3E}">
+        <p14:creationId xmlns:p14="http://schemas.microsoft.com/office/powerpoint/2010/main" val="417549060"/>
+      </p:ext>
+    </p:extLst>
+  </p:cSld>
+  <p:clrMapOvr>
+    <a:masterClrMapping/>
+  </p:clrMapOvr>
+  <p:timing>
+    <p:tnLst>
+      <p:par>
+        <p:cTn id="1" dur="indefinite" restart="never" nodeType="tmRoot"/>
+      </p:par>
+    </p:tnLst>
+  </p:timing>
+</p:sld>
+</file>
+
+<file path=ppt/slides/slide11.xml><?xml version="1.0" encoding="utf-8"?>
+<p:sld xmlns:a="http://schemas.openxmlformats.org/drawingml/2006/main" xmlns:r="http://schemas.openxmlformats.org/officeDocument/2006/relationships" xmlns:p="http://schemas.openxmlformats.org/presentationml/2006/main">
+  <p:cSld>
+    <p:spTree>
+      <p:nvGrpSpPr>
+        <p:cNvPr id="1" name=""/>
+        <p:cNvGrpSpPr/>
+        <p:nvPr/>
+      </p:nvGrpSpPr>
+      <p:grpSpPr>
+        <a:xfrm>
+          <a:off x="0" y="0"/>
+          <a:ext cx="0" cy="0"/>
+          <a:chOff x="0" y="0"/>
+          <a:chExt cx="0" cy="0"/>
+        </a:xfrm>
+      </p:grpSpPr>
+      <p:sp>
+        <p:nvSpPr>
+          <p:cNvPr id="2" name="Title 1"/>
+          <p:cNvSpPr>
+            <a:spLocks noGrp="1"/>
+          </p:cNvSpPr>
+          <p:nvPr>
+            <p:ph type="title"/>
+          </p:nvPr>
+        </p:nvSpPr>
+        <p:spPr/>
+        <p:txBody>
+          <a:bodyPr/>
+          <a:lstStyle/>
+          <a:p>
+            <a:r>
+              <a:rPr lang="en-US" dirty="0" smtClean="0"/>
+              <a:t>Data cleaning</a:t>
+            </a:r>
+            <a:endParaRPr lang="en-US" dirty="0"/>
+          </a:p>
+        </p:txBody>
+      </p:sp>
+      <p:sp>
+        <p:nvSpPr>
+          <p:cNvPr id="3" name="Content Placeholder 2"/>
+          <p:cNvSpPr>
+            <a:spLocks noGrp="1"/>
+          </p:cNvSpPr>
+          <p:nvPr>
+            <p:ph idx="1"/>
+          </p:nvPr>
+        </p:nvSpPr>
+        <p:spPr/>
+        <p:txBody>
+          <a:bodyPr/>
+          <a:lstStyle/>
+          <a:p>
+            <a:r>
+              <a:rPr lang="en-US" dirty="0"/>
+              <a:t>Drop useless </a:t>
+            </a:r>
+            <a:r>
+              <a:rPr lang="en-US" dirty="0" smtClean="0"/>
+              <a:t>column</a:t>
+            </a:r>
+          </a:p>
+          <a:p>
+            <a:r>
+              <a:rPr lang="en-US" dirty="0" smtClean="0"/>
+              <a:t>Remove </a:t>
+            </a:r>
+            <a:r>
+              <a:rPr lang="en-US" dirty="0" err="1" smtClean="0"/>
+              <a:t>NaN</a:t>
+            </a:r>
+            <a:r>
+              <a:rPr lang="en-US" dirty="0" smtClean="0"/>
+              <a:t> product name/user id/rating data</a:t>
+            </a:r>
+          </a:p>
+          <a:p>
+            <a:r>
+              <a:rPr lang="en-US" dirty="0" smtClean="0"/>
+              <a:t>Remove punctuation(%$?) in product name</a:t>
+            </a:r>
+          </a:p>
+          <a:p>
+            <a:r>
+              <a:rPr lang="en-US" dirty="0" smtClean="0"/>
+              <a:t>Remove </a:t>
+            </a:r>
+            <a:r>
+              <a:rPr lang="en-US" dirty="0"/>
+              <a:t>Extreme </a:t>
+            </a:r>
+            <a:r>
+              <a:rPr lang="en-US" dirty="0" smtClean="0"/>
+              <a:t>data (rating)</a:t>
+            </a:r>
+          </a:p>
+          <a:p>
+            <a:r>
+              <a:rPr lang="en-US" dirty="0" smtClean="0"/>
+              <a:t>Drop duplicate rating records</a:t>
+            </a:r>
+            <a:endParaRPr lang="en-US" dirty="0"/>
+          </a:p>
+        </p:txBody>
+      </p:sp>
+      <p:pic>
+        <p:nvPicPr>
+          <p:cNvPr id="4" name="Picture 3"/>
+          <p:cNvPicPr>
+            <a:picLocks noChangeAspect="1"/>
+          </p:cNvPicPr>
+          <p:nvPr/>
+        </p:nvPicPr>
+        <p:blipFill>
+          <a:blip r:embed="rId3"/>
+          <a:stretch>
+            <a:fillRect/>
+          </a:stretch>
+        </p:blipFill>
+        <p:spPr>
+          <a:xfrm>
+            <a:off x="3975735" y="4402836"/>
+            <a:ext cx="7258050" cy="1390650"/>
+          </a:xfrm>
+          <a:prstGeom prst="rect">
+            <a:avLst/>
+          </a:prstGeom>
+        </p:spPr>
+      </p:pic>
+    </p:spTree>
+    <p:extLst>
+      <p:ext uri="{BB962C8B-B14F-4D97-AF65-F5344CB8AC3E}">
+        <p14:creationId xmlns:p14="http://schemas.microsoft.com/office/powerpoint/2010/main" val="1544525521"/>
+      </p:ext>
+    </p:extLst>
+  </p:cSld>
+  <p:clrMapOvr>
+    <a:masterClrMapping/>
+  </p:clrMapOvr>
+  <p:timing>
+    <p:tnLst>
+      <p:par>
+        <p:cTn id="1" dur="indefinite" restart="never" nodeType="tmRoot"/>
+      </p:par>
+    </p:tnLst>
+  </p:timing>
+</p:sld>
+</file>
+
+<file path=ppt/slides/slide12.xml><?xml version="1.0" encoding="utf-8"?>
+<p:sld xmlns:a="http://schemas.openxmlformats.org/drawingml/2006/main" xmlns:r="http://schemas.openxmlformats.org/officeDocument/2006/relationships" xmlns:p="http://schemas.openxmlformats.org/presentationml/2006/main">
+  <p:cSld>
+    <p:spTree>
+      <p:nvGrpSpPr>
+        <p:cNvPr id="1" name=""/>
+        <p:cNvGrpSpPr/>
+        <p:nvPr/>
+      </p:nvGrpSpPr>
+      <p:grpSpPr>
+        <a:xfrm>
+          <a:off x="0" y="0"/>
+          <a:ext cx="0" cy="0"/>
+          <a:chOff x="0" y="0"/>
+          <a:chExt cx="0" cy="0"/>
+        </a:xfrm>
+      </p:grpSpPr>
+      <p:sp>
+        <p:nvSpPr>
+          <p:cNvPr id="2" name="Title 1"/>
+          <p:cNvSpPr>
+            <a:spLocks noGrp="1"/>
+          </p:cNvSpPr>
+          <p:nvPr>
+            <p:ph type="title"/>
+          </p:nvPr>
+        </p:nvSpPr>
+        <p:spPr/>
+        <p:txBody>
+          <a:bodyPr/>
+          <a:lstStyle/>
+          <a:p>
+            <a:r>
               <a:rPr lang="en-US" dirty="0" smtClean="0"/>
               <a:t>Data processing</a:t>
             </a:r>
@@ -6208,7 +6914,7 @@
 </p:sld>
 </file>
 
-<file path=ppt/slides/slide11.xml><?xml version="1.0" encoding="utf-8"?>
+<file path=ppt/slides/slide13.xml><?xml version="1.0" encoding="utf-8"?>
 <p:sld xmlns:a="http://schemas.openxmlformats.org/drawingml/2006/main" xmlns:r="http://schemas.openxmlformats.org/officeDocument/2006/relationships" xmlns:p="http://schemas.openxmlformats.org/presentationml/2006/main">
   <p:cSld>
     <p:spTree>
@@ -6381,7 +7087,7 @@
 </p:sld>
 </file>
 
-<file path=ppt/slides/slide12.xml><?xml version="1.0" encoding="utf-8"?>
+<file path=ppt/slides/slide14.xml><?xml version="1.0" encoding="utf-8"?>
 <p:sld xmlns:a="http://schemas.openxmlformats.org/drawingml/2006/main" xmlns:r="http://schemas.openxmlformats.org/officeDocument/2006/relationships" xmlns:p="http://schemas.openxmlformats.org/presentationml/2006/main">
   <p:cSld>
     <p:spTree>
@@ -6566,7 +7272,7 @@
 </p:sld>
 </file>
 
-<file path=ppt/slides/slide13.xml><?xml version="1.0" encoding="utf-8"?>
+<file path=ppt/slides/slide15.xml><?xml version="1.0" encoding="utf-8"?>
 <p:sld xmlns:a="http://schemas.openxmlformats.org/drawingml/2006/main" xmlns:r="http://schemas.openxmlformats.org/officeDocument/2006/relationships" xmlns:p="http://schemas.openxmlformats.org/presentationml/2006/main">
   <p:cSld>
     <p:spTree>
@@ -6739,7 +7445,7 @@
 </p:sld>
 </file>
 
-<file path=ppt/slides/slide14.xml><?xml version="1.0" encoding="utf-8"?>
+<file path=ppt/slides/slide16.xml><?xml version="1.0" encoding="utf-8"?>
 <p:sld xmlns:a="http://schemas.openxmlformats.org/drawingml/2006/main" xmlns:r="http://schemas.openxmlformats.org/officeDocument/2006/relationships" xmlns:p="http://schemas.openxmlformats.org/presentationml/2006/main">
   <p:cSld>
     <p:spTree>
@@ -6906,7 +7612,7 @@
 </p:sld>
 </file>
 
-<file path=ppt/slides/slide15.xml><?xml version="1.0" encoding="utf-8"?>
+<file path=ppt/slides/slide17.xml><?xml version="1.0" encoding="utf-8"?>
 <p:sld xmlns:a="http://schemas.openxmlformats.org/drawingml/2006/main" xmlns:r="http://schemas.openxmlformats.org/officeDocument/2006/relationships" xmlns:p="http://schemas.openxmlformats.org/presentationml/2006/main">
   <p:cSld>
     <p:spTree>
@@ -7064,7 +7770,7 @@
 </p:sld>
 </file>
 
-<file path=ppt/slides/slide16.xml><?xml version="1.0" encoding="utf-8"?>
+<file path=ppt/slides/slide18.xml><?xml version="1.0" encoding="utf-8"?>
 <p:sld xmlns:a="http://schemas.openxmlformats.org/drawingml/2006/main" xmlns:r="http://schemas.openxmlformats.org/officeDocument/2006/relationships" xmlns:p="http://schemas.openxmlformats.org/presentationml/2006/main">
   <p:cSld>
     <p:spTree>
@@ -7441,7 +8147,7 @@
 </p:sld>
 </file>
 
-<file path=ppt/slides/slide17.xml><?xml version="1.0" encoding="utf-8"?>
+<file path=ppt/slides/slide19.xml><?xml version="1.0" encoding="utf-8"?>
 <p:sld xmlns:a="http://schemas.openxmlformats.org/drawingml/2006/main" xmlns:r="http://schemas.openxmlformats.org/officeDocument/2006/relationships" xmlns:p="http://schemas.openxmlformats.org/presentationml/2006/main">
   <p:cSld>
     <p:spTree>
@@ -7471,7 +8177,7 @@
         <p:spPr/>
         <p:txBody>
           <a:bodyPr>
-            <a:normAutofit/>
+            <a:normAutofit fontScale="90000"/>
           </a:bodyPr>
           <a:lstStyle/>
           <a:p>
@@ -7574,7 +8280,190 @@
 </p:sld>
 </file>
 
-<file path=ppt/slides/slide18.xml><?xml version="1.0" encoding="utf-8"?>
+<file path=ppt/slides/slide2.xml><?xml version="1.0" encoding="utf-8"?>
+<p:sld xmlns:a="http://schemas.openxmlformats.org/drawingml/2006/main" xmlns:r="http://schemas.openxmlformats.org/officeDocument/2006/relationships" xmlns:p="http://schemas.openxmlformats.org/presentationml/2006/main">
+  <p:cSld>
+    <p:spTree>
+      <p:nvGrpSpPr>
+        <p:cNvPr id="1" name=""/>
+        <p:cNvGrpSpPr/>
+        <p:nvPr/>
+      </p:nvGrpSpPr>
+      <p:grpSpPr>
+        <a:xfrm>
+          <a:off x="0" y="0"/>
+          <a:ext cx="0" cy="0"/>
+          <a:chOff x="0" y="0"/>
+          <a:chExt cx="0" cy="0"/>
+        </a:xfrm>
+      </p:grpSpPr>
+      <p:sp>
+        <p:nvSpPr>
+          <p:cNvPr id="2" name="Title 1"/>
+          <p:cNvSpPr>
+            <a:spLocks noGrp="1"/>
+          </p:cNvSpPr>
+          <p:nvPr>
+            <p:ph type="title"/>
+          </p:nvPr>
+        </p:nvSpPr>
+        <p:spPr/>
+        <p:txBody>
+          <a:bodyPr/>
+          <a:lstStyle/>
+          <a:p>
+            <a:r>
+              <a:rPr lang="en-US" dirty="0" smtClean="0"/>
+              <a:t>What we have done</a:t>
+            </a:r>
+            <a:endParaRPr lang="en-US" dirty="0"/>
+          </a:p>
+        </p:txBody>
+      </p:sp>
+      <p:sp>
+        <p:nvSpPr>
+          <p:cNvPr id="3" name="Content Placeholder 2"/>
+          <p:cNvSpPr>
+            <a:spLocks noGrp="1"/>
+          </p:cNvSpPr>
+          <p:nvPr>
+            <p:ph idx="1"/>
+          </p:nvPr>
+        </p:nvSpPr>
+        <p:spPr/>
+        <p:txBody>
+          <a:bodyPr>
+            <a:normAutofit/>
+          </a:bodyPr>
+          <a:lstStyle/>
+          <a:p>
+            <a:pPr lvl="0"/>
+            <a:r>
+              <a:rPr lang="en-US" sz="2600" dirty="0"/>
+              <a:t>☐</a:t>
+            </a:r>
+            <a:r>
+              <a:rPr lang="en-US" sz="2600" dirty="0" smtClean="0">
+                <a:sym typeface="Webdings" panose="05030102010509060703" pitchFamily="18" charset="2"/>
+              </a:rPr>
+              <a:t> </a:t>
+            </a:r>
+            <a:r>
+              <a:rPr lang="en-US" sz="2600" dirty="0" smtClean="0"/>
+              <a:t>Collect </a:t>
+            </a:r>
+            <a:r>
+              <a:rPr lang="en-US" sz="2600" dirty="0"/>
+              <a:t>the </a:t>
+            </a:r>
+            <a:r>
+              <a:rPr lang="en-US" sz="2600" dirty="0" smtClean="0"/>
+              <a:t>data</a:t>
+            </a:r>
+          </a:p>
+          <a:p>
+            <a:pPr lvl="0"/>
+            <a:r>
+              <a:rPr lang="en-US" sz="2600" dirty="0" smtClean="0"/>
+              <a:t>☑</a:t>
+            </a:r>
+            <a:r>
+              <a:rPr lang="en-US" sz="2600" dirty="0" smtClean="0">
+                <a:sym typeface="Webdings" panose="05030102010509060703" pitchFamily="18" charset="2"/>
+              </a:rPr>
+              <a:t> </a:t>
+            </a:r>
+            <a:r>
+              <a:rPr lang="en-US" sz="2600" dirty="0" smtClean="0"/>
+              <a:t>Clean the data</a:t>
+            </a:r>
+          </a:p>
+          <a:p>
+            <a:pPr lvl="0"/>
+            <a:r>
+              <a:rPr lang="en-US" sz="2600" dirty="0"/>
+              <a:t>☑</a:t>
+            </a:r>
+            <a:r>
+              <a:rPr lang="en-US" sz="2600" dirty="0" smtClean="0">
+                <a:sym typeface="Webdings" panose="05030102010509060703" pitchFamily="18" charset="2"/>
+              </a:rPr>
+              <a:t> </a:t>
+            </a:r>
+            <a:r>
+              <a:rPr lang="en-US" sz="2600" dirty="0" smtClean="0"/>
+              <a:t>Process </a:t>
+            </a:r>
+            <a:r>
+              <a:rPr lang="en-US" sz="2600" dirty="0"/>
+              <a:t>the </a:t>
+            </a:r>
+            <a:r>
+              <a:rPr lang="en-US" sz="2600" dirty="0" smtClean="0"/>
+              <a:t>data</a:t>
+            </a:r>
+            <a:endParaRPr lang="en-US" sz="2600" dirty="0"/>
+          </a:p>
+          <a:p>
+            <a:pPr lvl="0"/>
+            <a:r>
+              <a:rPr lang="en-US" sz="2600" dirty="0"/>
+              <a:t>☑</a:t>
+            </a:r>
+            <a:r>
+              <a:rPr lang="en-US" sz="2600" dirty="0" smtClean="0">
+                <a:sym typeface="Webdings" panose="05030102010509060703" pitchFamily="18" charset="2"/>
+              </a:rPr>
+              <a:t> </a:t>
+            </a:r>
+            <a:r>
+              <a:rPr lang="en-US" sz="2600" dirty="0" smtClean="0"/>
+              <a:t>Analyze </a:t>
+            </a:r>
+            <a:r>
+              <a:rPr lang="en-US" sz="2600" dirty="0"/>
+              <a:t>/ recommend / forecast / visualize </a:t>
+            </a:r>
+            <a:r>
+              <a:rPr lang="en-US" sz="2600" dirty="0" smtClean="0"/>
+              <a:t>data</a:t>
+            </a:r>
+          </a:p>
+          <a:p>
+            <a:pPr lvl="0"/>
+            <a:r>
+              <a:rPr lang="en-US" sz="2600" dirty="0" smtClean="0"/>
+              <a:t>☑ Simple recommendation system</a:t>
+            </a:r>
+            <a:endParaRPr lang="en-US" sz="2600" dirty="0"/>
+          </a:p>
+          <a:p>
+            <a:pPr lvl="1"/>
+            <a:endParaRPr lang="en-US" sz="2400" dirty="0"/>
+          </a:p>
+        </p:txBody>
+      </p:sp>
+    </p:spTree>
+    <p:extLst>
+      <p:ext uri="{BB962C8B-B14F-4D97-AF65-F5344CB8AC3E}">
+        <p14:creationId xmlns:p14="http://schemas.microsoft.com/office/powerpoint/2010/main" val="968127222"/>
+      </p:ext>
+    </p:extLst>
+  </p:cSld>
+  <p:clrMapOvr>
+    <a:masterClrMapping/>
+  </p:clrMapOvr>
+  <p:timing>
+    <p:tnLst>
+      <p:par>
+        <p:cTn id="1" dur="indefinite" restart="never" nodeType="tmRoot"/>
+      </p:par>
+    </p:tnLst>
+  </p:timing>
+</p:sld>
+</file>
+
+<file path=ppt/slides/slide20.xml><?xml version="1.0" encoding="utf-8"?>
 <p:sld xmlns:a="http://schemas.openxmlformats.org/drawingml/2006/main" xmlns:r="http://schemas.openxmlformats.org/officeDocument/2006/relationships" xmlns:p="http://schemas.openxmlformats.org/presentationml/2006/main">
   <p:cSld>
     <p:spTree>
@@ -7774,7 +8663,7 @@
 </p:sld>
 </file>
 
-<file path=ppt/slides/slide19.xml><?xml version="1.0" encoding="utf-8"?>
+<file path=ppt/slides/slide21.xml><?xml version="1.0" encoding="utf-8"?>
 <p:sld xmlns:a="http://schemas.openxmlformats.org/drawingml/2006/main" xmlns:r="http://schemas.openxmlformats.org/officeDocument/2006/relationships" xmlns:p="http://schemas.openxmlformats.org/presentationml/2006/main">
   <p:cSld>
     <p:spTree>
@@ -8012,190 +8901,7 @@
 </p:sld>
 </file>
 
-<file path=ppt/slides/slide2.xml><?xml version="1.0" encoding="utf-8"?>
-<p:sld xmlns:a="http://schemas.openxmlformats.org/drawingml/2006/main" xmlns:r="http://schemas.openxmlformats.org/officeDocument/2006/relationships" xmlns:p="http://schemas.openxmlformats.org/presentationml/2006/main">
-  <p:cSld>
-    <p:spTree>
-      <p:nvGrpSpPr>
-        <p:cNvPr id="1" name=""/>
-        <p:cNvGrpSpPr/>
-        <p:nvPr/>
-      </p:nvGrpSpPr>
-      <p:grpSpPr>
-        <a:xfrm>
-          <a:off x="0" y="0"/>
-          <a:ext cx="0" cy="0"/>
-          <a:chOff x="0" y="0"/>
-          <a:chExt cx="0" cy="0"/>
-        </a:xfrm>
-      </p:grpSpPr>
-      <p:sp>
-        <p:nvSpPr>
-          <p:cNvPr id="2" name="Title 1"/>
-          <p:cNvSpPr>
-            <a:spLocks noGrp="1"/>
-          </p:cNvSpPr>
-          <p:nvPr>
-            <p:ph type="title"/>
-          </p:nvPr>
-        </p:nvSpPr>
-        <p:spPr/>
-        <p:txBody>
-          <a:bodyPr/>
-          <a:lstStyle/>
-          <a:p>
-            <a:r>
-              <a:rPr lang="en-US" dirty="0" smtClean="0"/>
-              <a:t>What we have done</a:t>
-            </a:r>
-            <a:endParaRPr lang="en-US" dirty="0"/>
-          </a:p>
-        </p:txBody>
-      </p:sp>
-      <p:sp>
-        <p:nvSpPr>
-          <p:cNvPr id="3" name="Content Placeholder 2"/>
-          <p:cNvSpPr>
-            <a:spLocks noGrp="1"/>
-          </p:cNvSpPr>
-          <p:nvPr>
-            <p:ph idx="1"/>
-          </p:nvPr>
-        </p:nvSpPr>
-        <p:spPr/>
-        <p:txBody>
-          <a:bodyPr>
-            <a:normAutofit/>
-          </a:bodyPr>
-          <a:lstStyle/>
-          <a:p>
-            <a:pPr lvl="0"/>
-            <a:r>
-              <a:rPr lang="en-US" sz="2600" dirty="0"/>
-              <a:t>☐</a:t>
-            </a:r>
-            <a:r>
-              <a:rPr lang="en-US" sz="2600" dirty="0" smtClean="0">
-                <a:sym typeface="Webdings" panose="05030102010509060703" pitchFamily="18" charset="2"/>
-              </a:rPr>
-              <a:t> </a:t>
-            </a:r>
-            <a:r>
-              <a:rPr lang="en-US" sz="2600" dirty="0" smtClean="0"/>
-              <a:t>Collect </a:t>
-            </a:r>
-            <a:r>
-              <a:rPr lang="en-US" sz="2600" dirty="0"/>
-              <a:t>the </a:t>
-            </a:r>
-            <a:r>
-              <a:rPr lang="en-US" sz="2600" dirty="0" smtClean="0"/>
-              <a:t>data</a:t>
-            </a:r>
-          </a:p>
-          <a:p>
-            <a:pPr lvl="0"/>
-            <a:r>
-              <a:rPr lang="en-US" sz="2600" dirty="0" smtClean="0"/>
-              <a:t>☑</a:t>
-            </a:r>
-            <a:r>
-              <a:rPr lang="en-US" sz="2600" dirty="0" smtClean="0">
-                <a:sym typeface="Webdings" panose="05030102010509060703" pitchFamily="18" charset="2"/>
-              </a:rPr>
-              <a:t> </a:t>
-            </a:r>
-            <a:r>
-              <a:rPr lang="en-US" sz="2600" dirty="0" smtClean="0"/>
-              <a:t>Clean the data</a:t>
-            </a:r>
-          </a:p>
-          <a:p>
-            <a:pPr lvl="0"/>
-            <a:r>
-              <a:rPr lang="en-US" sz="2600" dirty="0"/>
-              <a:t>☑</a:t>
-            </a:r>
-            <a:r>
-              <a:rPr lang="en-US" sz="2600" dirty="0" smtClean="0">
-                <a:sym typeface="Webdings" panose="05030102010509060703" pitchFamily="18" charset="2"/>
-              </a:rPr>
-              <a:t> </a:t>
-            </a:r>
-            <a:r>
-              <a:rPr lang="en-US" sz="2600" dirty="0" smtClean="0"/>
-              <a:t>Process </a:t>
-            </a:r>
-            <a:r>
-              <a:rPr lang="en-US" sz="2600" dirty="0"/>
-              <a:t>the </a:t>
-            </a:r>
-            <a:r>
-              <a:rPr lang="en-US" sz="2600" dirty="0" smtClean="0"/>
-              <a:t>data</a:t>
-            </a:r>
-            <a:endParaRPr lang="en-US" sz="2600" dirty="0"/>
-          </a:p>
-          <a:p>
-            <a:pPr lvl="0"/>
-            <a:r>
-              <a:rPr lang="en-US" sz="2600" dirty="0"/>
-              <a:t>☑</a:t>
-            </a:r>
-            <a:r>
-              <a:rPr lang="en-US" sz="2600" dirty="0" smtClean="0">
-                <a:sym typeface="Webdings" panose="05030102010509060703" pitchFamily="18" charset="2"/>
-              </a:rPr>
-              <a:t> </a:t>
-            </a:r>
-            <a:r>
-              <a:rPr lang="en-US" sz="2600" dirty="0" smtClean="0"/>
-              <a:t>Analyze </a:t>
-            </a:r>
-            <a:r>
-              <a:rPr lang="en-US" sz="2600" dirty="0"/>
-              <a:t>/ recommend / forecast / visualize </a:t>
-            </a:r>
-            <a:r>
-              <a:rPr lang="en-US" sz="2600" dirty="0" smtClean="0"/>
-              <a:t>data</a:t>
-            </a:r>
-          </a:p>
-          <a:p>
-            <a:pPr lvl="0"/>
-            <a:r>
-              <a:rPr lang="en-US" sz="2600" dirty="0" smtClean="0"/>
-              <a:t>☑ Simple recommendation system</a:t>
-            </a:r>
-            <a:endParaRPr lang="en-US" sz="2600" dirty="0"/>
-          </a:p>
-          <a:p>
-            <a:pPr lvl="1"/>
-            <a:endParaRPr lang="en-US" sz="2400" dirty="0"/>
-          </a:p>
-        </p:txBody>
-      </p:sp>
-    </p:spTree>
-    <p:extLst>
-      <p:ext uri="{BB962C8B-B14F-4D97-AF65-F5344CB8AC3E}">
-        <p14:creationId xmlns:p14="http://schemas.microsoft.com/office/powerpoint/2010/main" val="968127222"/>
-      </p:ext>
-    </p:extLst>
-  </p:cSld>
-  <p:clrMapOvr>
-    <a:masterClrMapping/>
-  </p:clrMapOvr>
-  <p:timing>
-    <p:tnLst>
-      <p:par>
-        <p:cTn id="1" dur="indefinite" restart="never" nodeType="tmRoot"/>
-      </p:par>
-    </p:tnLst>
-  </p:timing>
-</p:sld>
-</file>
-
-<file path=ppt/slides/slide20.xml><?xml version="1.0" encoding="utf-8"?>
+<file path=ppt/slides/slide22.xml><?xml version="1.0" encoding="utf-8"?>
 <p:sld xmlns:a="http://schemas.openxmlformats.org/drawingml/2006/main" xmlns:r="http://schemas.openxmlformats.org/officeDocument/2006/relationships" xmlns:p="http://schemas.openxmlformats.org/presentationml/2006/main">
   <p:cSld>
     <p:spTree>
@@ -8577,28 +9283,9 @@
           </a:p>
         </p:txBody>
       </p:sp>
-      <p:sp>
-        <p:nvSpPr>
-          <p:cNvPr id="3" name="Content Placeholder 2"/>
-          <p:cNvSpPr>
-            <a:spLocks noGrp="1"/>
-          </p:cNvSpPr>
-          <p:nvPr>
-            <p:ph idx="1"/>
-          </p:nvPr>
-        </p:nvSpPr>
-        <p:spPr/>
-        <p:txBody>
-          <a:bodyPr/>
-          <a:lstStyle/>
-          <a:p>
-            <a:endParaRPr lang="en-US" dirty="0"/>
-          </a:p>
-        </p:txBody>
-      </p:sp>
       <p:pic>
         <p:nvPicPr>
-          <p:cNvPr id="4" name="圖片 3"/>
+          <p:cNvPr id="7" name="圖片 6"/>
           <p:cNvPicPr>
             <a:picLocks noChangeAspect="1"/>
           </p:cNvPicPr>
@@ -8612,8 +9299,8 @@
         </p:blipFill>
         <p:spPr>
           <a:xfrm>
-            <a:off x="1490114" y="2950995"/>
-            <a:ext cx="4858870" cy="3099232"/>
+            <a:off x="1069848" y="2879741"/>
+            <a:ext cx="9105900" cy="3228975"/>
           </a:xfrm>
           <a:prstGeom prst="rect">
             <a:avLst/>
@@ -8641,6 +9328,89 @@
 </file>
 
 <file path=ppt/slides/slide6.xml><?xml version="1.0" encoding="utf-8"?>
+<p:sld xmlns:a="http://schemas.openxmlformats.org/drawingml/2006/main" xmlns:r="http://schemas.openxmlformats.org/officeDocument/2006/relationships" xmlns:p="http://schemas.openxmlformats.org/presentationml/2006/main">
+  <p:cSld>
+    <p:spTree>
+      <p:nvGrpSpPr>
+        <p:cNvPr id="1" name=""/>
+        <p:cNvGrpSpPr/>
+        <p:nvPr/>
+      </p:nvGrpSpPr>
+      <p:grpSpPr>
+        <a:xfrm>
+          <a:off x="0" y="0"/>
+          <a:ext cx="0" cy="0"/>
+          <a:chOff x="0" y="0"/>
+          <a:chExt cx="0" cy="0"/>
+        </a:xfrm>
+      </p:grpSpPr>
+      <p:sp>
+        <p:nvSpPr>
+          <p:cNvPr id="2" name="Title 1"/>
+          <p:cNvSpPr>
+            <a:spLocks noGrp="1"/>
+          </p:cNvSpPr>
+          <p:nvPr>
+            <p:ph type="title"/>
+          </p:nvPr>
+        </p:nvSpPr>
+        <p:spPr/>
+        <p:txBody>
+          <a:bodyPr/>
+          <a:lstStyle/>
+          <a:p>
+            <a:r>
+              <a:rPr lang="en-US" dirty="0"/>
+              <a:t>Data overview – cont.</a:t>
+            </a:r>
+          </a:p>
+        </p:txBody>
+      </p:sp>
+      <p:pic>
+        <p:nvPicPr>
+          <p:cNvPr id="6" name="圖片 5"/>
+          <p:cNvPicPr>
+            <a:picLocks noChangeAspect="1"/>
+          </p:cNvPicPr>
+          <p:nvPr/>
+        </p:nvPicPr>
+        <p:blipFill>
+          <a:blip r:embed="rId3"/>
+          <a:stretch>
+            <a:fillRect/>
+          </a:stretch>
+        </p:blipFill>
+        <p:spPr>
+          <a:xfrm>
+            <a:off x="993841" y="2805603"/>
+            <a:ext cx="9582150" cy="2981325"/>
+          </a:xfrm>
+          <a:prstGeom prst="rect">
+            <a:avLst/>
+          </a:prstGeom>
+        </p:spPr>
+      </p:pic>
+    </p:spTree>
+    <p:extLst>
+      <p:ext uri="{BB962C8B-B14F-4D97-AF65-F5344CB8AC3E}">
+        <p14:creationId xmlns:p14="http://schemas.microsoft.com/office/powerpoint/2010/main" val="3216491590"/>
+      </p:ext>
+    </p:extLst>
+  </p:cSld>
+  <p:clrMapOvr>
+    <a:masterClrMapping/>
+  </p:clrMapOvr>
+  <p:timing>
+    <p:tnLst>
+      <p:par>
+        <p:cTn id="1" dur="indefinite" restart="never" nodeType="tmRoot"/>
+      </p:par>
+    </p:tnLst>
+  </p:timing>
+</p:sld>
+</file>
+
+<file path=ppt/slides/slide7.xml><?xml version="1.0" encoding="utf-8"?>
 <p:sld xmlns:a="http://schemas.openxmlformats.org/drawingml/2006/main" xmlns:r="http://schemas.openxmlformats.org/officeDocument/2006/relationships" xmlns:p="http://schemas.openxmlformats.org/presentationml/2006/main">
   <p:cSld>
     <p:spTree>
@@ -8743,91 +9513,6 @@
 </p:sld>
 </file>
 
-<file path=ppt/slides/slide7.xml><?xml version="1.0" encoding="utf-8"?>
-<p:sld xmlns:a="http://schemas.openxmlformats.org/drawingml/2006/main" xmlns:r="http://schemas.openxmlformats.org/officeDocument/2006/relationships" xmlns:p="http://schemas.openxmlformats.org/presentationml/2006/main">
-  <p:cSld>
-    <p:spTree>
-      <p:nvGrpSpPr>
-        <p:cNvPr id="1" name=""/>
-        <p:cNvGrpSpPr/>
-        <p:nvPr/>
-      </p:nvGrpSpPr>
-      <p:grpSpPr>
-        <a:xfrm>
-          <a:off x="0" y="0"/>
-          <a:ext cx="0" cy="0"/>
-          <a:chOff x="0" y="0"/>
-          <a:chExt cx="0" cy="0"/>
-        </a:xfrm>
-      </p:grpSpPr>
-      <p:sp>
-        <p:nvSpPr>
-          <p:cNvPr id="2" name="Title 1"/>
-          <p:cNvSpPr>
-            <a:spLocks noGrp="1"/>
-          </p:cNvSpPr>
-          <p:nvPr>
-            <p:ph type="title"/>
-          </p:nvPr>
-        </p:nvSpPr>
-        <p:spPr/>
-        <p:txBody>
-          <a:bodyPr/>
-          <a:lstStyle/>
-          <a:p>
-            <a:r>
-              <a:rPr lang="en-US" dirty="0"/>
-              <a:t>Data overview – cont.</a:t>
-            </a:r>
-          </a:p>
-        </p:txBody>
-      </p:sp>
-      <p:pic>
-        <p:nvPicPr>
-          <p:cNvPr id="4" name="Content Placeholder 3"/>
-          <p:cNvPicPr>
-            <a:picLocks noGrp="1" noChangeAspect="1"/>
-          </p:cNvPicPr>
-          <p:nvPr>
-            <p:ph idx="1"/>
-          </p:nvPr>
-        </p:nvPicPr>
-        <p:blipFill>
-          <a:blip r:embed="rId2"/>
-          <a:stretch>
-            <a:fillRect/>
-          </a:stretch>
-        </p:blipFill>
-        <p:spPr>
-          <a:xfrm>
-            <a:off x="2000487" y="1901444"/>
-            <a:ext cx="7849903" cy="4051300"/>
-          </a:xfrm>
-          <a:prstGeom prst="rect">
-            <a:avLst/>
-          </a:prstGeom>
-        </p:spPr>
-      </p:pic>
-    </p:spTree>
-    <p:extLst>
-      <p:ext uri="{BB962C8B-B14F-4D97-AF65-F5344CB8AC3E}">
-        <p14:creationId xmlns:p14="http://schemas.microsoft.com/office/powerpoint/2010/main" val="4125692014"/>
-      </p:ext>
-    </p:extLst>
-  </p:cSld>
-  <p:clrMapOvr>
-    <a:masterClrMapping/>
-  </p:clrMapOvr>
-  <p:timing>
-    <p:tnLst>
-      <p:par>
-        <p:cTn id="1" dur="indefinite" restart="never" nodeType="tmRoot"/>
-      </p:par>
-    </p:tnLst>
-  </p:timing>
-</p:sld>
-</file>
-
 <file path=ppt/slides/slide8.xml><?xml version="1.0" encoding="utf-8"?>
 <p:sld xmlns:a="http://schemas.openxmlformats.org/drawingml/2006/main" xmlns:r="http://schemas.openxmlformats.org/officeDocument/2006/relationships" xmlns:p="http://schemas.openxmlformats.org/presentationml/2006/main">
   <p:cSld>
@@ -8861,9 +9546,10 @@
           <a:lstStyle/>
           <a:p>
             <a:r>
-              <a:rPr lang="en-US" dirty="0"/>
-              <a:t>Simple recommendation system</a:t>
-            </a:r>
+              <a:rPr lang="en-US" dirty="0" smtClean="0"/>
+              <a:t>Data overview – cont.</a:t>
+            </a:r>
+            <a:endParaRPr lang="en-US" dirty="0"/>
           </a:p>
         </p:txBody>
       </p:sp>
@@ -8882,14 +9568,38 @@
           <a:bodyPr/>
           <a:lstStyle/>
           <a:p>
-            <a:endParaRPr lang="en-US"/>
-          </a:p>
-        </p:txBody>
-      </p:sp>
+            <a:endParaRPr lang="en-US" dirty="0"/>
+          </a:p>
+        </p:txBody>
+      </p:sp>
+      <p:pic>
+        <p:nvPicPr>
+          <p:cNvPr id="5" name="圖片 4"/>
+          <p:cNvPicPr>
+            <a:picLocks noChangeAspect="1"/>
+          </p:cNvPicPr>
+          <p:nvPr/>
+        </p:nvPicPr>
+        <p:blipFill>
+          <a:blip r:embed="rId3"/>
+          <a:stretch>
+            <a:fillRect/>
+          </a:stretch>
+        </p:blipFill>
+        <p:spPr>
+          <a:xfrm>
+            <a:off x="2215298" y="2093976"/>
+            <a:ext cx="7158283" cy="3865473"/>
+          </a:xfrm>
+          <a:prstGeom prst="rect">
+            <a:avLst/>
+          </a:prstGeom>
+        </p:spPr>
+      </p:pic>
     </p:spTree>
     <p:extLst>
       <p:ext uri="{BB962C8B-B14F-4D97-AF65-F5344CB8AC3E}">
-        <p14:creationId xmlns:p14="http://schemas.microsoft.com/office/powerpoint/2010/main" val="417549060"/>
+        <p14:creationId xmlns:p14="http://schemas.microsoft.com/office/powerpoint/2010/main" val="1522713335"/>
       </p:ext>
     </p:extLst>
   </p:cSld>
@@ -8939,87 +9649,21 @@
           <a:lstStyle/>
           <a:p>
             <a:r>
-              <a:rPr lang="en-US" dirty="0" smtClean="0"/>
-              <a:t>Data cleaning</a:t>
-            </a:r>
-            <a:endParaRPr lang="en-US" dirty="0"/>
-          </a:p>
-        </p:txBody>
-      </p:sp>
-      <p:sp>
-        <p:nvSpPr>
-          <p:cNvPr id="3" name="Content Placeholder 2"/>
-          <p:cNvSpPr>
-            <a:spLocks noGrp="1"/>
-          </p:cNvSpPr>
-          <p:nvPr>
-            <p:ph idx="1"/>
-          </p:nvPr>
-        </p:nvSpPr>
-        <p:spPr/>
-        <p:txBody>
-          <a:bodyPr/>
-          <a:lstStyle/>
-          <a:p>
-            <a:r>
               <a:rPr lang="en-US" dirty="0"/>
-              <a:t>Drop useless </a:t>
-            </a:r>
-            <a:r>
-              <a:rPr lang="en-US" dirty="0" smtClean="0"/>
-              <a:t>column</a:t>
-            </a:r>
-          </a:p>
-          <a:p>
-            <a:r>
-              <a:rPr lang="en-US" dirty="0" smtClean="0"/>
-              <a:t>Remove </a:t>
-            </a:r>
-            <a:r>
-              <a:rPr lang="en-US" dirty="0" err="1" smtClean="0"/>
-              <a:t>NaN</a:t>
-            </a:r>
-            <a:r>
-              <a:rPr lang="en-US" dirty="0" smtClean="0"/>
-              <a:t> product name/user id/rating data</a:t>
-            </a:r>
-          </a:p>
-          <a:p>
-            <a:r>
-              <a:rPr lang="en-US" dirty="0" smtClean="0"/>
-              <a:t>Remove punctuation(%$?) in product name</a:t>
-            </a:r>
-          </a:p>
-          <a:p>
-            <a:r>
-              <a:rPr lang="en-US" dirty="0" smtClean="0"/>
-              <a:t>Remove </a:t>
-            </a:r>
-            <a:r>
-              <a:rPr lang="en-US" dirty="0"/>
-              <a:t>Extreme </a:t>
-            </a:r>
-            <a:r>
-              <a:rPr lang="en-US" dirty="0" smtClean="0"/>
-              <a:t>data (rating)</a:t>
-            </a:r>
-          </a:p>
-          <a:p>
-            <a:r>
-              <a:rPr lang="en-US" dirty="0" smtClean="0"/>
-              <a:t>Drop duplicate rating records</a:t>
-            </a:r>
-            <a:endParaRPr lang="en-US" dirty="0"/>
+              <a:t>Data overview – cont.</a:t>
+            </a:r>
           </a:p>
         </p:txBody>
       </p:sp>
       <p:pic>
         <p:nvPicPr>
-          <p:cNvPr id="4" name="Picture 3"/>
+          <p:cNvPr id="4" name="Content Placeholder 3"/>
           <p:cNvPicPr>
-            <a:picLocks noChangeAspect="1"/>
+            <a:picLocks noGrp="1" noChangeAspect="1"/>
           </p:cNvPicPr>
-          <p:nvPr/>
+          <p:nvPr>
+            <p:ph idx="1"/>
+          </p:nvPr>
         </p:nvPicPr>
         <p:blipFill>
           <a:blip r:embed="rId3"/>
@@ -9029,8 +9673,8 @@
         </p:blipFill>
         <p:spPr>
           <a:xfrm>
-            <a:off x="3975735" y="4402836"/>
-            <a:ext cx="7258050" cy="1390650"/>
+            <a:off x="2000487" y="1901444"/>
+            <a:ext cx="7849903" cy="4051300"/>
           </a:xfrm>
           <a:prstGeom prst="rect">
             <a:avLst/>
@@ -9040,7 +9684,7 @@
     </p:spTree>
     <p:extLst>
       <p:ext uri="{BB962C8B-B14F-4D97-AF65-F5344CB8AC3E}">
-        <p14:creationId xmlns:p14="http://schemas.microsoft.com/office/powerpoint/2010/main" val="1544525521"/>
+        <p14:creationId xmlns:p14="http://schemas.microsoft.com/office/powerpoint/2010/main" val="4125692014"/>
       </p:ext>
     </p:extLst>
   </p:cSld>

--- a/Presentation_group_k.pptx
+++ b/Presentation_group_k.pptx
@@ -1821,7 +1821,7 @@
             <a:pPr rtl="0" fontAlgn="t"/>
             <a:r>
               <a:rPr kumimoji="1" lang="en-US" altLang="zh-TW" baseline="0" dirty="0" smtClean="0"/>
-              <a:t>In </a:t>
+              <a:t>---NO ----In </a:t>
             </a:r>
             <a:r>
               <a:rPr kumimoji="1" lang="en-US" altLang="zh-TW" baseline="0" dirty="0" smtClean="0"/>

--- a/Presentation_group_k.pptx
+++ b/Presentation_group_k.pptx
@@ -5,7 +5,7 @@
     <p:sldMasterId id="2147483678" r:id="rId1"/>
   </p:sldMasterIdLst>
   <p:notesMasterIdLst>
-    <p:notesMasterId r:id="rId24"/>
+    <p:notesMasterId r:id="rId29"/>
   </p:notesMasterIdLst>
   <p:sldIdLst>
     <p:sldId id="256" r:id="rId2"/>
@@ -30,6 +30,11 @@
     <p:sldId id="274" r:id="rId21"/>
     <p:sldId id="273" r:id="rId22"/>
     <p:sldId id="272" r:id="rId23"/>
+    <p:sldId id="279" r:id="rId24"/>
+    <p:sldId id="281" r:id="rId25"/>
+    <p:sldId id="282" r:id="rId26"/>
+    <p:sldId id="283" r:id="rId27"/>
+    <p:sldId id="280" r:id="rId28"/>
   </p:sldIdLst>
   <p:sldSz cx="12192000" cy="6858000"/>
   <p:notesSz cx="6858000" cy="9144000"/>
@@ -8968,6 +8973,781 @@
     <p:extLst>
       <p:ext uri="{BB962C8B-B14F-4D97-AF65-F5344CB8AC3E}">
         <p14:creationId xmlns:p14="http://schemas.microsoft.com/office/powerpoint/2010/main" val="251310154"/>
+      </p:ext>
+    </p:extLst>
+  </p:cSld>
+  <p:clrMapOvr>
+    <a:masterClrMapping/>
+  </p:clrMapOvr>
+  <p:timing>
+    <p:tnLst>
+      <p:par>
+        <p:cTn id="1" dur="indefinite" restart="never" nodeType="tmRoot"/>
+      </p:par>
+    </p:tnLst>
+  </p:timing>
+</p:sld>
+</file>
+
+<file path=ppt/slides/slide23.xml><?xml version="1.0" encoding="utf-8"?>
+<p:sld xmlns:a="http://schemas.openxmlformats.org/drawingml/2006/main" xmlns:r="http://schemas.openxmlformats.org/officeDocument/2006/relationships" xmlns:p="http://schemas.openxmlformats.org/presentationml/2006/main">
+  <p:cSld>
+    <p:spTree>
+      <p:nvGrpSpPr>
+        <p:cNvPr id="1" name=""/>
+        <p:cNvGrpSpPr/>
+        <p:nvPr/>
+      </p:nvGrpSpPr>
+      <p:grpSpPr>
+        <a:xfrm>
+          <a:off x="0" y="0"/>
+          <a:ext cx="0" cy="0"/>
+          <a:chOff x="0" y="0"/>
+          <a:chExt cx="0" cy="0"/>
+        </a:xfrm>
+      </p:grpSpPr>
+      <p:sp>
+        <p:nvSpPr>
+          <p:cNvPr id="4" name="內容版面配置區 3"/>
+          <p:cNvSpPr>
+            <a:spLocks noGrp="1"/>
+          </p:cNvSpPr>
+          <p:nvPr>
+            <p:ph idx="1"/>
+          </p:nvPr>
+        </p:nvSpPr>
+        <p:spPr/>
+        <p:txBody>
+          <a:bodyPr/>
+          <a:lstStyle/>
+          <a:p>
+            <a:endParaRPr lang="zh-MO" altLang="en-US"/>
+          </a:p>
+        </p:txBody>
+      </p:sp>
+      <p:sp>
+        <p:nvSpPr>
+          <p:cNvPr id="5" name="標題 4"/>
+          <p:cNvSpPr>
+            <a:spLocks noGrp="1"/>
+          </p:cNvSpPr>
+          <p:nvPr>
+            <p:ph type="title"/>
+          </p:nvPr>
+        </p:nvSpPr>
+        <p:spPr/>
+        <p:txBody>
+          <a:bodyPr/>
+          <a:lstStyle/>
+          <a:p>
+            <a:endParaRPr lang="zh-MO" altLang="en-US"/>
+          </a:p>
+        </p:txBody>
+      </p:sp>
+    </p:spTree>
+    <p:extLst>
+      <p:ext uri="{BB962C8B-B14F-4D97-AF65-F5344CB8AC3E}">
+        <p14:creationId xmlns:p14="http://schemas.microsoft.com/office/powerpoint/2010/main" val="2096525103"/>
+      </p:ext>
+    </p:extLst>
+  </p:cSld>
+  <p:clrMapOvr>
+    <a:masterClrMapping/>
+  </p:clrMapOvr>
+  <p:timing>
+    <p:tnLst>
+      <p:par>
+        <p:cTn id="1" dur="indefinite" restart="never" nodeType="tmRoot"/>
+      </p:par>
+    </p:tnLst>
+  </p:timing>
+</p:sld>
+</file>
+
+<file path=ppt/slides/slide24.xml><?xml version="1.0" encoding="utf-8"?>
+<p:sld xmlns:a="http://schemas.openxmlformats.org/drawingml/2006/main" xmlns:r="http://schemas.openxmlformats.org/officeDocument/2006/relationships" xmlns:p="http://schemas.openxmlformats.org/presentationml/2006/main">
+  <p:cSld>
+    <p:spTree>
+      <p:nvGrpSpPr>
+        <p:cNvPr id="1" name=""/>
+        <p:cNvGrpSpPr/>
+        <p:nvPr/>
+      </p:nvGrpSpPr>
+      <p:grpSpPr>
+        <a:xfrm>
+          <a:off x="0" y="0"/>
+          <a:ext cx="0" cy="0"/>
+          <a:chOff x="0" y="0"/>
+          <a:chExt cx="0" cy="0"/>
+        </a:xfrm>
+      </p:grpSpPr>
+      <p:sp>
+        <p:nvSpPr>
+          <p:cNvPr id="4" name="標題 3"/>
+          <p:cNvSpPr>
+            <a:spLocks noGrp="1"/>
+          </p:cNvSpPr>
+          <p:nvPr>
+            <p:ph type="title"/>
+          </p:nvPr>
+        </p:nvSpPr>
+        <p:spPr/>
+        <p:txBody>
+          <a:bodyPr/>
+          <a:lstStyle/>
+          <a:p>
+            <a:endParaRPr lang="zh-MO" altLang="en-US"/>
+          </a:p>
+        </p:txBody>
+      </p:sp>
+      <p:sp>
+        <p:nvSpPr>
+          <p:cNvPr id="5" name="內容版面配置區 4"/>
+          <p:cNvSpPr>
+            <a:spLocks noGrp="1"/>
+          </p:cNvSpPr>
+          <p:nvPr>
+            <p:ph idx="1"/>
+          </p:nvPr>
+        </p:nvSpPr>
+        <p:spPr/>
+        <p:txBody>
+          <a:bodyPr/>
+          <a:lstStyle/>
+          <a:p>
+            <a:endParaRPr lang="zh-MO" altLang="en-US"/>
+          </a:p>
+        </p:txBody>
+      </p:sp>
+    </p:spTree>
+    <p:extLst>
+      <p:ext uri="{BB962C8B-B14F-4D97-AF65-F5344CB8AC3E}">
+        <p14:creationId xmlns:p14="http://schemas.microsoft.com/office/powerpoint/2010/main" val="3400228655"/>
+      </p:ext>
+    </p:extLst>
+  </p:cSld>
+  <p:clrMapOvr>
+    <a:masterClrMapping/>
+  </p:clrMapOvr>
+  <p:timing>
+    <p:tnLst>
+      <p:par>
+        <p:cTn id="1" dur="indefinite" restart="never" nodeType="tmRoot"/>
+      </p:par>
+    </p:tnLst>
+  </p:timing>
+</p:sld>
+</file>
+
+<file path=ppt/slides/slide25.xml><?xml version="1.0" encoding="utf-8"?>
+<p:sld xmlns:a="http://schemas.openxmlformats.org/drawingml/2006/main" xmlns:r="http://schemas.openxmlformats.org/officeDocument/2006/relationships" xmlns:p="http://schemas.openxmlformats.org/presentationml/2006/main">
+  <p:cSld>
+    <p:spTree>
+      <p:nvGrpSpPr>
+        <p:cNvPr id="1" name=""/>
+        <p:cNvGrpSpPr/>
+        <p:nvPr/>
+      </p:nvGrpSpPr>
+      <p:grpSpPr>
+        <a:xfrm>
+          <a:off x="0" y="0"/>
+          <a:ext cx="0" cy="0"/>
+          <a:chOff x="0" y="0"/>
+          <a:chExt cx="0" cy="0"/>
+        </a:xfrm>
+      </p:grpSpPr>
+      <p:sp>
+        <p:nvSpPr>
+          <p:cNvPr id="2" name="Title 1"/>
+          <p:cNvSpPr>
+            <a:spLocks noGrp="1"/>
+          </p:cNvSpPr>
+          <p:nvPr>
+            <p:ph type="title"/>
+          </p:nvPr>
+        </p:nvSpPr>
+        <p:spPr/>
+        <p:txBody>
+          <a:bodyPr/>
+          <a:lstStyle/>
+          <a:p>
+            <a:r>
+              <a:rPr lang="en-US" altLang="zh-TW" dirty="0" smtClean="0"/>
+              <a:t>[Backup Slide]</a:t>
+            </a:r>
+            <a:endParaRPr lang="en-US" dirty="0"/>
+          </a:p>
+        </p:txBody>
+      </p:sp>
+      <p:sp>
+        <p:nvSpPr>
+          <p:cNvPr id="3" name="Content Placeholder 2"/>
+          <p:cNvSpPr>
+            <a:spLocks noGrp="1"/>
+          </p:cNvSpPr>
+          <p:nvPr>
+            <p:ph idx="1"/>
+          </p:nvPr>
+        </p:nvSpPr>
+        <p:spPr/>
+        <p:txBody>
+          <a:bodyPr/>
+          <a:lstStyle/>
+          <a:p>
+            <a:r>
+              <a:rPr lang="en-US" dirty="0" smtClean="0"/>
+              <a:t>[</a:t>
+            </a:r>
+            <a:r>
+              <a:rPr lang="en-US" dirty="0" err="1" smtClean="0"/>
+              <a:t>UserCF</a:t>
+            </a:r>
+            <a:r>
+              <a:rPr lang="en-US" dirty="0" smtClean="0"/>
+              <a:t>]Improvement: The </a:t>
+            </a:r>
+            <a:r>
+              <a:rPr lang="en-US" dirty="0"/>
+              <a:t>principle of the algorithm is that the user's rating of the item should be near the average of the user's rating of all items</a:t>
+            </a:r>
+            <a:endParaRPr lang="en-US" dirty="0"/>
+          </a:p>
+        </p:txBody>
+      </p:sp>
+      <p:pic>
+        <p:nvPicPr>
+          <p:cNvPr id="5" name="圖片 4"/>
+          <p:cNvPicPr>
+            <a:picLocks noChangeAspect="1"/>
+          </p:cNvPicPr>
+          <p:nvPr/>
+        </p:nvPicPr>
+        <p:blipFill>
+          <a:blip r:embed="rId2"/>
+          <a:stretch>
+            <a:fillRect/>
+          </a:stretch>
+        </p:blipFill>
+        <p:spPr>
+          <a:xfrm>
+            <a:off x="1116983" y="2800350"/>
+            <a:ext cx="6362700" cy="3371850"/>
+          </a:xfrm>
+          <a:prstGeom prst="rect">
+            <a:avLst/>
+          </a:prstGeom>
+        </p:spPr>
+      </p:pic>
+    </p:spTree>
+    <p:extLst>
+      <p:ext uri="{BB962C8B-B14F-4D97-AF65-F5344CB8AC3E}">
+        <p14:creationId xmlns:p14="http://schemas.microsoft.com/office/powerpoint/2010/main" val="533207234"/>
+      </p:ext>
+    </p:extLst>
+  </p:cSld>
+  <p:clrMapOvr>
+    <a:masterClrMapping/>
+  </p:clrMapOvr>
+  <p:timing>
+    <p:tnLst>
+      <p:par>
+        <p:cTn id="1" dur="indefinite" restart="never" nodeType="tmRoot"/>
+      </p:par>
+    </p:tnLst>
+  </p:timing>
+</p:sld>
+</file>
+
+<file path=ppt/slides/slide26.xml><?xml version="1.0" encoding="utf-8"?>
+<p:sld xmlns:a="http://schemas.openxmlformats.org/drawingml/2006/main" xmlns:r="http://schemas.openxmlformats.org/officeDocument/2006/relationships" xmlns:p="http://schemas.openxmlformats.org/presentationml/2006/main">
+  <p:cSld>
+    <p:spTree>
+      <p:nvGrpSpPr>
+        <p:cNvPr id="1" name=""/>
+        <p:cNvGrpSpPr/>
+        <p:nvPr/>
+      </p:nvGrpSpPr>
+      <p:grpSpPr>
+        <a:xfrm>
+          <a:off x="0" y="0"/>
+          <a:ext cx="0" cy="0"/>
+          <a:chOff x="0" y="0"/>
+          <a:chExt cx="0" cy="0"/>
+        </a:xfrm>
+      </p:grpSpPr>
+      <p:sp>
+        <p:nvSpPr>
+          <p:cNvPr id="2" name="Title 1"/>
+          <p:cNvSpPr>
+            <a:spLocks noGrp="1"/>
+          </p:cNvSpPr>
+          <p:nvPr>
+            <p:ph type="title"/>
+          </p:nvPr>
+        </p:nvSpPr>
+        <p:spPr/>
+        <p:txBody>
+          <a:bodyPr/>
+          <a:lstStyle/>
+          <a:p>
+            <a:r>
+              <a:rPr lang="en-US" altLang="zh-TW" dirty="0" smtClean="0"/>
+              <a:t>[Backup Slide]</a:t>
+            </a:r>
+            <a:endParaRPr lang="en-US" dirty="0"/>
+          </a:p>
+        </p:txBody>
+      </p:sp>
+      <p:sp>
+        <p:nvSpPr>
+          <p:cNvPr id="3" name="Content Placeholder 2"/>
+          <p:cNvSpPr>
+            <a:spLocks noGrp="1"/>
+          </p:cNvSpPr>
+          <p:nvPr>
+            <p:ph idx="1"/>
+          </p:nvPr>
+        </p:nvSpPr>
+        <p:spPr/>
+        <p:txBody>
+          <a:bodyPr/>
+          <a:lstStyle/>
+          <a:p>
+            <a:r>
+              <a:rPr lang="en-US" dirty="0" smtClean="0"/>
+              <a:t>[</a:t>
+            </a:r>
+            <a:r>
+              <a:rPr lang="en-US" dirty="0" err="1" smtClean="0"/>
+              <a:t>UserCF</a:t>
+            </a:r>
+            <a:r>
+              <a:rPr lang="en-US" dirty="0"/>
+              <a:t>] Evaluation</a:t>
+            </a:r>
+            <a:endParaRPr lang="en-US" dirty="0"/>
+          </a:p>
+        </p:txBody>
+      </p:sp>
+      <p:graphicFrame>
+        <p:nvGraphicFramePr>
+          <p:cNvPr id="6" name="表格 5"/>
+          <p:cNvGraphicFramePr>
+            <a:graphicFrameLocks noGrp="1"/>
+          </p:cNvGraphicFramePr>
+          <p:nvPr>
+            <p:extLst>
+              <p:ext uri="{D42A27DB-BD31-4B8C-83A1-F6EECF244321}">
+                <p14:modId xmlns:p14="http://schemas.microsoft.com/office/powerpoint/2010/main" val="4129507397"/>
+              </p:ext>
+            </p:extLst>
+          </p:nvPr>
+        </p:nvGraphicFramePr>
+        <p:xfrm>
+          <a:off x="1277855" y="2889190"/>
+          <a:ext cx="6339002" cy="1844040"/>
+        </p:xfrm>
+        <a:graphic>
+          <a:graphicData uri="http://schemas.openxmlformats.org/drawingml/2006/table">
+            <a:tbl>
+              <a:tblPr firstRow="1" bandRow="1">
+                <a:tableStyleId>{5C22544A-7EE6-4342-B048-85BDC9FD1C3A}</a:tableStyleId>
+              </a:tblPr>
+              <a:tblGrid>
+                <a:gridCol w="2032000"/>
+                <a:gridCol w="2032000"/>
+                <a:gridCol w="2275002"/>
+              </a:tblGrid>
+              <a:tr h="0">
+                <a:tc>
+                  <a:txBody>
+                    <a:bodyPr/>
+                    <a:lstStyle/>
+                    <a:p>
+                      <a:r>
+                        <a:rPr lang="en-US" altLang="zh-MO" dirty="0" smtClean="0"/>
+                        <a:t>K</a:t>
+                      </a:r>
+                      <a:endParaRPr lang="zh-MO" altLang="en-US" dirty="0"/>
+                    </a:p>
+                  </a:txBody>
+                  <a:tcPr/>
+                </a:tc>
+                <a:tc>
+                  <a:txBody>
+                    <a:bodyPr/>
+                    <a:lstStyle/>
+                    <a:p>
+                      <a:r>
+                        <a:rPr lang="en-US" altLang="zh-MO" dirty="0" smtClean="0"/>
+                        <a:t>precision</a:t>
+                      </a:r>
+                      <a:endParaRPr lang="zh-MO" altLang="en-US" dirty="0"/>
+                    </a:p>
+                  </a:txBody>
+                  <a:tcPr/>
+                </a:tc>
+                <a:tc>
+                  <a:txBody>
+                    <a:bodyPr/>
+                    <a:lstStyle/>
+                    <a:p>
+                      <a:r>
+                        <a:rPr lang="en-US" altLang="zh-MO" dirty="0" smtClean="0"/>
+                        <a:t>recall</a:t>
+                      </a:r>
+                      <a:endParaRPr lang="zh-MO" altLang="en-US" dirty="0"/>
+                    </a:p>
+                  </a:txBody>
+                  <a:tcPr/>
+                </a:tc>
+              </a:tr>
+              <a:tr h="370840">
+                <a:tc>
+                  <a:txBody>
+                    <a:bodyPr/>
+                    <a:lstStyle/>
+                    <a:p>
+                      <a:r>
+                        <a:rPr lang="en-US" altLang="zh-MO" dirty="0" smtClean="0"/>
+                        <a:t>10</a:t>
+                      </a:r>
+                      <a:endParaRPr lang="zh-MO" altLang="en-US" dirty="0"/>
+                    </a:p>
+                  </a:txBody>
+                  <a:tcPr/>
+                </a:tc>
+                <a:tc>
+                  <a:txBody>
+                    <a:bodyPr/>
+                    <a:lstStyle/>
+                    <a:p>
+                      <a:r>
+                        <a:rPr lang="en-US" altLang="zh-MO" dirty="0" smtClean="0"/>
+                        <a:t>15.25%</a:t>
+                      </a:r>
+                      <a:endParaRPr lang="zh-MO" altLang="en-US" dirty="0"/>
+                    </a:p>
+                  </a:txBody>
+                  <a:tcPr/>
+                </a:tc>
+                <a:tc>
+                  <a:txBody>
+                    <a:bodyPr/>
+                    <a:lstStyle/>
+                    <a:p>
+                      <a:r>
+                        <a:rPr lang="en-US" altLang="zh-MO" dirty="0" smtClean="0"/>
+                        <a:t>8</a:t>
+                      </a:r>
+                      <a:r>
+                        <a:rPr lang="en-US" altLang="zh-TW" dirty="0" smtClean="0"/>
+                        <a:t>%</a:t>
+                      </a:r>
+                      <a:endParaRPr lang="zh-MO" altLang="en-US" dirty="0"/>
+                    </a:p>
+                  </a:txBody>
+                  <a:tcPr/>
+                </a:tc>
+              </a:tr>
+              <a:tr h="370840">
+                <a:tc>
+                  <a:txBody>
+                    <a:bodyPr/>
+                    <a:lstStyle/>
+                    <a:p>
+                      <a:r>
+                        <a:rPr lang="en-US" altLang="zh-MO" b="1" dirty="0" smtClean="0"/>
+                        <a:t>20</a:t>
+                      </a:r>
+                      <a:endParaRPr lang="zh-MO" altLang="en-US" b="1" dirty="0"/>
+                    </a:p>
+                  </a:txBody>
+                  <a:tcPr/>
+                </a:tc>
+                <a:tc>
+                  <a:txBody>
+                    <a:bodyPr/>
+                    <a:lstStyle/>
+                    <a:p>
+                      <a:r>
+                        <a:rPr lang="en-US" altLang="zh-TW" b="1" dirty="0" smtClean="0"/>
+                        <a:t>22.5%</a:t>
+                      </a:r>
+                      <a:endParaRPr lang="zh-MO" altLang="en-US" b="1" dirty="0"/>
+                    </a:p>
+                  </a:txBody>
+                  <a:tcPr/>
+                </a:tc>
+                <a:tc>
+                  <a:txBody>
+                    <a:bodyPr/>
+                    <a:lstStyle/>
+                    <a:p>
+                      <a:r>
+                        <a:rPr lang="en-US" altLang="zh-TW" b="1" dirty="0" smtClean="0"/>
+                        <a:t>10.03%</a:t>
+                      </a:r>
+                      <a:endParaRPr lang="zh-MO" altLang="en-US" b="1" dirty="0"/>
+                    </a:p>
+                  </a:txBody>
+                  <a:tcPr/>
+                </a:tc>
+              </a:tr>
+              <a:tr h="0">
+                <a:tc>
+                  <a:txBody>
+                    <a:bodyPr/>
+                    <a:lstStyle/>
+                    <a:p>
+                      <a:r>
+                        <a:rPr lang="en-US" altLang="zh-MO" dirty="0" smtClean="0"/>
+                        <a:t>50</a:t>
+                      </a:r>
+                      <a:endParaRPr lang="zh-MO" altLang="en-US" dirty="0"/>
+                    </a:p>
+                  </a:txBody>
+                  <a:tcPr/>
+                </a:tc>
+                <a:tc>
+                  <a:txBody>
+                    <a:bodyPr/>
+                    <a:lstStyle/>
+                    <a:p>
+                      <a:r>
+                        <a:rPr lang="en-US" altLang="zh-TW" dirty="0" smtClean="0"/>
+                        <a:t>20.25%</a:t>
+                      </a:r>
+                      <a:endParaRPr lang="zh-MO" altLang="en-US" dirty="0"/>
+                    </a:p>
+                  </a:txBody>
+                  <a:tcPr/>
+                </a:tc>
+                <a:tc>
+                  <a:txBody>
+                    <a:bodyPr/>
+                    <a:lstStyle/>
+                    <a:p>
+                      <a:r>
+                        <a:rPr lang="en-US" altLang="zh-TW" dirty="0" smtClean="0"/>
+                        <a:t>10.01%</a:t>
+                      </a:r>
+                      <a:endParaRPr lang="zh-MO" altLang="en-US" dirty="0"/>
+                    </a:p>
+                  </a:txBody>
+                  <a:tcPr/>
+                </a:tc>
+              </a:tr>
+              <a:tr h="370840">
+                <a:tc>
+                  <a:txBody>
+                    <a:bodyPr/>
+                    <a:lstStyle/>
+                    <a:p>
+                      <a:r>
+                        <a:rPr lang="en-US" altLang="zh-MO" dirty="0" smtClean="0"/>
+                        <a:t>75</a:t>
+                      </a:r>
+                      <a:endParaRPr lang="zh-MO" altLang="en-US" dirty="0"/>
+                    </a:p>
+                  </a:txBody>
+                  <a:tcPr/>
+                </a:tc>
+                <a:tc>
+                  <a:txBody>
+                    <a:bodyPr/>
+                    <a:lstStyle/>
+                    <a:p>
+                      <a:pPr marL="0" marR="0" lvl="0" indent="0" algn="l" defTabSz="914400" rtl="0" eaLnBrk="1" fontAlgn="auto" latinLnBrk="0" hangingPunct="1">
+                        <a:lnSpc>
+                          <a:spcPct val="100000"/>
+                        </a:lnSpc>
+                        <a:spcBef>
+                          <a:spcPts val="0"/>
+                        </a:spcBef>
+                        <a:spcAft>
+                          <a:spcPts val="0"/>
+                        </a:spcAft>
+                        <a:buClrTx/>
+                        <a:buSzTx/>
+                        <a:buFontTx/>
+                        <a:buNone/>
+                        <a:tabLst/>
+                        <a:defRPr/>
+                      </a:pPr>
+                      <a:r>
+                        <a:rPr lang="en-US" altLang="zh-TW" dirty="0" smtClean="0"/>
+                        <a:t>20.45%</a:t>
+                      </a:r>
+                      <a:endParaRPr lang="zh-MO" altLang="en-US" dirty="0" smtClean="0"/>
+                    </a:p>
+                  </a:txBody>
+                  <a:tcPr/>
+                </a:tc>
+                <a:tc>
+                  <a:txBody>
+                    <a:bodyPr/>
+                    <a:lstStyle/>
+                    <a:p>
+                      <a:r>
+                        <a:rPr lang="en-US" altLang="zh-TW" dirty="0" smtClean="0"/>
+                        <a:t>9.92%</a:t>
+                      </a:r>
+                      <a:endParaRPr lang="zh-MO" altLang="en-US" dirty="0"/>
+                    </a:p>
+                  </a:txBody>
+                  <a:tcPr/>
+                </a:tc>
+              </a:tr>
+            </a:tbl>
+          </a:graphicData>
+        </a:graphic>
+      </p:graphicFrame>
+      <p:pic>
+        <p:nvPicPr>
+          <p:cNvPr id="7" name="圖片 6"/>
+          <p:cNvPicPr>
+            <a:picLocks noChangeAspect="1"/>
+          </p:cNvPicPr>
+          <p:nvPr/>
+        </p:nvPicPr>
+        <p:blipFill>
+          <a:blip r:embed="rId2"/>
+          <a:stretch>
+            <a:fillRect/>
+          </a:stretch>
+        </p:blipFill>
+        <p:spPr>
+          <a:xfrm>
+            <a:off x="8804148" y="5002974"/>
+            <a:ext cx="2324100" cy="1266825"/>
+          </a:xfrm>
+          <a:prstGeom prst="rect">
+            <a:avLst/>
+          </a:prstGeom>
+        </p:spPr>
+      </p:pic>
+    </p:spTree>
+    <p:extLst>
+      <p:ext uri="{BB962C8B-B14F-4D97-AF65-F5344CB8AC3E}">
+        <p14:creationId xmlns:p14="http://schemas.microsoft.com/office/powerpoint/2010/main" val="3141765251"/>
+      </p:ext>
+    </p:extLst>
+  </p:cSld>
+  <p:clrMapOvr>
+    <a:masterClrMapping/>
+  </p:clrMapOvr>
+  <p:timing>
+    <p:tnLst>
+      <p:par>
+        <p:cTn id="1" dur="indefinite" restart="never" nodeType="tmRoot"/>
+      </p:par>
+    </p:tnLst>
+  </p:timing>
+</p:sld>
+</file>
+
+<file path=ppt/slides/slide27.xml><?xml version="1.0" encoding="utf-8"?>
+<p:sld xmlns:a="http://schemas.openxmlformats.org/drawingml/2006/main" xmlns:r="http://schemas.openxmlformats.org/officeDocument/2006/relationships" xmlns:p="http://schemas.openxmlformats.org/presentationml/2006/main">
+  <p:cSld>
+    <p:spTree>
+      <p:nvGrpSpPr>
+        <p:cNvPr id="1" name=""/>
+        <p:cNvGrpSpPr/>
+        <p:nvPr/>
+      </p:nvGrpSpPr>
+      <p:grpSpPr>
+        <a:xfrm>
+          <a:off x="0" y="0"/>
+          <a:ext cx="0" cy="0"/>
+          <a:chOff x="0" y="0"/>
+          <a:chExt cx="0" cy="0"/>
+        </a:xfrm>
+      </p:grpSpPr>
+      <p:sp>
+        <p:nvSpPr>
+          <p:cNvPr id="2" name="Title 1"/>
+          <p:cNvSpPr>
+            <a:spLocks noGrp="1"/>
+          </p:cNvSpPr>
+          <p:nvPr>
+            <p:ph type="title"/>
+          </p:nvPr>
+        </p:nvSpPr>
+        <p:spPr/>
+        <p:txBody>
+          <a:bodyPr/>
+          <a:lstStyle/>
+          <a:p>
+            <a:r>
+              <a:rPr lang="en-US" altLang="zh-TW" dirty="0"/>
+              <a:t>[Backup Slide]</a:t>
+            </a:r>
+            <a:endParaRPr lang="en-US" dirty="0"/>
+          </a:p>
+        </p:txBody>
+      </p:sp>
+      <p:sp>
+        <p:nvSpPr>
+          <p:cNvPr id="3" name="Content Placeholder 2"/>
+          <p:cNvSpPr>
+            <a:spLocks noGrp="1"/>
+          </p:cNvSpPr>
+          <p:nvPr>
+            <p:ph idx="1"/>
+          </p:nvPr>
+        </p:nvSpPr>
+        <p:spPr/>
+        <p:txBody>
+          <a:bodyPr/>
+          <a:lstStyle/>
+          <a:p>
+            <a:r>
+              <a:rPr lang="en-US" altLang="zh-MO" dirty="0"/>
+              <a:t>[</a:t>
+            </a:r>
+            <a:r>
+              <a:rPr lang="en-US" altLang="zh-MO" dirty="0" err="1"/>
+              <a:t>UserCF</a:t>
+            </a:r>
+            <a:r>
+              <a:rPr lang="en-US" altLang="zh-MO" dirty="0"/>
+              <a:t>] Evaluation</a:t>
+            </a:r>
+          </a:p>
+          <a:p>
+            <a:endParaRPr lang="en-US" dirty="0"/>
+          </a:p>
+        </p:txBody>
+      </p:sp>
+      <p:pic>
+        <p:nvPicPr>
+          <p:cNvPr id="4" name="圖片 3"/>
+          <p:cNvPicPr>
+            <a:picLocks noChangeAspect="1"/>
+          </p:cNvPicPr>
+          <p:nvPr/>
+        </p:nvPicPr>
+        <p:blipFill>
+          <a:blip r:embed="rId2"/>
+          <a:stretch>
+            <a:fillRect/>
+          </a:stretch>
+        </p:blipFill>
+        <p:spPr>
+          <a:xfrm>
+            <a:off x="1578008" y="3332914"/>
+            <a:ext cx="2324100" cy="1266825"/>
+          </a:xfrm>
+          <a:prstGeom prst="rect">
+            <a:avLst/>
+          </a:prstGeom>
+        </p:spPr>
+      </p:pic>
+    </p:spTree>
+    <p:extLst>
+      <p:ext uri="{BB962C8B-B14F-4D97-AF65-F5344CB8AC3E}">
+        <p14:creationId xmlns:p14="http://schemas.microsoft.com/office/powerpoint/2010/main" val="2993625276"/>
       </p:ext>
     </p:extLst>
   </p:cSld>

--- a/Presentation_group_k.pptx
+++ b/Presentation_group_k.pptx
@@ -5,7 +5,7 @@
     <p:sldMasterId id="2147483678" r:id="rId1"/>
   </p:sldMasterIdLst>
   <p:notesMasterIdLst>
-    <p:notesMasterId r:id="rId29"/>
+    <p:notesMasterId r:id="rId30"/>
   </p:notesMasterIdLst>
   <p:sldIdLst>
     <p:sldId id="256" r:id="rId2"/>
@@ -35,6 +35,7 @@
     <p:sldId id="282" r:id="rId26"/>
     <p:sldId id="283" r:id="rId27"/>
     <p:sldId id="280" r:id="rId28"/>
+    <p:sldId id="284" r:id="rId29"/>
   </p:sldIdLst>
   <p:sldSz cx="12192000" cy="6858000"/>
   <p:notesSz cx="6858000" cy="9144000"/>
@@ -549,19 +550,7 @@
             </a:r>
             <a:r>
               <a:rPr kumimoji="1" lang="en-US" altLang="zh-TW" baseline="0" dirty="0" smtClean="0"/>
-              <a:t>  This is </a:t>
-            </a:r>
-            <a:r>
-              <a:rPr kumimoji="1" lang="en-US" altLang="zh-TW" baseline="0" dirty="0" smtClean="0"/>
-              <a:t>Kim, this is Dennis.. </a:t>
-            </a:r>
-            <a:r>
-              <a:rPr kumimoji="1" lang="en-US" altLang="zh-TW" baseline="0" dirty="0" smtClean="0"/>
-              <a:t>Today we are going to talk </a:t>
-            </a:r>
-            <a:r>
-              <a:rPr kumimoji="1" lang="en-US" altLang="zh-TW" baseline="0" dirty="0" smtClean="0"/>
-              <a:t>about the amazon product data analysis</a:t>
+              <a:t>  This is Kim, this is Dennis.. Today we are going to talk about the amazon product data analysis</a:t>
             </a:r>
             <a:endParaRPr kumimoji="1" lang="zh-TW" altLang="en-US" dirty="0"/>
           </a:p>
@@ -1478,38 +1467,17 @@
           <a:p>
             <a:r>
               <a:rPr kumimoji="1" lang="en-US" altLang="zh-TW" dirty="0" smtClean="0"/>
-              <a:t>In this </a:t>
-            </a:r>
-            <a:r>
-              <a:rPr kumimoji="1" lang="en-US" altLang="zh-TW" dirty="0" smtClean="0"/>
-              <a:t>project,</a:t>
+              <a:t>In this project,</a:t>
             </a:r>
             <a:r>
               <a:rPr kumimoji="1" lang="en-US" altLang="zh-TW" baseline="0" dirty="0" smtClean="0"/>
-              <a:t> after </a:t>
-            </a:r>
+              <a:t> after we got the data. We do the data  clean and preprocess;</a:t>
+            </a:r>
+          </a:p>
+          <a:p>
             <a:r>
               <a:rPr kumimoji="1" lang="en-US" altLang="zh-TW" baseline="0" dirty="0" smtClean="0"/>
-              <a:t>we got the </a:t>
-            </a:r>
-            <a:r>
-              <a:rPr kumimoji="1" lang="en-US" altLang="zh-TW" baseline="0" dirty="0" smtClean="0"/>
-              <a:t>data. We do the data  clean and preprocess;</a:t>
-            </a:r>
-            <a:endParaRPr kumimoji="1" lang="en-US" altLang="zh-TW" baseline="0" dirty="0" smtClean="0"/>
-          </a:p>
-          <a:p>
-            <a:r>
-              <a:rPr kumimoji="1" lang="en-US" altLang="zh-TW" baseline="0" dirty="0" smtClean="0"/>
-              <a:t>After </a:t>
-            </a:r>
-            <a:r>
-              <a:rPr kumimoji="1" lang="en-US" altLang="zh-TW" baseline="0" dirty="0" smtClean="0"/>
-              <a:t>that, </a:t>
-            </a:r>
-            <a:r>
-              <a:rPr kumimoji="1" lang="en-US" altLang="zh-TW" baseline="0" dirty="0" smtClean="0"/>
-              <a:t>we analyze the </a:t>
+              <a:t>After that, we analyze the </a:t>
             </a:r>
             <a:r>
               <a:rPr kumimoji="1" lang="en-US" altLang="zh-TW" baseline="0" dirty="0" err="1" smtClean="0"/>
@@ -1525,32 +1493,14 @@
             </a:r>
             <a:r>
               <a:rPr kumimoji="1" lang="en-US" altLang="zh-TW" baseline="0" dirty="0" smtClean="0"/>
-              <a:t> </a:t>
-            </a:r>
+              <a:t> the result.</a:t>
+            </a:r>
+          </a:p>
+          <a:p>
             <a:r>
               <a:rPr kumimoji="1" lang="en-US" altLang="zh-TW" baseline="0" dirty="0" smtClean="0"/>
-              <a:t>the result.</a:t>
-            </a:r>
-            <a:endParaRPr kumimoji="1" lang="en-US" altLang="zh-TW" baseline="0" dirty="0" smtClean="0"/>
-          </a:p>
-          <a:p>
-            <a:r>
-              <a:rPr kumimoji="1" lang="en-US" altLang="zh-TW" baseline="0" dirty="0" smtClean="0"/>
-              <a:t>Finally, we </a:t>
-            </a:r>
-            <a:r>
-              <a:rPr kumimoji="1" lang="en-US" altLang="zh-TW" baseline="0" dirty="0" smtClean="0"/>
-              <a:t>implement </a:t>
-            </a:r>
-            <a:r>
-              <a:rPr kumimoji="1" lang="en-US" altLang="zh-TW" baseline="0" dirty="0" smtClean="0"/>
-              <a:t>a simple recommendation system to present </a:t>
-            </a:r>
-            <a:r>
-              <a:rPr kumimoji="1" lang="en-US" altLang="zh-TW" baseline="0" dirty="0" smtClean="0"/>
-              <a:t>what we are doing.</a:t>
-            </a:r>
-            <a:endParaRPr kumimoji="1" lang="en-US" altLang="zh-TW" baseline="0" dirty="0" smtClean="0"/>
+              <a:t>Finally, we implement a simple recommendation system to present what we are doing.</a:t>
+            </a:r>
           </a:p>
         </p:txBody>
       </p:sp>
@@ -1640,54 +1590,13 @@
             </a:r>
             <a:r>
               <a:rPr kumimoji="1" lang="en-US" altLang="zh-TW" baseline="0" dirty="0" smtClean="0"/>
-              <a:t> </a:t>
-            </a:r>
+              <a:t> dataset is come from amazon china. The data set is almost 1GB; </a:t>
+            </a:r>
+          </a:p>
+          <a:p>
             <a:r>
               <a:rPr kumimoji="1" lang="en-US" altLang="zh-TW" baseline="0" dirty="0" smtClean="0"/>
-              <a:t>dataset is </a:t>
-            </a:r>
-            <a:r>
-              <a:rPr kumimoji="1" lang="en-US" altLang="zh-TW" baseline="0" dirty="0" smtClean="0"/>
-              <a:t>come from </a:t>
-            </a:r>
-            <a:r>
-              <a:rPr kumimoji="1" lang="en-US" altLang="zh-TW" baseline="0" dirty="0" smtClean="0"/>
-              <a:t>amazon china. The data set is </a:t>
-            </a:r>
-            <a:r>
-              <a:rPr kumimoji="1" lang="en-US" altLang="zh-TW" baseline="0" dirty="0" smtClean="0"/>
-              <a:t>almost </a:t>
-            </a:r>
-            <a:r>
-              <a:rPr kumimoji="1" lang="en-US" altLang="zh-TW" baseline="0" dirty="0" smtClean="0"/>
-              <a:t>1GB; </a:t>
-            </a:r>
-            <a:endParaRPr kumimoji="1" lang="en-US" altLang="zh-TW" baseline="0" dirty="0" smtClean="0"/>
-          </a:p>
-          <a:p>
-            <a:r>
-              <a:rPr kumimoji="1" lang="en-US" altLang="zh-TW" baseline="0" dirty="0" smtClean="0"/>
-              <a:t>There </a:t>
-            </a:r>
-            <a:r>
-              <a:rPr kumimoji="1" lang="en-US" altLang="zh-TW" baseline="0" dirty="0" smtClean="0"/>
-              <a:t>is four </a:t>
-            </a:r>
-            <a:r>
-              <a:rPr kumimoji="1" lang="en-US" altLang="zh-TW" baseline="0" dirty="0" smtClean="0"/>
-              <a:t>dimension </a:t>
-            </a:r>
-            <a:r>
-              <a:rPr kumimoji="1" lang="en-US" altLang="zh-TW" baseline="0" dirty="0" smtClean="0"/>
-              <a:t>about the data: </a:t>
-            </a:r>
-            <a:r>
-              <a:rPr kumimoji="1" lang="en-US" altLang="zh-TW" baseline="0" dirty="0" smtClean="0"/>
-              <a:t>product, </a:t>
-            </a:r>
-            <a:r>
-              <a:rPr kumimoji="1" lang="en-US" altLang="zh-TW" baseline="0" dirty="0" smtClean="0"/>
-              <a:t>categories, users and rating</a:t>
+              <a:t>There is four dimension about the data: product, categories, users and rating</a:t>
             </a:r>
           </a:p>
         </p:txBody>
@@ -1779,11 +1688,7 @@
             </a:r>
             <a:r>
               <a:rPr kumimoji="1" lang="en-US" altLang="zh-TW" baseline="0" dirty="0" smtClean="0"/>
-              <a:t> take a look about the </a:t>
-            </a:r>
-            <a:r>
-              <a:rPr kumimoji="1" lang="en-US" altLang="zh-TW" baseline="0" dirty="0" smtClean="0"/>
-              <a:t>data </a:t>
+              <a:t> take a look about the data </a:t>
             </a:r>
             <a:r>
               <a:rPr lang="en-US" altLang="zh-MO" sz="1200" b="0" i="0" u="none" strike="noStrike" kern="1200" dirty="0" smtClean="0">
@@ -1799,19 +1704,7 @@
             </a:r>
             <a:r>
               <a:rPr kumimoji="1" lang="en-US" altLang="zh-TW" baseline="0" dirty="0" smtClean="0"/>
-              <a:t>. </a:t>
-            </a:r>
-            <a:r>
-              <a:rPr kumimoji="1" lang="en-US" altLang="zh-TW" baseline="0" dirty="0" smtClean="0"/>
-              <a:t>The most products </a:t>
-            </a:r>
-            <a:r>
-              <a:rPr kumimoji="1" lang="en-US" altLang="zh-TW" baseline="0" dirty="0" smtClean="0"/>
-              <a:t>is books categories 80</a:t>
-            </a:r>
-            <a:r>
-              <a:rPr kumimoji="1" lang="en-US" altLang="zh-TW" baseline="0" dirty="0" smtClean="0"/>
-              <a:t>%</a:t>
+              <a:t>. The most products is books categories 80%</a:t>
             </a:r>
             <a:r>
               <a:rPr kumimoji="1" lang="zh-TW" altLang="en-US" baseline="0" dirty="0" smtClean="0"/>
@@ -1826,27 +1719,7 @@
             <a:pPr rtl="0" fontAlgn="t"/>
             <a:r>
               <a:rPr kumimoji="1" lang="en-US" altLang="zh-TW" baseline="0" dirty="0" smtClean="0"/>
-              <a:t>---NO ----In </a:t>
-            </a:r>
-            <a:r>
-              <a:rPr kumimoji="1" lang="en-US" altLang="zh-TW" baseline="0" dirty="0" smtClean="0"/>
-              <a:t>the book </a:t>
-            </a:r>
-            <a:r>
-              <a:rPr kumimoji="1" lang="en-US" altLang="zh-TW" baseline="0" dirty="0" smtClean="0"/>
-              <a:t>categories, </a:t>
-            </a:r>
-            <a:r>
-              <a:rPr kumimoji="1" lang="en-US" altLang="zh-TW" baseline="0" dirty="0" smtClean="0"/>
-              <a:t>The largest number of books are educational books and </a:t>
-            </a:r>
-            <a:r>
-              <a:rPr kumimoji="1" lang="en-US" altLang="zh-TW" baseline="0" dirty="0" smtClean="0"/>
-              <a:t>child book</a:t>
-            </a:r>
-            <a:r>
-              <a:rPr kumimoji="1" lang="en-US" altLang="zh-TW" baseline="0" dirty="0" smtClean="0"/>
-              <a:t>.</a:t>
+              <a:t>---NO ----In the book categories, The largest number of books are educational books and child book.</a:t>
             </a:r>
             <a:endParaRPr kumimoji="1" lang="zh-TW" altLang="en-US" dirty="0"/>
           </a:p>
@@ -1938,39 +1811,7 @@
             </a:r>
             <a:r>
               <a:rPr kumimoji="1" lang="en-US" altLang="zh-TW" baseline="0" dirty="0" smtClean="0"/>
-              <a:t> the rating </a:t>
-            </a:r>
-            <a:r>
-              <a:rPr kumimoji="1" lang="en-US" altLang="zh-TW" baseline="0" dirty="0" smtClean="0"/>
-              <a:t>score, </a:t>
-            </a:r>
-            <a:r>
-              <a:rPr kumimoji="1" lang="en-US" altLang="zh-TW" baseline="0" dirty="0" smtClean="0"/>
-              <a:t>there is 1 to 5 </a:t>
-            </a:r>
-            <a:r>
-              <a:rPr kumimoji="1" lang="en-US" altLang="zh-TW" baseline="0" dirty="0" smtClean="0"/>
-              <a:t>point for </a:t>
-            </a:r>
-            <a:r>
-              <a:rPr kumimoji="1" lang="en-US" altLang="zh-TW" baseline="0" dirty="0" smtClean="0"/>
-              <a:t>user to rate. We found that user </a:t>
-            </a:r>
-            <a:r>
-              <a:rPr kumimoji="1" lang="en-US" altLang="zh-TW" baseline="0" dirty="0" smtClean="0"/>
-              <a:t>often rate </a:t>
-            </a:r>
-            <a:r>
-              <a:rPr kumimoji="1" lang="en-US" altLang="zh-TW" baseline="0" dirty="0" smtClean="0"/>
-              <a:t>5 </a:t>
-            </a:r>
-            <a:r>
-              <a:rPr kumimoji="1" lang="en-US" altLang="zh-TW" baseline="0" dirty="0" smtClean="0"/>
-              <a:t>point more </a:t>
-            </a:r>
-            <a:r>
-              <a:rPr kumimoji="1" lang="en-US" altLang="zh-TW" baseline="0" dirty="0" smtClean="0"/>
-              <a:t>that else.</a:t>
+              <a:t> the rating score, there is 1 to 5 point for user to rate. We found that user often rate 5 point more that else.</a:t>
             </a:r>
             <a:endParaRPr kumimoji="1" lang="zh-TW" altLang="en-US" dirty="0"/>
           </a:p>
@@ -2178,15 +2019,7 @@
             </a:r>
             <a:r>
               <a:rPr kumimoji="1" lang="en-US" altLang="zh-TW" baseline="0" dirty="0" smtClean="0"/>
-              <a:t> find that the </a:t>
-            </a:r>
-            <a:r>
-              <a:rPr kumimoji="1" lang="en-US" altLang="zh-TW" baseline="0" dirty="0" smtClean="0"/>
-              <a:t>most Popular </a:t>
-            </a:r>
-            <a:r>
-              <a:rPr kumimoji="1" lang="en-US" altLang="zh-TW" baseline="0" dirty="0" smtClean="0"/>
-              <a:t>key word is the </a:t>
+              <a:t> find that the most Popular key word is the </a:t>
             </a:r>
             <a:r>
               <a:rPr kumimoji="1" lang="zh-TW" altLang="en-US" baseline="0" dirty="0" smtClean="0"/>
@@ -2308,15 +2141,7 @@
             </a:r>
             <a:r>
               <a:rPr kumimoji="1" lang="en-US" altLang="zh-TW" baseline="0" dirty="0" smtClean="0"/>
-              <a:t> find that the </a:t>
-            </a:r>
-            <a:r>
-              <a:rPr kumimoji="1" lang="en-US" altLang="zh-TW" baseline="0" dirty="0" smtClean="0"/>
-              <a:t>most Popular </a:t>
-            </a:r>
-            <a:r>
-              <a:rPr kumimoji="1" lang="en-US" altLang="zh-TW" baseline="0" dirty="0" smtClean="0"/>
-              <a:t>key word is the </a:t>
+              <a:t> find that the most Popular key word is the </a:t>
             </a:r>
             <a:r>
               <a:rPr kumimoji="1" lang="zh-TW" altLang="en-US" baseline="0" dirty="0" smtClean="0"/>
@@ -6466,11 +6291,7 @@
             </a:r>
             <a:r>
               <a:rPr lang="en-US" altLang="zh-TW" sz="4000" dirty="0" smtClean="0"/>
-              <a:t>                 </a:t>
-            </a:r>
-            <a:r>
-              <a:rPr lang="en-US" altLang="zh-TW" sz="4000" dirty="0" smtClean="0"/>
-              <a:t>- </a:t>
+              <a:t>                 - </a:t>
             </a:r>
             <a:r>
               <a:rPr lang="en-US" altLang="zh-TW" sz="3000" dirty="0" smtClean="0"/>
@@ -9210,7 +9031,6 @@
               <a:rPr lang="en-US" dirty="0"/>
               <a:t>principle of the algorithm is that the user's rating of the item should be near the average of the user's rating of all items</a:t>
             </a:r>
-            <a:endParaRPr lang="en-US" dirty="0"/>
           </a:p>
         </p:txBody>
       </p:sp>
@@ -9325,7 +9145,6 @@
               <a:rPr lang="en-US" dirty="0"/>
               <a:t>] Evaluation</a:t>
             </a:r>
-            <a:endParaRPr lang="en-US" dirty="0"/>
           </a:p>
         </p:txBody>
       </p:sp>
@@ -9699,55 +9518,248 @@
         </p:nvSpPr>
         <p:spPr/>
         <p:txBody>
-          <a:bodyPr/>
+          <a:bodyPr>
+            <a:normAutofit/>
+          </a:bodyPr>
           <a:lstStyle/>
           <a:p>
             <a:r>
               <a:rPr lang="en-US" altLang="zh-MO" dirty="0"/>
-              <a:t>[</a:t>
+              <a:t>pip install </a:t>
+            </a:r>
+            <a:r>
+              <a:rPr lang="en-US" altLang="zh-MO" dirty="0" err="1" smtClean="0"/>
+              <a:t>jieba</a:t>
+            </a:r>
+            <a:r>
+              <a:rPr lang="en-US" altLang="zh-MO" dirty="0" smtClean="0"/>
+              <a:t> </a:t>
+            </a:r>
+            <a:r>
+              <a:rPr lang="en-US" altLang="zh-TW" dirty="0" smtClean="0"/>
+              <a:t>=&gt;</a:t>
+            </a:r>
+            <a:r>
+              <a:rPr lang="en-US" altLang="zh-MO" dirty="0"/>
+              <a:t> Chinese text segmentation: built to be the best Python Chinese word segmentation module.</a:t>
+            </a:r>
+          </a:p>
+          <a:p>
+            <a:r>
+              <a:rPr lang="en-US" altLang="zh-MO" dirty="0" smtClean="0"/>
+              <a:t>pip </a:t>
+            </a:r>
+            <a:r>
+              <a:rPr lang="en-US" altLang="zh-MO" dirty="0"/>
+              <a:t>install </a:t>
+            </a:r>
+            <a:r>
+              <a:rPr lang="en-US" altLang="zh-MO" dirty="0" err="1" smtClean="0"/>
+              <a:t>sklearn</a:t>
+            </a:r>
+            <a:r>
+              <a:rPr lang="en-US" altLang="zh-MO" dirty="0" smtClean="0"/>
+              <a:t> </a:t>
+            </a:r>
+            <a:r>
+              <a:rPr lang="en-US" altLang="zh-TW" dirty="0" smtClean="0"/>
+              <a:t>=&gt; </a:t>
             </a:r>
             <a:r>
               <a:rPr lang="en-US" altLang="zh-MO" dirty="0" err="1"/>
-              <a:t>UserCF</a:t>
+              <a:t>scikit</a:t>
             </a:r>
             <a:r>
               <a:rPr lang="en-US" altLang="zh-MO" dirty="0"/>
-              <a:t>] Evaluation</a:t>
-            </a:r>
-          </a:p>
-          <a:p>
-            <a:endParaRPr lang="en-US" dirty="0"/>
-          </a:p>
-        </p:txBody>
-      </p:sp>
-      <p:pic>
-        <p:nvPicPr>
-          <p:cNvPr id="4" name="圖片 3"/>
-          <p:cNvPicPr>
-            <a:picLocks noChangeAspect="1"/>
-          </p:cNvPicPr>
-          <p:nvPr/>
-        </p:nvPicPr>
-        <p:blipFill>
-          <a:blip r:embed="rId2"/>
-          <a:stretch>
-            <a:fillRect/>
-          </a:stretch>
-        </p:blipFill>
-        <p:spPr>
-          <a:xfrm>
-            <a:off x="1578008" y="3332914"/>
-            <a:ext cx="2324100" cy="1266825"/>
-          </a:xfrm>
-          <a:prstGeom prst="rect">
-            <a:avLst/>
-          </a:prstGeom>
-        </p:spPr>
-      </p:pic>
+              <a:t>-learn: machine learning in Python</a:t>
+            </a:r>
+            <a:endParaRPr lang="en-US" altLang="zh-MO" dirty="0"/>
+          </a:p>
+          <a:p>
+            <a:r>
+              <a:rPr lang="en-US" altLang="zh-MO" dirty="0" smtClean="0"/>
+              <a:t>pip </a:t>
+            </a:r>
+            <a:r>
+              <a:rPr lang="en-US" altLang="zh-MO" dirty="0"/>
+              <a:t>install </a:t>
+            </a:r>
+            <a:r>
+              <a:rPr lang="en-US" altLang="zh-MO" dirty="0" smtClean="0"/>
+              <a:t>cufflinks </a:t>
+            </a:r>
+            <a:endParaRPr lang="en-US" altLang="zh-MO" dirty="0"/>
+          </a:p>
+          <a:p>
+            <a:r>
+              <a:rPr lang="en-US" altLang="zh-MO" dirty="0"/>
+              <a:t>pip install </a:t>
+            </a:r>
+            <a:r>
+              <a:rPr lang="en-US" altLang="zh-MO" dirty="0" smtClean="0"/>
+              <a:t>flask =&gt; webserver</a:t>
+            </a:r>
+            <a:endParaRPr lang="en-US" altLang="zh-MO" dirty="0"/>
+          </a:p>
+          <a:p>
+            <a:r>
+              <a:rPr lang="en-US" altLang="zh-MO" dirty="0"/>
+              <a:t>pip install </a:t>
+            </a:r>
+            <a:r>
+              <a:rPr lang="en-US" altLang="zh-MO" dirty="0" err="1" smtClean="0"/>
+              <a:t>json_tricks</a:t>
+            </a:r>
+            <a:r>
+              <a:rPr lang="en-US" altLang="zh-MO" dirty="0" smtClean="0"/>
+              <a:t> =&gt; </a:t>
+            </a:r>
+            <a:r>
+              <a:rPr lang="en-US" altLang="zh-MO" dirty="0" err="1" smtClean="0"/>
+              <a:t>json</a:t>
+            </a:r>
+            <a:endParaRPr lang="en-US" altLang="zh-MO" dirty="0"/>
+          </a:p>
+          <a:p>
+            <a:r>
+              <a:rPr lang="en-US" altLang="zh-MO" dirty="0"/>
+              <a:t>pip install </a:t>
+            </a:r>
+            <a:r>
+              <a:rPr lang="en-US" altLang="zh-MO" dirty="0" smtClean="0"/>
+              <a:t>flask-</a:t>
+            </a:r>
+            <a:r>
+              <a:rPr lang="en-US" altLang="zh-MO" dirty="0" err="1" smtClean="0"/>
+              <a:t>cors</a:t>
+            </a:r>
+            <a:endParaRPr lang="en-US" altLang="zh-MO" dirty="0"/>
+          </a:p>
+        </p:txBody>
+      </p:sp>
     </p:spTree>
     <p:extLst>
       <p:ext uri="{BB962C8B-B14F-4D97-AF65-F5344CB8AC3E}">
         <p14:creationId xmlns:p14="http://schemas.microsoft.com/office/powerpoint/2010/main" val="2993625276"/>
+      </p:ext>
+    </p:extLst>
+  </p:cSld>
+  <p:clrMapOvr>
+    <a:masterClrMapping/>
+  </p:clrMapOvr>
+  <p:timing>
+    <p:tnLst>
+      <p:par>
+        <p:cTn id="1" dur="indefinite" restart="never" nodeType="tmRoot"/>
+      </p:par>
+    </p:tnLst>
+  </p:timing>
+</p:sld>
+</file>
+
+<file path=ppt/slides/slide28.xml><?xml version="1.0" encoding="utf-8"?>
+<p:sld xmlns:a="http://schemas.openxmlformats.org/drawingml/2006/main" xmlns:r="http://schemas.openxmlformats.org/officeDocument/2006/relationships" xmlns:p="http://schemas.openxmlformats.org/presentationml/2006/main">
+  <p:cSld>
+    <p:spTree>
+      <p:nvGrpSpPr>
+        <p:cNvPr id="1" name=""/>
+        <p:cNvGrpSpPr/>
+        <p:nvPr/>
+      </p:nvGrpSpPr>
+      <p:grpSpPr>
+        <a:xfrm>
+          <a:off x="0" y="0"/>
+          <a:ext cx="0" cy="0"/>
+          <a:chOff x="0" y="0"/>
+          <a:chExt cx="0" cy="0"/>
+        </a:xfrm>
+      </p:grpSpPr>
+      <p:sp>
+        <p:nvSpPr>
+          <p:cNvPr id="2" name="Title 1"/>
+          <p:cNvSpPr>
+            <a:spLocks noGrp="1"/>
+          </p:cNvSpPr>
+          <p:nvPr>
+            <p:ph type="title"/>
+          </p:nvPr>
+        </p:nvSpPr>
+        <p:spPr/>
+        <p:txBody>
+          <a:bodyPr/>
+          <a:lstStyle/>
+          <a:p>
+            <a:r>
+              <a:rPr lang="en-US" altLang="zh-TW" dirty="0"/>
+              <a:t>[Backup Slide]</a:t>
+            </a:r>
+            <a:endParaRPr lang="en-US" dirty="0"/>
+          </a:p>
+        </p:txBody>
+      </p:sp>
+      <p:sp>
+        <p:nvSpPr>
+          <p:cNvPr id="3" name="Content Placeholder 2"/>
+          <p:cNvSpPr>
+            <a:spLocks noGrp="1"/>
+          </p:cNvSpPr>
+          <p:nvPr>
+            <p:ph idx="1"/>
+          </p:nvPr>
+        </p:nvSpPr>
+        <p:spPr/>
+        <p:txBody>
+          <a:bodyPr>
+            <a:normAutofit/>
+          </a:bodyPr>
+          <a:lstStyle/>
+          <a:p>
+            <a:r>
+              <a:rPr lang="en-US" altLang="zh-MO" dirty="0" smtClean="0"/>
+              <a:t>Environment:</a:t>
+            </a:r>
+          </a:p>
+          <a:p>
+            <a:r>
+              <a:rPr lang="en-US" altLang="zh-MO" dirty="0" smtClean="0"/>
+              <a:t>Python3.6 (back-end </a:t>
+            </a:r>
+            <a:r>
+              <a:rPr lang="en-US" altLang="zh-MO" dirty="0" err="1" smtClean="0"/>
+              <a:t>api</a:t>
+            </a:r>
+            <a:r>
+              <a:rPr lang="en-US" altLang="zh-MO" dirty="0" smtClean="0"/>
+              <a:t>) </a:t>
+            </a:r>
+          </a:p>
+          <a:p>
+            <a:r>
+              <a:rPr lang="en-US" altLang="zh-MO" dirty="0" err="1" smtClean="0"/>
+              <a:t>VueJs</a:t>
+            </a:r>
+            <a:r>
+              <a:rPr lang="en-US" altLang="zh-MO" dirty="0" smtClean="0"/>
+              <a:t> (front-end)</a:t>
+            </a:r>
+          </a:p>
+          <a:p>
+            <a:r>
+              <a:rPr lang="en-US" altLang="zh-MO" dirty="0" err="1" smtClean="0"/>
+              <a:t>Jupyter</a:t>
+            </a:r>
+            <a:r>
+              <a:rPr lang="en-US" altLang="zh-MO" dirty="0" smtClean="0"/>
+              <a:t> notebook</a:t>
+            </a:r>
+            <a:endParaRPr lang="en-US" altLang="zh-MO" dirty="0"/>
+          </a:p>
+        </p:txBody>
+      </p:sp>
+    </p:spTree>
+    <p:extLst>
+      <p:ext uri="{BB962C8B-B14F-4D97-AF65-F5344CB8AC3E}">
+        <p14:creationId xmlns:p14="http://schemas.microsoft.com/office/powerpoint/2010/main" val="3996787153"/>
       </p:ext>
     </p:extLst>
   </p:cSld>

--- a/Presentation_group_k.pptx
+++ b/Presentation_group_k.pptx
@@ -9721,8 +9721,20 @@
           </a:p>
           <a:p>
             <a:r>
+              <a:rPr lang="en-US" altLang="zh-MO" smtClean="0"/>
+              <a:t>Python3.6 &amp; </a:t>
+            </a:r>
+            <a:r>
+              <a:rPr lang="en-US" altLang="zh-MO"/>
+              <a:t>flask</a:t>
+            </a:r>
+            <a:r>
+              <a:rPr lang="en-US" altLang="zh-MO" smtClean="0"/>
+              <a:t> </a:t>
+            </a:r>
+            <a:r>
               <a:rPr lang="en-US" altLang="zh-MO" dirty="0" smtClean="0"/>
-              <a:t>Python3.6 (back-end </a:t>
+              <a:t>(back-end </a:t>
             </a:r>
             <a:r>
               <a:rPr lang="en-US" altLang="zh-MO" dirty="0" err="1" smtClean="0"/>

--- a/Presentation_group_k.pptx
+++ b/Presentation_group_k.pptx
@@ -9050,7 +9050,7 @@
         </p:blipFill>
         <p:spPr>
           <a:xfrm>
-            <a:off x="1116983" y="2800350"/>
+            <a:off x="1069848" y="2998313"/>
             <a:ext cx="6362700" cy="3371850"/>
           </a:xfrm>
           <a:prstGeom prst="rect">
@@ -9721,20 +9721,16 @@
           </a:p>
           <a:p>
             <a:r>
-              <a:rPr lang="en-US" altLang="zh-MO" smtClean="0"/>
+              <a:rPr lang="en-US" altLang="zh-MO" dirty="0" smtClean="0"/>
               <a:t>Python3.6 &amp; </a:t>
             </a:r>
             <a:r>
-              <a:rPr lang="en-US" altLang="zh-MO"/>
+              <a:rPr lang="en-US" altLang="zh-MO" dirty="0"/>
               <a:t>flask</a:t>
             </a:r>
             <a:r>
-              <a:rPr lang="en-US" altLang="zh-MO" smtClean="0"/>
-              <a:t> </a:t>
-            </a:r>
-            <a:r>
               <a:rPr lang="en-US" altLang="zh-MO" dirty="0" smtClean="0"/>
-              <a:t>(back-end </a:t>
+              <a:t> (back-end </a:t>
             </a:r>
             <a:r>
               <a:rPr lang="en-US" altLang="zh-MO" dirty="0" err="1" smtClean="0"/>

--- a/Presentation_group_k.pptx
+++ b/Presentation_group_k.pptx
@@ -2740,7 +2740,7 @@
           <a:p>
             <a:fld id="{89908074-C0E2-4CD3-B032-B7A75FABFEAC}" type="datetimeFigureOut">
               <a:rPr lang="en-US" smtClean="0"/>
-              <a:t>12/16/2019</a:t>
+              <a:t>12/16/19</a:t>
             </a:fld>
             <a:endParaRPr lang="en-US"/>
           </a:p>
@@ -2919,7 +2919,7 @@
           <a:p>
             <a:fld id="{89908074-C0E2-4CD3-B032-B7A75FABFEAC}" type="datetimeFigureOut">
               <a:rPr lang="en-US" smtClean="0"/>
-              <a:t>12/16/2019</a:t>
+              <a:t>12/16/19</a:t>
             </a:fld>
             <a:endParaRPr lang="en-US"/>
           </a:p>
@@ -3099,7 +3099,7 @@
           <a:p>
             <a:fld id="{89908074-C0E2-4CD3-B032-B7A75FABFEAC}" type="datetimeFigureOut">
               <a:rPr lang="en-US" smtClean="0"/>
-              <a:t>12/16/2019</a:t>
+              <a:t>12/16/19</a:t>
             </a:fld>
             <a:endParaRPr lang="en-US"/>
           </a:p>
@@ -3269,7 +3269,7 @@
           <a:p>
             <a:fld id="{89908074-C0E2-4CD3-B032-B7A75FABFEAC}" type="datetimeFigureOut">
               <a:rPr lang="en-US" smtClean="0"/>
-              <a:t>12/16/2019</a:t>
+              <a:t>12/16/19</a:t>
             </a:fld>
             <a:endParaRPr lang="en-US"/>
           </a:p>
@@ -3582,7 +3582,7 @@
           <a:p>
             <a:fld id="{89908074-C0E2-4CD3-B032-B7A75FABFEAC}" type="datetimeFigureOut">
               <a:rPr lang="en-US" smtClean="0"/>
-              <a:t>12/16/2019</a:t>
+              <a:t>12/16/19</a:t>
             </a:fld>
             <a:endParaRPr lang="en-US"/>
           </a:p>
@@ -3968,7 +3968,7 @@
           <a:p>
             <a:fld id="{89908074-C0E2-4CD3-B032-B7A75FABFEAC}" type="datetimeFigureOut">
               <a:rPr lang="en-US" smtClean="0"/>
-              <a:t>12/16/2019</a:t>
+              <a:t>12/16/19</a:t>
             </a:fld>
             <a:endParaRPr lang="en-US"/>
           </a:p>
@@ -4402,7 +4402,7 @@
           <a:p>
             <a:fld id="{89908074-C0E2-4CD3-B032-B7A75FABFEAC}" type="datetimeFigureOut">
               <a:rPr lang="en-US" smtClean="0"/>
-              <a:t>12/16/2019</a:t>
+              <a:t>12/16/19</a:t>
             </a:fld>
             <a:endParaRPr lang="en-US"/>
           </a:p>
@@ -4520,7 +4520,7 @@
           <a:p>
             <a:fld id="{89908074-C0E2-4CD3-B032-B7A75FABFEAC}" type="datetimeFigureOut">
               <a:rPr lang="en-US" smtClean="0"/>
-              <a:t>12/16/2019</a:t>
+              <a:t>12/16/19</a:t>
             </a:fld>
             <a:endParaRPr lang="en-US"/>
           </a:p>
@@ -4615,7 +4615,7 @@
           <a:p>
             <a:fld id="{89908074-C0E2-4CD3-B032-B7A75FABFEAC}" type="datetimeFigureOut">
               <a:rPr lang="en-US" smtClean="0"/>
-              <a:t>12/16/2019</a:t>
+              <a:t>12/16/19</a:t>
             </a:fld>
             <a:endParaRPr lang="en-US"/>
           </a:p>
@@ -4965,7 +4965,7 @@
           <a:p>
             <a:fld id="{89908074-C0E2-4CD3-B032-B7A75FABFEAC}" type="datetimeFigureOut">
               <a:rPr lang="en-US" smtClean="0"/>
-              <a:t>12/16/2019</a:t>
+              <a:t>12/16/19</a:t>
             </a:fld>
             <a:endParaRPr lang="en-US"/>
           </a:p>
@@ -5390,7 +5390,7 @@
           <a:p>
             <a:fld id="{89908074-C0E2-4CD3-B032-B7A75FABFEAC}" type="datetimeFigureOut">
               <a:rPr lang="en-US" smtClean="0"/>
-              <a:t>12/16/2019</a:t>
+              <a:t>12/16/19</a:t>
             </a:fld>
             <a:endParaRPr lang="en-US"/>
           </a:p>
@@ -5671,7 +5671,7 @@
           <a:p>
             <a:fld id="{89908074-C0E2-4CD3-B032-B7A75FABFEAC}" type="datetimeFigureOut">
               <a:rPr lang="en-US" smtClean="0"/>
-              <a:t>12/16/2019</a:t>
+              <a:t>12/16/19</a:t>
             </a:fld>
             <a:endParaRPr lang="en-US"/>
           </a:p>
@@ -8003,7 +8003,7 @@
         <p:spPr/>
         <p:txBody>
           <a:bodyPr>
-            <a:normAutofit fontScale="90000"/>
+            <a:normAutofit/>
           </a:bodyPr>
           <a:lstStyle/>
           <a:p>
@@ -9157,7 +9157,7 @@
           <p:nvPr>
             <p:extLst>
               <p:ext uri="{D42A27DB-BD31-4B8C-83A1-F6EECF244321}">
-                <p14:modId xmlns:p14="http://schemas.microsoft.com/office/powerpoint/2010/main" val="4129507397"/>
+                <p14:modId xmlns:p14="http://schemas.microsoft.com/office/powerpoint/2010/main" val="1172204956"/>
               </p:ext>
             </p:extLst>
           </p:nvPr>
@@ -9291,7 +9291,11 @@
                     <a:p>
                       <a:r>
                         <a:rPr lang="en-US" altLang="zh-TW" b="1" dirty="0" smtClean="0"/>
-                        <a:t>22.5%</a:t>
+                        <a:t>25.5</a:t>
+                      </a:r>
+                      <a:r>
+                        <a:rPr lang="en-US" altLang="zh-TW" b="1" dirty="0" smtClean="0"/>
+                        <a:t>%</a:t>
                       </a:r>
                       <a:endParaRPr lang="zh-MO" altLang="en-US" b="1" dirty="0"/>
                     </a:p>
@@ -9304,8 +9308,12 @@
                     <a:lstStyle/>
                     <a:p>
                       <a:r>
+                        <a:rPr lang="en-US" altLang="zh-TW" b="1" smtClean="0"/>
+                        <a:t>14.03</a:t>
+                      </a:r>
+                      <a:r>
                         <a:rPr lang="en-US" altLang="zh-TW" b="1" dirty="0" smtClean="0"/>
-                        <a:t>10.03%</a:t>
+                        <a:t>%</a:t>
                       </a:r>
                       <a:endParaRPr lang="zh-MO" altLang="en-US" b="1" dirty="0"/>
                     </a:p>
@@ -9573,7 +9581,6 @@
               <a:rPr lang="en-US" altLang="zh-MO" dirty="0"/>
               <a:t>-learn: machine learning in Python</a:t>
             </a:r>
-            <a:endParaRPr lang="en-US" altLang="zh-MO" dirty="0"/>
           </a:p>
           <a:p>
             <a:r>
